--- a/screen_design_v2.pptx
+++ b/screen_design_v2.pptx
@@ -12,6 +12,7 @@
     <p:sldId id="261" r:id="rId6"/>
     <p:sldId id="259" r:id="rId7"/>
     <p:sldId id="260" r:id="rId8"/>
+    <p:sldId id="263" r:id="rId9"/>
   </p:sldIdLst>
   <p:sldSz cx="12192000" cy="6858000"/>
   <p:notesSz cx="6858000" cy="9144000"/>
@@ -112,7 +113,7 @@
   </p:defaultTextStyle>
   <p:extLst>
     <p:ext uri="{EFAFB233-063F-42B5-8137-9DF3F51BA10A}">
-      <p15:sldGuideLst xmlns:p15="http://schemas.microsoft.com/office/powerpoint/2012/main"/>
+      <p15:sldGuideLst xmlns:p15="http://schemas.microsoft.com/office/powerpoint/2012/main" xmlns=""/>
     </p:ext>
   </p:extLst>
 </p:presentation>
@@ -247,7 +248,7 @@
           <a:p>
             <a:fld id="{1CBE64D5-8396-4795-93C6-BDB867224373}" type="datetimeFigureOut">
               <a:rPr kumimoji="1" lang="ja-JP" altLang="en-US" smtClean="0"/>
-              <a:t>2017/6/27</a:t>
+              <a:t>17/06/27</a:t>
             </a:fld>
             <a:endParaRPr kumimoji="1" lang="ja-JP" altLang="en-US"/>
           </a:p>
@@ -447,7 +448,7 @@
           <a:p>
             <a:fld id="{1CBE64D5-8396-4795-93C6-BDB867224373}" type="datetimeFigureOut">
               <a:rPr kumimoji="1" lang="ja-JP" altLang="en-US" smtClean="0"/>
-              <a:t>2017/6/27</a:t>
+              <a:t>17/06/27</a:t>
             </a:fld>
             <a:endParaRPr kumimoji="1" lang="ja-JP" altLang="en-US"/>
           </a:p>
@@ -657,7 +658,7 @@
           <a:p>
             <a:fld id="{1CBE64D5-8396-4795-93C6-BDB867224373}" type="datetimeFigureOut">
               <a:rPr kumimoji="1" lang="ja-JP" altLang="en-US" smtClean="0"/>
-              <a:t>2017/6/27</a:t>
+              <a:t>17/06/27</a:t>
             </a:fld>
             <a:endParaRPr kumimoji="1" lang="ja-JP" altLang="en-US"/>
           </a:p>
@@ -857,7 +858,7 @@
           <a:p>
             <a:fld id="{1CBE64D5-8396-4795-93C6-BDB867224373}" type="datetimeFigureOut">
               <a:rPr kumimoji="1" lang="ja-JP" altLang="en-US" smtClean="0"/>
-              <a:t>2017/6/27</a:t>
+              <a:t>17/06/27</a:t>
             </a:fld>
             <a:endParaRPr kumimoji="1" lang="ja-JP" altLang="en-US"/>
           </a:p>
@@ -1102,7 +1103,7 @@
           <a:p>
             <a:fld id="{1CBE64D5-8396-4795-93C6-BDB867224373}" type="datetimeFigureOut">
               <a:rPr kumimoji="1" lang="ja-JP" altLang="en-US" smtClean="0"/>
-              <a:t>2017/6/27</a:t>
+              <a:t>17/06/27</a:t>
             </a:fld>
             <a:endParaRPr kumimoji="1" lang="ja-JP" altLang="en-US"/>
           </a:p>
@@ -1395,7 +1396,7 @@
           <a:p>
             <a:fld id="{1CBE64D5-8396-4795-93C6-BDB867224373}" type="datetimeFigureOut">
               <a:rPr kumimoji="1" lang="ja-JP" altLang="en-US" smtClean="0"/>
-              <a:t>2017/6/27</a:t>
+              <a:t>17/06/27</a:t>
             </a:fld>
             <a:endParaRPr kumimoji="1" lang="ja-JP" altLang="en-US"/>
           </a:p>
@@ -1823,7 +1824,7 @@
           <a:p>
             <a:fld id="{1CBE64D5-8396-4795-93C6-BDB867224373}" type="datetimeFigureOut">
               <a:rPr kumimoji="1" lang="ja-JP" altLang="en-US" smtClean="0"/>
-              <a:t>2017/6/27</a:t>
+              <a:t>17/06/27</a:t>
             </a:fld>
             <a:endParaRPr kumimoji="1" lang="ja-JP" altLang="en-US"/>
           </a:p>
@@ -1940,7 +1941,7 @@
           <a:p>
             <a:fld id="{1CBE64D5-8396-4795-93C6-BDB867224373}" type="datetimeFigureOut">
               <a:rPr kumimoji="1" lang="ja-JP" altLang="en-US" smtClean="0"/>
-              <a:t>2017/6/27</a:t>
+              <a:t>17/06/27</a:t>
             </a:fld>
             <a:endParaRPr kumimoji="1" lang="ja-JP" altLang="en-US"/>
           </a:p>
@@ -2035,7 +2036,7 @@
           <a:p>
             <a:fld id="{1CBE64D5-8396-4795-93C6-BDB867224373}" type="datetimeFigureOut">
               <a:rPr kumimoji="1" lang="ja-JP" altLang="en-US" smtClean="0"/>
-              <a:t>2017/6/27</a:t>
+              <a:t>17/06/27</a:t>
             </a:fld>
             <a:endParaRPr kumimoji="1" lang="ja-JP" altLang="en-US"/>
           </a:p>
@@ -2342,7 +2343,7 @@
           <a:p>
             <a:fld id="{1CBE64D5-8396-4795-93C6-BDB867224373}" type="datetimeFigureOut">
               <a:rPr kumimoji="1" lang="ja-JP" altLang="en-US" smtClean="0"/>
-              <a:t>2017/6/27</a:t>
+              <a:t>17/06/27</a:t>
             </a:fld>
             <a:endParaRPr kumimoji="1" lang="ja-JP" altLang="en-US"/>
           </a:p>
@@ -2594,7 +2595,7 @@
           <a:p>
             <a:fld id="{1CBE64D5-8396-4795-93C6-BDB867224373}" type="datetimeFigureOut">
               <a:rPr kumimoji="1" lang="ja-JP" altLang="en-US" smtClean="0"/>
-              <a:t>2017/6/27</a:t>
+              <a:t>17/06/27</a:t>
             </a:fld>
             <a:endParaRPr kumimoji="1" lang="ja-JP" altLang="en-US"/>
           </a:p>
@@ -2837,7 +2838,7 @@
           <a:p>
             <a:fld id="{1CBE64D5-8396-4795-93C6-BDB867224373}" type="datetimeFigureOut">
               <a:rPr kumimoji="1" lang="ja-JP" altLang="en-US" smtClean="0"/>
-              <a:t>2017/6/27</a:t>
+              <a:t>17/06/27</a:t>
             </a:fld>
             <a:endParaRPr kumimoji="1" lang="ja-JP" altLang="en-US"/>
           </a:p>
@@ -3351,7 +3352,7 @@
           </a:prstGeom>
           <a:noFill/>
           <a:extLst>
-            <a:ext uri="{909E8E84-426E-40DD-AFC4-6F175D3DCCD1}">
+            <a:ext uri="{909E8E84-426E-40dd-AFC4-6F175D3DCCD1}">
               <a14:hiddenFill xmlns:a14="http://schemas.microsoft.com/office/drawing/2010/main">
                 <a:solidFill>
                   <a:srgbClr val="FFFFFF"/>
@@ -3518,7 +3519,7 @@
           </a:prstGeom>
           <a:noFill/>
           <a:extLst>
-            <a:ext uri="{909E8E84-426E-40DD-AFC4-6F175D3DCCD1}">
+            <a:ext uri="{909E8E84-426E-40dd-AFC4-6F175D3DCCD1}">
               <a14:hiddenFill xmlns:a14="http://schemas.microsoft.com/office/drawing/2010/main">
                 <a:solidFill>
                   <a:srgbClr val="FFFFFF"/>
@@ -3751,7 +3752,7 @@
           </a:prstGeom>
           <a:noFill/>
           <a:extLst>
-            <a:ext uri="{909E8E84-426E-40DD-AFC4-6F175D3DCCD1}">
+            <a:ext uri="{909E8E84-426E-40dd-AFC4-6F175D3DCCD1}">
               <a14:hiddenFill xmlns:a14="http://schemas.microsoft.com/office/drawing/2010/main">
                 <a:solidFill>
                   <a:srgbClr val="FFFFFF"/>
@@ -4361,7 +4362,7 @@
           </a:prstGeom>
           <a:noFill/>
           <a:extLst>
-            <a:ext uri="{909E8E84-426E-40DD-AFC4-6F175D3DCCD1}">
+            <a:ext uri="{909E8E84-426E-40dd-AFC4-6F175D3DCCD1}">
               <a14:hiddenFill xmlns:a14="http://schemas.microsoft.com/office/drawing/2010/main">
                 <a:solidFill>
                   <a:srgbClr val="FFFFFF"/>
@@ -5781,6 +5782,720 @@
     <p:extLst>
       <p:ext uri="{BB962C8B-B14F-4D97-AF65-F5344CB8AC3E}">
         <p14:creationId xmlns:p14="http://schemas.microsoft.com/office/powerpoint/2010/main" val="1897407992"/>
+      </p:ext>
+    </p:extLst>
+  </p:cSld>
+  <p:clrMapOvr>
+    <a:masterClrMapping/>
+  </p:clrMapOvr>
+</p:sld>
+</file>
+
+<file path=ppt/slides/slide8.xml><?xml version="1.0" encoding="utf-8"?>
+<p:sld xmlns:a="http://schemas.openxmlformats.org/drawingml/2006/main" xmlns:r="http://schemas.openxmlformats.org/officeDocument/2006/relationships" xmlns:p="http://schemas.openxmlformats.org/presentationml/2006/main">
+  <p:cSld>
+    <p:spTree>
+      <p:nvGrpSpPr>
+        <p:cNvPr id="1" name=""/>
+        <p:cNvGrpSpPr/>
+        <p:nvPr/>
+      </p:nvGrpSpPr>
+      <p:grpSpPr>
+        <a:xfrm>
+          <a:off x="0" y="0"/>
+          <a:ext cx="0" cy="0"/>
+          <a:chOff x="0" y="0"/>
+          <a:chExt cx="0" cy="0"/>
+        </a:xfrm>
+      </p:grpSpPr>
+      <p:sp>
+        <p:nvSpPr>
+          <p:cNvPr id="7169" name="AutoShape 3"/>
+          <p:cNvSpPr>
+            <a:spLocks noChangeArrowheads="1"/>
+          </p:cNvSpPr>
+          <p:nvPr/>
+        </p:nvSpPr>
+        <p:spPr bwMode="auto">
+          <a:xfrm>
+            <a:off x="3598863" y="1801813"/>
+            <a:ext cx="1536700" cy="431800"/>
+          </a:xfrm>
+          <a:prstGeom prst="roundRect">
+            <a:avLst>
+              <a:gd name="adj" fmla="val 16667"/>
+            </a:avLst>
+          </a:prstGeom>
+          <a:noFill/>
+          <a:ln w="9525">
+            <a:solidFill>
+              <a:schemeClr val="tx1"/>
+            </a:solidFill>
+            <a:round/>
+            <a:headEnd/>
+            <a:tailEnd/>
+          </a:ln>
+          <a:extLst>
+            <a:ext uri="{909E8E84-426E-40dd-AFC4-6F175D3DCCD1}">
+              <a14:hiddenFill xmlns:a14="http://schemas.microsoft.com/office/drawing/2010/main">
+                <a:solidFill>
+                  <a:srgbClr val="FFFFFF"/>
+                </a:solidFill>
+              </a14:hiddenFill>
+            </a:ext>
+          </a:extLst>
+        </p:spPr>
+        <p:txBody>
+          <a:bodyPr wrap="none" anchor="ctr"/>
+          <a:lstStyle/>
+          <a:p>
+            <a:pPr algn="ctr"/>
+            <a:r>
+              <a:rPr lang="ja-JP" altLang="en-US" sz="2000">
+                <a:ea typeface="游ゴシック" charset="0"/>
+                <a:cs typeface="游ゴシック" charset="0"/>
+              </a:rPr>
+              <a:t>ログイン</a:t>
+            </a:r>
+          </a:p>
+        </p:txBody>
+      </p:sp>
+      <p:sp>
+        <p:nvSpPr>
+          <p:cNvPr id="7170" name="AutoShape 4"/>
+          <p:cNvSpPr>
+            <a:spLocks noChangeArrowheads="1"/>
+          </p:cNvSpPr>
+          <p:nvPr/>
+        </p:nvSpPr>
+        <p:spPr bwMode="auto">
+          <a:xfrm>
+            <a:off x="4068763" y="2678113"/>
+            <a:ext cx="2527300" cy="431800"/>
+          </a:xfrm>
+          <a:prstGeom prst="roundRect">
+            <a:avLst>
+              <a:gd name="adj" fmla="val 16667"/>
+            </a:avLst>
+          </a:prstGeom>
+          <a:noFill/>
+          <a:ln w="9525">
+            <a:solidFill>
+              <a:schemeClr val="tx1"/>
+            </a:solidFill>
+            <a:round/>
+            <a:headEnd/>
+            <a:tailEnd/>
+          </a:ln>
+          <a:extLst>
+            <a:ext uri="{909E8E84-426E-40dd-AFC4-6F175D3DCCD1}">
+              <a14:hiddenFill xmlns:a14="http://schemas.microsoft.com/office/drawing/2010/main">
+                <a:solidFill>
+                  <a:srgbClr val="FFFFFF"/>
+                </a:solidFill>
+              </a14:hiddenFill>
+            </a:ext>
+          </a:extLst>
+        </p:spPr>
+        <p:txBody>
+          <a:bodyPr wrap="none" anchor="ctr"/>
+          <a:lstStyle/>
+          <a:p>
+            <a:pPr algn="ctr"/>
+            <a:r>
+              <a:rPr lang="en-US" sz="2000"/>
+              <a:t>俳句作成画面</a:t>
+            </a:r>
+            <a:endParaRPr lang="ja-JP" altLang="en-US" sz="2000">
+              <a:ea typeface="游ゴシック" charset="0"/>
+              <a:cs typeface="游ゴシック" charset="0"/>
+            </a:endParaRPr>
+          </a:p>
+        </p:txBody>
+      </p:sp>
+      <p:cxnSp>
+        <p:nvCxnSpPr>
+          <p:cNvPr id="7171" name="AutoShape 5"/>
+          <p:cNvCxnSpPr>
+            <a:cxnSpLocks noChangeShapeType="1"/>
+            <a:stCxn id="7169" idx="2"/>
+            <a:endCxn id="7170" idx="0"/>
+          </p:cNvCxnSpPr>
+          <p:nvPr/>
+        </p:nvCxnSpPr>
+        <p:spPr bwMode="auto">
+          <a:xfrm>
+            <a:off x="4367213" y="2233613"/>
+            <a:ext cx="965200" cy="444500"/>
+          </a:xfrm>
+          <a:prstGeom prst="straightConnector1">
+            <a:avLst/>
+          </a:prstGeom>
+          <a:noFill/>
+          <a:ln w="9525">
+            <a:solidFill>
+              <a:schemeClr val="tx1"/>
+            </a:solidFill>
+            <a:round/>
+            <a:headEnd/>
+            <a:tailEnd type="triangle" w="lg" len="lg"/>
+          </a:ln>
+          <a:extLst>
+            <a:ext uri="{909E8E84-426E-40dd-AFC4-6F175D3DCCD1}">
+              <a14:hiddenFill xmlns:a14="http://schemas.microsoft.com/office/drawing/2010/main">
+                <a:noFill/>
+              </a14:hiddenFill>
+            </a:ext>
+          </a:extLst>
+        </p:spPr>
+      </p:cxnSp>
+      <p:cxnSp>
+        <p:nvCxnSpPr>
+          <p:cNvPr id="7172" name="AutoShape 5"/>
+          <p:cNvCxnSpPr>
+            <a:cxnSpLocks noChangeShapeType="1"/>
+            <a:stCxn id="7170" idx="2"/>
+            <a:endCxn id="7173" idx="0"/>
+          </p:cNvCxnSpPr>
+          <p:nvPr/>
+        </p:nvCxnSpPr>
+        <p:spPr bwMode="auto">
+          <a:xfrm>
+            <a:off x="5332413" y="3109913"/>
+            <a:ext cx="1909762" cy="989012"/>
+          </a:xfrm>
+          <a:prstGeom prst="straightConnector1">
+            <a:avLst/>
+          </a:prstGeom>
+          <a:noFill/>
+          <a:ln w="9525">
+            <a:solidFill>
+              <a:schemeClr val="tx1"/>
+            </a:solidFill>
+            <a:round/>
+            <a:headEnd/>
+            <a:tailEnd type="triangle" w="lg" len="lg"/>
+          </a:ln>
+          <a:extLst>
+            <a:ext uri="{909E8E84-426E-40dd-AFC4-6F175D3DCCD1}">
+              <a14:hiddenFill xmlns:a14="http://schemas.microsoft.com/office/drawing/2010/main">
+                <a:noFill/>
+              </a14:hiddenFill>
+            </a:ext>
+          </a:extLst>
+        </p:spPr>
+      </p:cxnSp>
+      <p:sp>
+        <p:nvSpPr>
+          <p:cNvPr id="7173" name="AutoShape 4"/>
+          <p:cNvSpPr>
+            <a:spLocks noChangeArrowheads="1"/>
+          </p:cNvSpPr>
+          <p:nvPr/>
+        </p:nvSpPr>
+        <p:spPr bwMode="auto">
+          <a:xfrm>
+            <a:off x="5722938" y="4098925"/>
+            <a:ext cx="3038475" cy="406400"/>
+          </a:xfrm>
+          <a:prstGeom prst="roundRect">
+            <a:avLst>
+              <a:gd name="adj" fmla="val 16667"/>
+            </a:avLst>
+          </a:prstGeom>
+          <a:noFill/>
+          <a:ln w="9525">
+            <a:solidFill>
+              <a:schemeClr val="tx1"/>
+            </a:solidFill>
+            <a:round/>
+            <a:headEnd/>
+            <a:tailEnd/>
+          </a:ln>
+          <a:extLst>
+            <a:ext uri="{909E8E84-426E-40dd-AFC4-6F175D3DCCD1}">
+              <a14:hiddenFill xmlns:a14="http://schemas.microsoft.com/office/drawing/2010/main">
+                <a:solidFill>
+                  <a:srgbClr val="FFFFFF"/>
+                </a:solidFill>
+              </a14:hiddenFill>
+            </a:ext>
+          </a:extLst>
+        </p:spPr>
+        <p:txBody>
+          <a:bodyPr wrap="none" anchor="ctr"/>
+          <a:lstStyle/>
+          <a:p>
+            <a:pPr algn="ctr"/>
+            <a:r>
+              <a:rPr lang="ja-JP" altLang="en-US" sz="2000">
+                <a:ea typeface="游ゴシック" charset="0"/>
+                <a:cs typeface="游ゴシック" charset="0"/>
+              </a:rPr>
+              <a:t>俳句画像表示</a:t>
+            </a:r>
+            <a:r>
+              <a:rPr lang="en-US" sz="2000"/>
+              <a:t>画面</a:t>
+            </a:r>
+            <a:endParaRPr lang="ja-JP" altLang="en-US" sz="2000">
+              <a:ea typeface="游ゴシック" charset="0"/>
+              <a:cs typeface="游ゴシック" charset="0"/>
+            </a:endParaRPr>
+          </a:p>
+        </p:txBody>
+      </p:sp>
+      <p:sp>
+        <p:nvSpPr>
+          <p:cNvPr id="7174" name="AutoShape 4"/>
+          <p:cNvSpPr>
+            <a:spLocks noChangeArrowheads="1"/>
+          </p:cNvSpPr>
+          <p:nvPr/>
+        </p:nvSpPr>
+        <p:spPr bwMode="auto">
+          <a:xfrm>
+            <a:off x="1849438" y="4098925"/>
+            <a:ext cx="3038475" cy="406400"/>
+          </a:xfrm>
+          <a:prstGeom prst="roundRect">
+            <a:avLst>
+              <a:gd name="adj" fmla="val 16667"/>
+            </a:avLst>
+          </a:prstGeom>
+          <a:noFill/>
+          <a:ln w="9525">
+            <a:solidFill>
+              <a:schemeClr val="tx1"/>
+            </a:solidFill>
+            <a:round/>
+            <a:headEnd/>
+            <a:tailEnd/>
+          </a:ln>
+          <a:extLst>
+            <a:ext uri="{909E8E84-426E-40dd-AFC4-6F175D3DCCD1}">
+              <a14:hiddenFill xmlns:a14="http://schemas.microsoft.com/office/drawing/2010/main">
+                <a:solidFill>
+                  <a:srgbClr val="FFFFFF"/>
+                </a:solidFill>
+              </a14:hiddenFill>
+            </a:ext>
+          </a:extLst>
+        </p:spPr>
+        <p:txBody>
+          <a:bodyPr wrap="none" anchor="ctr"/>
+          <a:lstStyle/>
+          <a:p>
+            <a:pPr algn="ctr"/>
+            <a:r>
+              <a:rPr lang="ja-JP" altLang="en-US" sz="2000">
+                <a:ea typeface="游ゴシック" charset="0"/>
+                <a:cs typeface="游ゴシック" charset="0"/>
+              </a:rPr>
+              <a:t>W</a:t>
+            </a:r>
+            <a:r>
+              <a:rPr lang="en-US" altLang="ja-JP" sz="2000">
+                <a:ea typeface="游ゴシック" charset="0"/>
+                <a:cs typeface="游ゴシック" charset="0"/>
+              </a:rPr>
+              <a:t>ordCloud</a:t>
+            </a:r>
+            <a:r>
+              <a:rPr lang="ja-JP" altLang="en-US" sz="2000">
+                <a:ea typeface="游ゴシック" charset="0"/>
+                <a:cs typeface="游ゴシック" charset="0"/>
+              </a:rPr>
+              <a:t>画面</a:t>
+            </a:r>
+          </a:p>
+        </p:txBody>
+      </p:sp>
+      <p:cxnSp>
+        <p:nvCxnSpPr>
+          <p:cNvPr id="7175" name="AutoShape 5"/>
+          <p:cNvCxnSpPr>
+            <a:cxnSpLocks noChangeShapeType="1"/>
+            <a:stCxn id="7170" idx="2"/>
+            <a:endCxn id="7174" idx="0"/>
+          </p:cNvCxnSpPr>
+          <p:nvPr/>
+        </p:nvCxnSpPr>
+        <p:spPr bwMode="auto">
+          <a:xfrm flipH="1">
+            <a:off x="3368675" y="3109913"/>
+            <a:ext cx="1963738" cy="989012"/>
+          </a:xfrm>
+          <a:prstGeom prst="straightConnector1">
+            <a:avLst/>
+          </a:prstGeom>
+          <a:noFill/>
+          <a:ln w="9525">
+            <a:solidFill>
+              <a:schemeClr val="tx1"/>
+            </a:solidFill>
+            <a:round/>
+            <a:headEnd/>
+            <a:tailEnd type="triangle" w="lg" len="lg"/>
+          </a:ln>
+          <a:extLst>
+            <a:ext uri="{909E8E84-426E-40dd-AFC4-6F175D3DCCD1}">
+              <a14:hiddenFill xmlns:a14="http://schemas.microsoft.com/office/drawing/2010/main">
+                <a:noFill/>
+              </a14:hiddenFill>
+            </a:ext>
+          </a:extLst>
+        </p:spPr>
+      </p:cxnSp>
+      <p:cxnSp>
+        <p:nvCxnSpPr>
+          <p:cNvPr id="26" name="カギ線コネクタ 25"/>
+          <p:cNvCxnSpPr>
+            <a:stCxn id="7173" idx="3"/>
+            <a:endCxn id="7170" idx="3"/>
+          </p:cNvCxnSpPr>
+          <p:nvPr/>
+        </p:nvCxnSpPr>
+        <p:spPr>
+          <a:xfrm flipH="1" flipV="1">
+            <a:off x="6596063" y="2894013"/>
+            <a:ext cx="2165350" cy="1408112"/>
+          </a:xfrm>
+          <a:prstGeom prst="bentConnector3">
+            <a:avLst>
+              <a:gd name="adj1" fmla="val -14078"/>
+            </a:avLst>
+          </a:prstGeom>
+          <a:ln w="9525" cmpd="sng">
+            <a:solidFill>
+              <a:schemeClr val="tx1"/>
+            </a:solidFill>
+            <a:tailEnd type="triangle" w="lg" len="lg"/>
+          </a:ln>
+        </p:spPr>
+        <p:style>
+          <a:lnRef idx="2">
+            <a:schemeClr val="accent1"/>
+          </a:lnRef>
+          <a:fillRef idx="0">
+            <a:schemeClr val="accent1"/>
+          </a:fillRef>
+          <a:effectRef idx="1">
+            <a:schemeClr val="accent1"/>
+          </a:effectRef>
+          <a:fontRef idx="minor">
+            <a:schemeClr val="tx1"/>
+          </a:fontRef>
+        </p:style>
+      </p:cxnSp>
+      <p:cxnSp>
+        <p:nvCxnSpPr>
+          <p:cNvPr id="33" name="カギ線コネクタ 32"/>
+          <p:cNvCxnSpPr>
+            <a:stCxn id="7174" idx="1"/>
+            <a:endCxn id="7170" idx="1"/>
+          </p:cNvCxnSpPr>
+          <p:nvPr/>
+        </p:nvCxnSpPr>
+        <p:spPr>
+          <a:xfrm rot="10800000" flipH="1">
+            <a:off x="1849438" y="2894013"/>
+            <a:ext cx="2219325" cy="1408112"/>
+          </a:xfrm>
+          <a:prstGeom prst="bentConnector3">
+            <a:avLst>
+              <a:gd name="adj1" fmla="val -13739"/>
+            </a:avLst>
+          </a:prstGeom>
+          <a:ln w="9525" cmpd="sng">
+            <a:solidFill>
+              <a:schemeClr val="tx1"/>
+            </a:solidFill>
+            <a:tailEnd type="triangle" w="lg" len="lg"/>
+          </a:ln>
+        </p:spPr>
+        <p:style>
+          <a:lnRef idx="2">
+            <a:schemeClr val="accent1"/>
+          </a:lnRef>
+          <a:fillRef idx="0">
+            <a:schemeClr val="accent1"/>
+          </a:fillRef>
+          <a:effectRef idx="1">
+            <a:schemeClr val="accent1"/>
+          </a:effectRef>
+          <a:fontRef idx="minor">
+            <a:schemeClr val="tx1"/>
+          </a:fontRef>
+        </p:style>
+      </p:cxnSp>
+      <p:sp>
+        <p:nvSpPr>
+          <p:cNvPr id="7178" name="AutoShape 3"/>
+          <p:cNvSpPr>
+            <a:spLocks noChangeArrowheads="1"/>
+          </p:cNvSpPr>
+          <p:nvPr/>
+        </p:nvSpPr>
+        <p:spPr bwMode="auto">
+          <a:xfrm>
+            <a:off x="6473825" y="1801813"/>
+            <a:ext cx="1536700" cy="431800"/>
+          </a:xfrm>
+          <a:prstGeom prst="roundRect">
+            <a:avLst>
+              <a:gd name="adj" fmla="val 16667"/>
+            </a:avLst>
+          </a:prstGeom>
+          <a:noFill/>
+          <a:ln w="9525">
+            <a:solidFill>
+              <a:schemeClr val="tx1"/>
+            </a:solidFill>
+            <a:round/>
+            <a:headEnd/>
+            <a:tailEnd/>
+          </a:ln>
+          <a:extLst>
+            <a:ext uri="{909E8E84-426E-40dd-AFC4-6F175D3DCCD1}">
+              <a14:hiddenFill xmlns:a14="http://schemas.microsoft.com/office/drawing/2010/main">
+                <a:solidFill>
+                  <a:srgbClr val="FFFFFF"/>
+                </a:solidFill>
+              </a14:hiddenFill>
+            </a:ext>
+          </a:extLst>
+        </p:spPr>
+        <p:txBody>
+          <a:bodyPr wrap="none" anchor="ctr"/>
+          <a:lstStyle/>
+          <a:p>
+            <a:pPr algn="ctr"/>
+            <a:r>
+              <a:rPr lang="ja-JP" altLang="en-US" sz="2000">
+                <a:ea typeface="游ゴシック" charset="0"/>
+                <a:cs typeface="游ゴシック" charset="0"/>
+              </a:rPr>
+              <a:t>設定</a:t>
+            </a:r>
+          </a:p>
+        </p:txBody>
+      </p:sp>
+      <p:cxnSp>
+        <p:nvCxnSpPr>
+          <p:cNvPr id="7179" name="AutoShape 5"/>
+          <p:cNvCxnSpPr>
+            <a:cxnSpLocks noChangeShapeType="1"/>
+            <a:stCxn id="7170" idx="0"/>
+            <a:endCxn id="7178" idx="2"/>
+          </p:cNvCxnSpPr>
+          <p:nvPr/>
+        </p:nvCxnSpPr>
+        <p:spPr bwMode="auto">
+          <a:xfrm flipV="1">
+            <a:off x="5332413" y="2233613"/>
+            <a:ext cx="1909762" cy="444500"/>
+          </a:xfrm>
+          <a:prstGeom prst="straightConnector1">
+            <a:avLst/>
+          </a:prstGeom>
+          <a:noFill/>
+          <a:ln w="9525">
+            <a:solidFill>
+              <a:schemeClr val="tx1"/>
+            </a:solidFill>
+            <a:round/>
+            <a:headEnd/>
+            <a:tailEnd type="triangle" w="lg" len="lg"/>
+          </a:ln>
+          <a:extLst>
+            <a:ext uri="{909E8E84-426E-40dd-AFC4-6F175D3DCCD1}">
+              <a14:hiddenFill xmlns:a14="http://schemas.microsoft.com/office/drawing/2010/main">
+                <a:noFill/>
+              </a14:hiddenFill>
+            </a:ext>
+          </a:extLst>
+        </p:spPr>
+      </p:cxnSp>
+      <p:sp>
+        <p:nvSpPr>
+          <p:cNvPr id="7180" name="タイトル 1"/>
+          <p:cNvSpPr txBox="1">
+            <a:spLocks/>
+          </p:cNvSpPr>
+          <p:nvPr/>
+        </p:nvSpPr>
+        <p:spPr bwMode="auto">
+          <a:xfrm>
+            <a:off x="3543300" y="-166688"/>
+            <a:ext cx="4103688" cy="1325563"/>
+          </a:xfrm>
+          <a:prstGeom prst="rect">
+            <a:avLst/>
+          </a:prstGeom>
+          <a:noFill/>
+          <a:ln>
+            <a:noFill/>
+          </a:ln>
+          <a:extLst>
+            <a:ext uri="{909E8E84-426E-40dd-AFC4-6F175D3DCCD1}">
+              <a14:hiddenFill xmlns:a14="http://schemas.microsoft.com/office/drawing/2010/main">
+                <a:solidFill>
+                  <a:srgbClr val="FFFFFF"/>
+                </a:solidFill>
+              </a14:hiddenFill>
+            </a:ext>
+            <a:ext uri="{91240B29-F687-4f45-9708-019B960494DF}">
+              <a14:hiddenLine xmlns:a14="http://schemas.microsoft.com/office/drawing/2010/main" w="9525">
+                <a:solidFill>
+                  <a:srgbClr val="000000"/>
+                </a:solidFill>
+                <a:miter lim="800000"/>
+                <a:headEnd/>
+                <a:tailEnd/>
+              </a14:hiddenLine>
+            </a:ext>
+          </a:extLst>
+        </p:spPr>
+        <p:txBody>
+          <a:bodyPr anchor="b"/>
+          <a:lstStyle>
+            <a:lvl1pPr>
+              <a:defRPr kumimoji="1">
+                <a:solidFill>
+                  <a:schemeClr val="tx1"/>
+                </a:solidFill>
+                <a:latin typeface="游ゴシック" charset="0"/>
+                <a:ea typeface="游ゴシック" charset="0"/>
+                <a:cs typeface="游ゴシック" charset="0"/>
+              </a:defRPr>
+            </a:lvl1pPr>
+            <a:lvl2pPr marL="742950" indent="-285750">
+              <a:defRPr kumimoji="1">
+                <a:solidFill>
+                  <a:schemeClr val="tx1"/>
+                </a:solidFill>
+                <a:latin typeface="游ゴシック" charset="0"/>
+                <a:ea typeface="游ゴシック" charset="0"/>
+                <a:cs typeface="游ゴシック" charset="0"/>
+              </a:defRPr>
+            </a:lvl2pPr>
+            <a:lvl3pPr marL="1143000" indent="-228600">
+              <a:defRPr kumimoji="1">
+                <a:solidFill>
+                  <a:schemeClr val="tx1"/>
+                </a:solidFill>
+                <a:latin typeface="游ゴシック" charset="0"/>
+                <a:ea typeface="游ゴシック" charset="0"/>
+                <a:cs typeface="游ゴシック" charset="0"/>
+              </a:defRPr>
+            </a:lvl3pPr>
+            <a:lvl4pPr marL="1600200" indent="-228600">
+              <a:defRPr kumimoji="1">
+                <a:solidFill>
+                  <a:schemeClr val="tx1"/>
+                </a:solidFill>
+                <a:latin typeface="游ゴシック" charset="0"/>
+                <a:ea typeface="游ゴシック" charset="0"/>
+                <a:cs typeface="游ゴシック" charset="0"/>
+              </a:defRPr>
+            </a:lvl4pPr>
+            <a:lvl5pPr marL="2057400" indent="-228600">
+              <a:defRPr kumimoji="1">
+                <a:solidFill>
+                  <a:schemeClr val="tx1"/>
+                </a:solidFill>
+                <a:latin typeface="游ゴシック" charset="0"/>
+                <a:ea typeface="游ゴシック" charset="0"/>
+                <a:cs typeface="游ゴシック" charset="0"/>
+              </a:defRPr>
+            </a:lvl5pPr>
+            <a:lvl6pPr marL="2514600" indent="-228600" fontAlgn="base">
+              <a:spcBef>
+                <a:spcPct val="0"/>
+              </a:spcBef>
+              <a:spcAft>
+                <a:spcPct val="0"/>
+              </a:spcAft>
+              <a:defRPr kumimoji="1">
+                <a:solidFill>
+                  <a:schemeClr val="tx1"/>
+                </a:solidFill>
+                <a:latin typeface="游ゴシック" charset="0"/>
+                <a:ea typeface="游ゴシック" charset="0"/>
+                <a:cs typeface="游ゴシック" charset="0"/>
+              </a:defRPr>
+            </a:lvl6pPr>
+            <a:lvl7pPr marL="2971800" indent="-228600" fontAlgn="base">
+              <a:spcBef>
+                <a:spcPct val="0"/>
+              </a:spcBef>
+              <a:spcAft>
+                <a:spcPct val="0"/>
+              </a:spcAft>
+              <a:defRPr kumimoji="1">
+                <a:solidFill>
+                  <a:schemeClr val="tx1"/>
+                </a:solidFill>
+                <a:latin typeface="游ゴシック" charset="0"/>
+                <a:ea typeface="游ゴシック" charset="0"/>
+                <a:cs typeface="游ゴシック" charset="0"/>
+              </a:defRPr>
+            </a:lvl7pPr>
+            <a:lvl8pPr marL="3429000" indent="-228600" fontAlgn="base">
+              <a:spcBef>
+                <a:spcPct val="0"/>
+              </a:spcBef>
+              <a:spcAft>
+                <a:spcPct val="0"/>
+              </a:spcAft>
+              <a:defRPr kumimoji="1">
+                <a:solidFill>
+                  <a:schemeClr val="tx1"/>
+                </a:solidFill>
+                <a:latin typeface="游ゴシック" charset="0"/>
+                <a:ea typeface="游ゴシック" charset="0"/>
+                <a:cs typeface="游ゴシック" charset="0"/>
+              </a:defRPr>
+            </a:lvl8pPr>
+            <a:lvl9pPr marL="3886200" indent="-228600" fontAlgn="base">
+              <a:spcBef>
+                <a:spcPct val="0"/>
+              </a:spcBef>
+              <a:spcAft>
+                <a:spcPct val="0"/>
+              </a:spcAft>
+              <a:defRPr kumimoji="1">
+                <a:solidFill>
+                  <a:schemeClr val="tx1"/>
+                </a:solidFill>
+                <a:latin typeface="游ゴシック" charset="0"/>
+                <a:ea typeface="游ゴシック" charset="0"/>
+                <a:cs typeface="游ゴシック" charset="0"/>
+              </a:defRPr>
+            </a:lvl9pPr>
+          </a:lstStyle>
+          <a:p>
+            <a:pPr algn="ctr">
+              <a:lnSpc>
+                <a:spcPct val="90000"/>
+              </a:lnSpc>
+            </a:pPr>
+            <a:r>
+              <a:rPr lang="ja-JP" altLang="en-US" sz="3200">
+                <a:latin typeface="游ゴシック Light" charset="0"/>
+                <a:ea typeface="游ゴシック Light" charset="0"/>
+                <a:cs typeface="游ゴシック Light" charset="0"/>
+              </a:rPr>
+              <a:t>画面遷移図</a:t>
+            </a:r>
+          </a:p>
+        </p:txBody>
+      </p:sp>
+    </p:spTree>
+    <p:extLst>
+      <p:ext uri="{BB962C8B-B14F-4D97-AF65-F5344CB8AC3E}">
+        <p14:creationId xmlns:p14="http://schemas.microsoft.com/office/powerpoint/2010/main" val="2934305550"/>
       </p:ext>
     </p:extLst>
   </p:cSld>
@@ -5833,7 +6548,7 @@
     </a:clrScheme>
     <a:fontScheme name="Office">
       <a:majorFont>
-        <a:latin typeface="游ゴシック Light" panose="020F0302020204030204"/>
+        <a:latin typeface="游ゴシック Light"/>
         <a:ea typeface=""/>
         <a:cs typeface=""/>
         <a:font script="Jpan" typeface="游ゴシック Light"/>
@@ -5885,7 +6600,7 @@
         <a:font script="Tfng" typeface="Ebrima"/>
       </a:majorFont>
       <a:minorFont>
-        <a:latin typeface="游ゴシック" panose="020F0502020204030204"/>
+        <a:latin typeface="游ゴシック"/>
         <a:ea typeface=""/>
         <a:cs typeface=""/>
         <a:font script="Jpan" typeface="游ゴシック"/>
@@ -6079,7 +6794,7 @@
   <a:extraClrSchemeLst/>
   <a:extLst>
     <a:ext uri="{05A4C25C-085E-4340-85A3-A5531E510DB2}">
-      <thm15:themeFamily xmlns:thm15="http://schemas.microsoft.com/office/thememl/2012/main" name="Office Theme" id="{62F939B6-93AF-4DB8-9C6B-D6C7DFDC589F}" vid="{4A3C46E8-61CC-4603-A589-7422A47A8E4A}"/>
+      <thm15:themeFamily xmlns:thm15="http://schemas.microsoft.com/office/thememl/2012/main" xmlns="" name="Office Theme" id="{62F939B6-93AF-4DB8-9C6B-D6C7DFDC589F}" vid="{4A3C46E8-61CC-4603-A589-7422A47A8E4A}"/>
     </a:ext>
   </a:extLst>
 </a:theme>

--- a/screen_design_v2.pptx
+++ b/screen_design_v2.pptx
@@ -7,11 +7,11 @@
   <p:sldIdLst>
     <p:sldId id="256" r:id="rId2"/>
     <p:sldId id="257" r:id="rId3"/>
-    <p:sldId id="262" r:id="rId4"/>
-    <p:sldId id="258" r:id="rId5"/>
-    <p:sldId id="261" r:id="rId6"/>
-    <p:sldId id="259" r:id="rId7"/>
-    <p:sldId id="260" r:id="rId8"/>
+    <p:sldId id="258" r:id="rId4"/>
+    <p:sldId id="261" r:id="rId5"/>
+    <p:sldId id="259" r:id="rId6"/>
+    <p:sldId id="260" r:id="rId7"/>
+    <p:sldId id="264" r:id="rId8"/>
     <p:sldId id="263" r:id="rId9"/>
   </p:sldIdLst>
   <p:sldSz cx="12192000" cy="6858000"/>
@@ -113,7 +113,7 @@
   </p:defaultTextStyle>
   <p:extLst>
     <p:ext uri="{EFAFB233-063F-42B5-8137-9DF3F51BA10A}">
-      <p15:sldGuideLst xmlns:p15="http://schemas.microsoft.com/office/powerpoint/2012/main" xmlns=""/>
+      <p15:sldGuideLst xmlns="" xmlns:p15="http://schemas.microsoft.com/office/powerpoint/2012/main"/>
     </p:ext>
   </p:extLst>
 </p:presentation>
@@ -3383,6 +3383,13 @@
   <p:clrMapOvr>
     <a:masterClrMapping/>
   </p:clrMapOvr>
+  <p:timing>
+    <p:tnLst>
+      <p:par>
+        <p:cTn xmlns:p14="http://schemas.microsoft.com/office/powerpoint/2010/main" id="1" dur="indefinite" restart="never" nodeType="tmRoot"/>
+      </p:par>
+    </p:tnLst>
+  </p:timing>
 </p:sld>
 </file>
 
@@ -3495,9 +3502,14 @@
           <a:p>
             <a:pPr algn="ctr"/>
             <a:r>
-              <a:rPr kumimoji="1" lang="ja-JP" altLang="en-US" sz="3200" dirty="0"/>
-              <a:t>ログイン画面</a:t>
-            </a:r>
+              <a:rPr lang="ja-JP" altLang="en-US" sz="3200" dirty="0" smtClean="0"/>
+              <a:t>タイトル</a:t>
+            </a:r>
+            <a:r>
+              <a:rPr kumimoji="1" lang="ja-JP" altLang="en-US" sz="3200" dirty="0" smtClean="0"/>
+              <a:t>画面</a:t>
+            </a:r>
+            <a:endParaRPr kumimoji="1" lang="ja-JP" altLang="en-US" sz="3200" dirty="0"/>
           </a:p>
         </p:txBody>
       </p:sp>
@@ -3575,8 +3587,8 @@
           <a:p>
             <a:pPr algn="ctr"/>
             <a:r>
-              <a:rPr lang="ja-JP" altLang="en-US" sz="2400" dirty="0"/>
-              <a:t>ログイン</a:t>
+              <a:rPr kumimoji="1" lang="en-US" altLang="ja-JP" sz="2400" dirty="0" err="1" smtClean="0"/>
+              <a:t>Haikooking</a:t>
             </a:r>
             <a:endParaRPr kumimoji="1" lang="ja-JP" altLang="en-US" sz="2400" dirty="0"/>
           </a:p>
@@ -3584,64 +3596,98 @@
       </p:sp>
       <p:sp>
         <p:nvSpPr>
-          <p:cNvPr id="14" name="正方形/長方形 13"/>
+          <p:cNvPr id="3" name="正方形/長方形 2"/>
           <p:cNvSpPr/>
           <p:nvPr/>
         </p:nvSpPr>
         <p:spPr>
           <a:xfrm>
-            <a:off x="4363656" y="3897484"/>
-            <a:ext cx="2129741" cy="653708"/>
+            <a:off x="3466222" y="2386764"/>
+            <a:ext cx="3916983" cy="923330"/>
           </a:xfrm>
           <a:prstGeom prst="rect">
             <a:avLst/>
           </a:prstGeom>
-          <a:solidFill>
-            <a:srgbClr val="FFFF00"/>
-          </a:solidFill>
-        </p:spPr>
-        <p:style>
-          <a:lnRef idx="2">
-            <a:schemeClr val="dk1"/>
-          </a:lnRef>
-          <a:fillRef idx="1">
-            <a:schemeClr val="lt1"/>
-          </a:fillRef>
-          <a:effectRef idx="0">
-            <a:schemeClr val="dk1"/>
-          </a:effectRef>
-          <a:fontRef idx="minor">
-            <a:schemeClr val="dk1"/>
-          </a:fontRef>
-        </p:style>
-        <p:txBody>
-          <a:bodyPr rtlCol="0" anchor="ctr"/>
+          <a:noFill/>
+        </p:spPr>
+        <p:txBody>
+          <a:bodyPr wrap="none" lIns="91440" tIns="45720" rIns="91440" bIns="45720">
+            <a:spAutoFit/>
+          </a:bodyPr>
           <a:lstStyle/>
           <a:p>
             <a:pPr algn="ctr"/>
             <a:r>
-              <a:rPr lang="ja-JP" altLang="en-US" sz="2000" dirty="0"/>
-              <a:t>スタート</a:t>
-            </a:r>
-            <a:endParaRPr kumimoji="1" lang="ja-JP" altLang="en-US" sz="2000" dirty="0"/>
-          </a:p>
-        </p:txBody>
-      </p:sp>
-      <p:sp>
-        <p:nvSpPr>
-          <p:cNvPr id="21" name="テキスト ボックス 20"/>
+              <a:rPr lang="en-US" altLang="ja-JP" sz="5400" b="1" dirty="0" err="1" smtClean="0">
+                <a:ln w="12700">
+                  <a:solidFill>
+                    <a:schemeClr val="tx2">
+                      <a:satMod val="155000"/>
+                    </a:schemeClr>
+                  </a:solidFill>
+                  <a:prstDash val="solid"/>
+                </a:ln>
+                <a:solidFill>
+                  <a:srgbClr val="A9D18E"/>
+                </a:solidFill>
+                <a:effectLst>
+                  <a:outerShdw blurRad="41275" dist="20320" dir="1800000" algn="tl" rotWithShape="0">
+                    <a:srgbClr val="000000">
+                      <a:alpha val="40000"/>
+                    </a:srgbClr>
+                  </a:outerShdw>
+                </a:effectLst>
+              </a:rPr>
+              <a:t>Haikooking</a:t>
+            </a:r>
+            <a:endParaRPr lang="ja-JP" altLang="en-US" sz="5400" b="1" cap="none" spc="0" dirty="0">
+              <a:ln w="12700">
+                <a:solidFill>
+                  <a:schemeClr val="tx2">
+                    <a:satMod val="155000"/>
+                  </a:schemeClr>
+                </a:solidFill>
+                <a:prstDash val="solid"/>
+              </a:ln>
+              <a:solidFill>
+                <a:srgbClr val="A9D18E"/>
+              </a:solidFill>
+              <a:effectLst>
+                <a:outerShdw blurRad="41275" dist="20320" dir="1800000" algn="tl" rotWithShape="0">
+                  <a:srgbClr val="000000">
+                    <a:alpha val="40000"/>
+                  </a:srgbClr>
+                </a:outerShdw>
+              </a:effectLst>
+            </a:endParaRPr>
+          </a:p>
+        </p:txBody>
+      </p:sp>
+      <p:sp>
+        <p:nvSpPr>
+          <p:cNvPr id="5" name="テキスト ボックス 4"/>
           <p:cNvSpPr txBox="1"/>
           <p:nvPr/>
         </p:nvSpPr>
         <p:spPr>
           <a:xfrm>
-            <a:off x="4255948" y="1844498"/>
-            <a:ext cx="2526818" cy="707886"/>
+            <a:off x="4553858" y="4100286"/>
+            <a:ext cx="2032000" cy="923330"/>
           </a:xfrm>
           <a:prstGeom prst="rect">
             <a:avLst/>
           </a:prstGeom>
-          <a:noFill/>
+          <a:solidFill>
+            <a:schemeClr val="accent4">
+              <a:lumMod val="60000"/>
+              <a:lumOff val="40000"/>
+            </a:schemeClr>
+          </a:solidFill>
+          <a:ln>
+            <a:solidFill>
+              <a:schemeClr val="tx1"/>
+            </a:solidFill>
+          </a:ln>
         </p:spPr>
         <p:txBody>
           <a:bodyPr wrap="square" rtlCol="0">
@@ -3649,24 +3695,17 @@
           </a:bodyPr>
           <a:lstStyle/>
           <a:p>
-            <a:r>
-              <a:rPr lang="en-US" altLang="ja-JP" sz="4000" dirty="0" err="1">
-                <a:latin typeface="HGP行書体" panose="03000600000000000000" pitchFamily="66" charset="-128"/>
-                <a:ea typeface="HGP行書体" panose="03000600000000000000" pitchFamily="66" charset="-128"/>
-              </a:rPr>
-              <a:t>H</a:t>
-            </a:r>
-            <a:r>
-              <a:rPr kumimoji="1" lang="en-US" altLang="ja-JP" sz="4000" dirty="0" err="1">
-                <a:latin typeface="HGP行書体" panose="03000600000000000000" pitchFamily="66" charset="-128"/>
-                <a:ea typeface="HGP行書体" panose="03000600000000000000" pitchFamily="66" charset="-128"/>
-              </a:rPr>
-              <a:t>aikooking</a:t>
-            </a:r>
-            <a:endParaRPr kumimoji="1" lang="ja-JP" altLang="en-US" sz="4000" dirty="0">
-              <a:latin typeface="HGP行書体" panose="03000600000000000000" pitchFamily="66" charset="-128"/>
-              <a:ea typeface="HGP行書体" panose="03000600000000000000" pitchFamily="66" charset="-128"/>
-            </a:endParaRPr>
+            <a:endParaRPr kumimoji="1" lang="en-US" altLang="ja-JP" dirty="0" smtClean="0"/>
+          </a:p>
+          <a:p>
+            <a:r>
+              <a:rPr kumimoji="1" lang="ja-JP" altLang="en-US" dirty="0" smtClean="0"/>
+              <a:t>　　スタート</a:t>
+            </a:r>
+            <a:endParaRPr kumimoji="1" lang="en-US" altLang="ja-JP" dirty="0" smtClean="0"/>
+          </a:p>
+          <a:p>
+            <a:endParaRPr kumimoji="1" lang="ja-JP" altLang="en-US" dirty="0"/>
           </a:p>
         </p:txBody>
       </p:sp>
@@ -3680,6 +3719,13 @@
   <p:clrMapOvr>
     <a:masterClrMapping/>
   </p:clrMapOvr>
+  <p:timing>
+    <p:tnLst>
+      <p:par>
+        <p:cTn xmlns:p14="http://schemas.microsoft.com/office/powerpoint/2010/main" id="1" dur="indefinite" restart="never" nodeType="tmRoot"/>
+      </p:par>
+    </p:tnLst>
+  </p:timing>
 </p:sld>
 </file>
 
@@ -3702,6 +3748,74 @@
       </p:grpSpPr>
       <p:sp>
         <p:nvSpPr>
+          <p:cNvPr id="4" name="正方形/長方形 3"/>
+          <p:cNvSpPr/>
+          <p:nvPr/>
+        </p:nvSpPr>
+        <p:spPr>
+          <a:xfrm>
+            <a:off x="2856737" y="1145894"/>
+            <a:ext cx="5942673" cy="5521124"/>
+          </a:xfrm>
+          <a:prstGeom prst="rect">
+            <a:avLst/>
+          </a:prstGeom>
+        </p:spPr>
+        <p:style>
+          <a:lnRef idx="2">
+            <a:schemeClr val="dk1"/>
+          </a:lnRef>
+          <a:fillRef idx="1">
+            <a:schemeClr val="lt1"/>
+          </a:fillRef>
+          <a:effectRef idx="0">
+            <a:schemeClr val="dk1"/>
+          </a:effectRef>
+          <a:fontRef idx="minor">
+            <a:schemeClr val="dk1"/>
+          </a:fontRef>
+        </p:style>
+        <p:txBody>
+          <a:bodyPr rtlCol="0" anchor="ctr"/>
+          <a:lstStyle/>
+          <a:p>
+            <a:pPr algn="ctr"/>
+            <a:endParaRPr kumimoji="1" lang="ja-JP" altLang="en-US" sz="2400" dirty="0"/>
+          </a:p>
+        </p:txBody>
+      </p:sp>
+      <p:pic>
+        <p:nvPicPr>
+          <p:cNvPr id="22" name="図 21"/>
+          <p:cNvPicPr>
+            <a:picLocks noChangeAspect="1"/>
+          </p:cNvPicPr>
+          <p:nvPr/>
+        </p:nvPicPr>
+        <p:blipFill>
+          <a:blip r:embed="rId2">
+            <a:extLst>
+              <a:ext uri="{28A0092B-C50C-407E-A947-70E740481C1C}">
+                <a14:useLocalDpi xmlns:a14="http://schemas.microsoft.com/office/drawing/2010/main" val="0"/>
+              </a:ext>
+            </a:extLst>
+          </a:blip>
+          <a:stretch>
+            <a:fillRect/>
+          </a:stretch>
+        </p:blipFill>
+        <p:spPr>
+          <a:xfrm>
+            <a:off x="2886207" y="1177963"/>
+            <a:ext cx="5926767" cy="5489055"/>
+          </a:xfrm>
+          <a:prstGeom prst="rect">
+            <a:avLst/>
+          </a:prstGeom>
+        </p:spPr>
+      </p:pic>
+      <p:sp>
+        <p:nvSpPr>
           <p:cNvPr id="2" name="タイトル 1"/>
           <p:cNvSpPr>
             <a:spLocks noGrp="1"/>
@@ -3712,8 +3826,8 @@
         </p:nvSpPr>
         <p:spPr>
           <a:xfrm>
-            <a:off x="3542584" y="-166835"/>
-            <a:ext cx="4104745" cy="1325563"/>
+            <a:off x="3061723" y="72723"/>
+            <a:ext cx="5532699" cy="871261"/>
           </a:xfrm>
         </p:spPr>
         <p:txBody>
@@ -3724,13 +3838,2318 @@
           <a:p>
             <a:pPr algn="ctr"/>
             <a:r>
-              <a:rPr kumimoji="1" lang="en-US" altLang="ja-JP" sz="3200" dirty="0"/>
+              <a:rPr kumimoji="1" lang="ja-JP" altLang="en-US" sz="3200" dirty="0"/>
+              <a:t>俳句入力画面</a:t>
+            </a:r>
+          </a:p>
+        </p:txBody>
+      </p:sp>
+      <p:sp>
+        <p:nvSpPr>
+          <p:cNvPr id="5" name="正方形/長方形 4"/>
+          <p:cNvSpPr/>
+          <p:nvPr/>
+        </p:nvSpPr>
+        <p:spPr>
+          <a:xfrm>
+            <a:off x="2856737" y="819959"/>
+            <a:ext cx="5942673" cy="325935"/>
+          </a:xfrm>
+          <a:prstGeom prst="rect">
+            <a:avLst/>
+          </a:prstGeom>
+        </p:spPr>
+        <p:style>
+          <a:lnRef idx="2">
+            <a:schemeClr val="dk1"/>
+          </a:lnRef>
+          <a:fillRef idx="1">
+            <a:schemeClr val="lt1"/>
+          </a:fillRef>
+          <a:effectRef idx="0">
+            <a:schemeClr val="dk1"/>
+          </a:effectRef>
+          <a:fontRef idx="minor">
+            <a:schemeClr val="dk1"/>
+          </a:fontRef>
+        </p:style>
+        <p:txBody>
+          <a:bodyPr rtlCol="0" anchor="ctr"/>
+          <a:lstStyle/>
+          <a:p>
+            <a:r>
+              <a:rPr lang="ja-JP" altLang="en-US" sz="2400" dirty="0"/>
+              <a:t>俳句作成</a:t>
+            </a:r>
+            <a:endParaRPr kumimoji="1" lang="ja-JP" altLang="en-US" sz="2400" dirty="0"/>
+          </a:p>
+        </p:txBody>
+      </p:sp>
+      <p:sp>
+        <p:nvSpPr>
+          <p:cNvPr id="6" name="正方形/長方形 5"/>
+          <p:cNvSpPr/>
+          <p:nvPr/>
+        </p:nvSpPr>
+        <p:spPr>
+          <a:xfrm>
+            <a:off x="6667035" y="1794371"/>
+            <a:ext cx="509287" cy="3118018"/>
+          </a:xfrm>
+          <a:prstGeom prst="rect">
+            <a:avLst/>
+          </a:prstGeom>
+        </p:spPr>
+        <p:style>
+          <a:lnRef idx="2">
+            <a:schemeClr val="dk1"/>
+          </a:lnRef>
+          <a:fillRef idx="1">
+            <a:schemeClr val="lt1"/>
+          </a:fillRef>
+          <a:effectRef idx="0">
+            <a:schemeClr val="dk1"/>
+          </a:effectRef>
+          <a:fontRef idx="minor">
+            <a:schemeClr val="dk1"/>
+          </a:fontRef>
+        </p:style>
+        <p:txBody>
+          <a:bodyPr vert="eaVert" rtlCol="0" anchor="ctr"/>
+          <a:lstStyle/>
+          <a:p>
+            <a:pPr algn="ctr"/>
+            <a:r>
+              <a:rPr kumimoji="1" lang="en-US" altLang="ja-JP" sz="2400" dirty="0"/>
+              <a:t>5</a:t>
+            </a:r>
+            <a:endParaRPr kumimoji="1" lang="ja-JP" altLang="en-US" sz="2400" dirty="0"/>
+          </a:p>
+        </p:txBody>
+      </p:sp>
+      <p:sp>
+        <p:nvSpPr>
+          <p:cNvPr id="7" name="正方形/長方形 6"/>
+          <p:cNvSpPr/>
+          <p:nvPr/>
+        </p:nvSpPr>
+        <p:spPr>
+          <a:xfrm>
+            <a:off x="5338446" y="1786055"/>
+            <a:ext cx="566452" cy="3832388"/>
+          </a:xfrm>
+          <a:prstGeom prst="rect">
+            <a:avLst/>
+          </a:prstGeom>
+        </p:spPr>
+        <p:style>
+          <a:lnRef idx="2">
+            <a:schemeClr val="dk1"/>
+          </a:lnRef>
+          <a:fillRef idx="1">
+            <a:schemeClr val="lt1"/>
+          </a:fillRef>
+          <a:effectRef idx="0">
+            <a:schemeClr val="dk1"/>
+          </a:effectRef>
+          <a:fontRef idx="minor">
+            <a:schemeClr val="dk1"/>
+          </a:fontRef>
+        </p:style>
+        <p:txBody>
+          <a:bodyPr vert="eaVert" rtlCol="0" anchor="ctr"/>
+          <a:lstStyle/>
+          <a:p>
+            <a:pPr algn="ctr"/>
+            <a:r>
+              <a:rPr kumimoji="1" lang="en-US" altLang="ja-JP" sz="2400" dirty="0"/>
+              <a:t>7</a:t>
+            </a:r>
+            <a:endParaRPr kumimoji="1" lang="ja-JP" altLang="en-US" sz="2400" dirty="0"/>
+          </a:p>
+        </p:txBody>
+      </p:sp>
+      <p:sp>
+        <p:nvSpPr>
+          <p:cNvPr id="8" name="正方形/長方形 7"/>
+          <p:cNvSpPr/>
+          <p:nvPr/>
+        </p:nvSpPr>
+        <p:spPr>
+          <a:xfrm>
+            <a:off x="3904083" y="1786055"/>
+            <a:ext cx="499105" cy="3126334"/>
+          </a:xfrm>
+          <a:prstGeom prst="rect">
+            <a:avLst/>
+          </a:prstGeom>
+        </p:spPr>
+        <p:style>
+          <a:lnRef idx="2">
+            <a:schemeClr val="dk1"/>
+          </a:lnRef>
+          <a:fillRef idx="1">
+            <a:schemeClr val="lt1"/>
+          </a:fillRef>
+          <a:effectRef idx="0">
+            <a:schemeClr val="dk1"/>
+          </a:effectRef>
+          <a:fontRef idx="minor">
+            <a:schemeClr val="dk1"/>
+          </a:fontRef>
+        </p:style>
+        <p:txBody>
+          <a:bodyPr vert="eaVert" rtlCol="0" anchor="ctr"/>
+          <a:lstStyle/>
+          <a:p>
+            <a:pPr algn="ctr"/>
+            <a:r>
+              <a:rPr lang="en-US" altLang="ja-JP" sz="2400" dirty="0"/>
+              <a:t>5</a:t>
+            </a:r>
+            <a:endParaRPr kumimoji="1" lang="ja-JP" altLang="en-US" sz="2400" dirty="0"/>
+          </a:p>
+        </p:txBody>
+      </p:sp>
+      <p:sp>
+        <p:nvSpPr>
+          <p:cNvPr id="10" name="正方形/長方形 9"/>
+          <p:cNvSpPr/>
+          <p:nvPr/>
+        </p:nvSpPr>
+        <p:spPr>
+          <a:xfrm>
+            <a:off x="5080665" y="5911734"/>
+            <a:ext cx="1648466" cy="376824"/>
+          </a:xfrm>
+          <a:prstGeom prst="rect">
+            <a:avLst/>
+          </a:prstGeom>
+          <a:solidFill>
+            <a:srgbClr val="FFFF00"/>
+          </a:solidFill>
+        </p:spPr>
+        <p:style>
+          <a:lnRef idx="2">
+            <a:schemeClr val="dk1"/>
+          </a:lnRef>
+          <a:fillRef idx="1">
+            <a:schemeClr val="lt1"/>
+          </a:fillRef>
+          <a:effectRef idx="0">
+            <a:schemeClr val="dk1"/>
+          </a:effectRef>
+          <a:fontRef idx="minor">
+            <a:schemeClr val="dk1"/>
+          </a:fontRef>
+        </p:style>
+        <p:txBody>
+          <a:bodyPr rtlCol="0" anchor="ctr"/>
+          <a:lstStyle/>
+          <a:p>
+            <a:pPr algn="ctr"/>
+            <a:r>
+              <a:rPr lang="ja-JP" altLang="en-US" sz="2400" dirty="0"/>
+              <a:t>作成</a:t>
+            </a:r>
+            <a:endParaRPr kumimoji="1" lang="ja-JP" altLang="en-US" sz="2400" dirty="0"/>
+          </a:p>
+        </p:txBody>
+      </p:sp>
+      <p:sp>
+        <p:nvSpPr>
+          <p:cNvPr id="16" name="テキスト ボックス 15"/>
+          <p:cNvSpPr txBox="1"/>
+          <p:nvPr/>
+        </p:nvSpPr>
+        <p:spPr>
+          <a:xfrm>
+            <a:off x="9680419" y="3906456"/>
+            <a:ext cx="1863106" cy="369332"/>
+          </a:xfrm>
+          <a:prstGeom prst="rect">
+            <a:avLst/>
+          </a:prstGeom>
+          <a:noFill/>
+        </p:spPr>
+        <p:txBody>
+          <a:bodyPr wrap="square" rtlCol="0">
+            <a:spAutoFit/>
+          </a:bodyPr>
+          <a:lstStyle/>
+          <a:p>
+            <a:r>
+              <a:rPr lang="ja-JP" altLang="en-US" dirty="0"/>
+              <a:t>＊縦入力は暫定</a:t>
+            </a:r>
+            <a:endParaRPr kumimoji="1" lang="ja-JP" altLang="en-US" dirty="0"/>
+          </a:p>
+        </p:txBody>
+      </p:sp>
+      <p:sp>
+        <p:nvSpPr>
+          <p:cNvPr id="18" name="正方形/長方形 17"/>
+          <p:cNvSpPr/>
+          <p:nvPr/>
+        </p:nvSpPr>
+        <p:spPr>
+          <a:xfrm>
+            <a:off x="2870301" y="5706319"/>
+            <a:ext cx="1464644" cy="960699"/>
+          </a:xfrm>
+          <a:prstGeom prst="rect">
+            <a:avLst/>
+          </a:prstGeom>
+          <a:solidFill>
+            <a:srgbClr val="FFC000"/>
+          </a:solidFill>
+        </p:spPr>
+        <p:style>
+          <a:lnRef idx="2">
+            <a:schemeClr val="dk1"/>
+          </a:lnRef>
+          <a:fillRef idx="1">
+            <a:schemeClr val="lt1"/>
+          </a:fillRef>
+          <a:effectRef idx="0">
+            <a:schemeClr val="dk1"/>
+          </a:effectRef>
+          <a:fontRef idx="minor">
+            <a:schemeClr val="dk1"/>
+          </a:fontRef>
+        </p:style>
+        <p:txBody>
+          <a:bodyPr rtlCol="0" anchor="ctr"/>
+          <a:lstStyle/>
+          <a:p>
+            <a:pPr algn="ctr"/>
+            <a:r>
+              <a:rPr kumimoji="1" lang="en-US" altLang="ja-JP" sz="2400" dirty="0" err="1"/>
+              <a:t>Wordcloud</a:t>
+            </a:r>
+            <a:r>
+              <a:rPr kumimoji="1" lang="ja-JP" altLang="en-US" sz="2400" dirty="0"/>
+              <a:t>を見る</a:t>
+            </a:r>
+          </a:p>
+        </p:txBody>
+      </p:sp>
+      <p:sp>
+        <p:nvSpPr>
+          <p:cNvPr id="19" name="テキスト ボックス 18"/>
+          <p:cNvSpPr txBox="1"/>
+          <p:nvPr/>
+        </p:nvSpPr>
+        <p:spPr>
+          <a:xfrm>
+            <a:off x="3823264" y="1308050"/>
+            <a:ext cx="3098414" cy="369332"/>
+          </a:xfrm>
+          <a:prstGeom prst="rect">
+            <a:avLst/>
+          </a:prstGeom>
+          <a:noFill/>
+        </p:spPr>
+        <p:txBody>
+          <a:bodyPr wrap="square" rtlCol="0">
+            <a:spAutoFit/>
+          </a:bodyPr>
+          <a:lstStyle/>
+          <a:p>
+            <a:pPr algn="ctr"/>
+            <a:r>
+              <a:rPr lang="ja-JP" altLang="en-US" dirty="0"/>
+              <a:t>ここで一句</a:t>
+            </a:r>
+            <a:endParaRPr kumimoji="1" lang="ja-JP" altLang="en-US" dirty="0"/>
+          </a:p>
+        </p:txBody>
+      </p:sp>
+      <p:sp>
+        <p:nvSpPr>
+          <p:cNvPr id="21" name="AutoShape 4" descr="和紙 に対する画像結果"/>
+          <p:cNvSpPr>
+            <a:spLocks noChangeAspect="1" noChangeArrowheads="1"/>
+          </p:cNvSpPr>
+          <p:nvPr/>
+        </p:nvSpPr>
+        <p:spPr bwMode="auto">
+          <a:xfrm>
+            <a:off x="4819650" y="2471738"/>
+            <a:ext cx="2552700" cy="1914525"/>
+          </a:xfrm>
+          <a:prstGeom prst="rect">
+            <a:avLst/>
+          </a:prstGeom>
+          <a:noFill/>
+          <a:extLst>
+            <a:ext uri="{909E8E84-426E-40dd-AFC4-6F175D3DCCD1}">
+              <a14:hiddenFill xmlns:a14="http://schemas.microsoft.com/office/drawing/2010/main">
+                <a:solidFill>
+                  <a:srgbClr val="FFFFFF"/>
+                </a:solidFill>
+              </a14:hiddenFill>
+            </a:ext>
+          </a:extLst>
+        </p:spPr>
+        <p:txBody>
+          <a:bodyPr vert="horz" wrap="square" lIns="91440" tIns="45720" rIns="91440" bIns="45720" numCol="1" anchor="t" anchorCtr="0" compatLnSpc="1">
+            <a:prstTxWarp prst="textNoShape">
+              <a:avLst/>
+            </a:prstTxWarp>
+          </a:bodyPr>
+          <a:lstStyle/>
+          <a:p>
+            <a:endParaRPr lang="ja-JP" altLang="en-US"/>
+          </a:p>
+        </p:txBody>
+      </p:sp>
+      <p:pic>
+        <p:nvPicPr>
+          <p:cNvPr id="11" name="図 10"/>
+          <p:cNvPicPr>
+            <a:picLocks noChangeAspect="1"/>
+          </p:cNvPicPr>
+          <p:nvPr/>
+        </p:nvPicPr>
+        <p:blipFill>
+          <a:blip r:embed="rId3">
+            <a:extLst>
+              <a:ext uri="{28A0092B-C50C-407E-A947-70E740481C1C}">
+                <a14:useLocalDpi xmlns:a14="http://schemas.microsoft.com/office/drawing/2010/main" val="0"/>
+              </a:ext>
+            </a:extLst>
+          </a:blip>
+          <a:stretch>
+            <a:fillRect/>
+          </a:stretch>
+        </p:blipFill>
+        <p:spPr>
+          <a:xfrm>
+            <a:off x="8178476" y="1192957"/>
+            <a:ext cx="601414" cy="601414"/>
+          </a:xfrm>
+          <a:prstGeom prst="rect">
+            <a:avLst/>
+          </a:prstGeom>
+        </p:spPr>
+      </p:pic>
+    </p:spTree>
+    <p:extLst>
+      <p:ext uri="{BB962C8B-B14F-4D97-AF65-F5344CB8AC3E}">
+        <p14:creationId xmlns:p14="http://schemas.microsoft.com/office/powerpoint/2010/main" val="1006625206"/>
+      </p:ext>
+    </p:extLst>
+  </p:cSld>
+  <p:clrMapOvr>
+    <a:masterClrMapping/>
+  </p:clrMapOvr>
+  <p:timing>
+    <p:tnLst>
+      <p:par>
+        <p:cTn xmlns:p14="http://schemas.microsoft.com/office/powerpoint/2010/main" id="1" dur="indefinite" restart="never" nodeType="tmRoot"/>
+      </p:par>
+    </p:tnLst>
+  </p:timing>
+</p:sld>
+</file>
+
+<file path=ppt/slides/slide4.xml><?xml version="1.0" encoding="utf-8"?>
+<p:sld xmlns:a="http://schemas.openxmlformats.org/drawingml/2006/main" xmlns:r="http://schemas.openxmlformats.org/officeDocument/2006/relationships" xmlns:p="http://schemas.openxmlformats.org/presentationml/2006/main">
+  <p:cSld>
+    <p:spTree>
+      <p:nvGrpSpPr>
+        <p:cNvPr id="1" name=""/>
+        <p:cNvGrpSpPr/>
+        <p:nvPr/>
+      </p:nvGrpSpPr>
+      <p:grpSpPr>
+        <a:xfrm>
+          <a:off x="0" y="0"/>
+          <a:ext cx="0" cy="0"/>
+          <a:chOff x="0" y="0"/>
+          <a:chExt cx="0" cy="0"/>
+        </a:xfrm>
+      </p:grpSpPr>
+      <p:sp>
+        <p:nvSpPr>
+          <p:cNvPr id="2" name="タイトル 1"/>
+          <p:cNvSpPr>
+            <a:spLocks noGrp="1"/>
+          </p:cNvSpPr>
+          <p:nvPr>
+            <p:ph type="title"/>
+          </p:nvPr>
+        </p:nvSpPr>
+        <p:spPr>
+          <a:xfrm>
+            <a:off x="1023395" y="203081"/>
+            <a:ext cx="9949405" cy="595574"/>
+          </a:xfrm>
+        </p:spPr>
+        <p:txBody>
+          <a:bodyPr>
+            <a:normAutofit/>
+          </a:bodyPr>
+          <a:lstStyle/>
+          <a:p>
+            <a:pPr algn="ctr"/>
+            <a:r>
+              <a:rPr lang="ja-JP" altLang="en-US" sz="3200" dirty="0"/>
+              <a:t>設定画面</a:t>
+            </a:r>
+            <a:endParaRPr kumimoji="1" lang="ja-JP" altLang="en-US" sz="3200" dirty="0"/>
+          </a:p>
+        </p:txBody>
+      </p:sp>
+      <p:sp>
+        <p:nvSpPr>
+          <p:cNvPr id="4" name="正方形/長方形 3"/>
+          <p:cNvSpPr/>
+          <p:nvPr/>
+        </p:nvSpPr>
+        <p:spPr>
+          <a:xfrm>
+            <a:off x="3029784" y="1123668"/>
+            <a:ext cx="5942673" cy="5521124"/>
+          </a:xfrm>
+          <a:prstGeom prst="rect">
+            <a:avLst/>
+          </a:prstGeom>
+        </p:spPr>
+        <p:style>
+          <a:lnRef idx="2">
+            <a:schemeClr val="dk1"/>
+          </a:lnRef>
+          <a:fillRef idx="1">
+            <a:schemeClr val="lt1"/>
+          </a:fillRef>
+          <a:effectRef idx="0">
+            <a:schemeClr val="dk1"/>
+          </a:effectRef>
+          <a:fontRef idx="minor">
+            <a:schemeClr val="dk1"/>
+          </a:fontRef>
+        </p:style>
+        <p:txBody>
+          <a:bodyPr rtlCol="0" anchor="ctr"/>
+          <a:lstStyle/>
+          <a:p>
+            <a:pPr algn="ctr"/>
+            <a:endParaRPr kumimoji="1" lang="ja-JP" altLang="en-US" sz="2400" dirty="0"/>
+          </a:p>
+        </p:txBody>
+      </p:sp>
+      <p:sp>
+        <p:nvSpPr>
+          <p:cNvPr id="23" name="正方形/長方形 22"/>
+          <p:cNvSpPr/>
+          <p:nvPr/>
+        </p:nvSpPr>
+        <p:spPr>
+          <a:xfrm>
+            <a:off x="6841763" y="3505684"/>
+            <a:ext cx="1395093" cy="703457"/>
+          </a:xfrm>
+          <a:prstGeom prst="rect">
+            <a:avLst/>
+          </a:prstGeom>
+          <a:ln>
+            <a:noFill/>
+          </a:ln>
+        </p:spPr>
+        <p:style>
+          <a:lnRef idx="2">
+            <a:schemeClr val="dk1"/>
+          </a:lnRef>
+          <a:fillRef idx="1">
+            <a:schemeClr val="lt1"/>
+          </a:fillRef>
+          <a:effectRef idx="0">
+            <a:schemeClr val="dk1"/>
+          </a:effectRef>
+          <a:fontRef idx="minor">
+            <a:schemeClr val="dk1"/>
+          </a:fontRef>
+        </p:style>
+        <p:txBody>
+          <a:bodyPr rtlCol="0" anchor="ctr"/>
+          <a:lstStyle/>
+          <a:p>
+            <a:pPr algn="ctr"/>
+            <a:r>
+              <a:rPr kumimoji="1" lang="en-US" altLang="ja-JP" dirty="0" smtClean="0"/>
+              <a:t>ON/OFF</a:t>
+            </a:r>
+            <a:endParaRPr kumimoji="1" lang="ja-JP" altLang="en-US" dirty="0"/>
+          </a:p>
+        </p:txBody>
+      </p:sp>
+      <p:sp>
+        <p:nvSpPr>
+          <p:cNvPr id="5" name="正方形/長方形 4"/>
+          <p:cNvSpPr/>
+          <p:nvPr/>
+        </p:nvSpPr>
+        <p:spPr>
+          <a:xfrm>
+            <a:off x="3026760" y="797733"/>
+            <a:ext cx="5942673" cy="325935"/>
+          </a:xfrm>
+          <a:prstGeom prst="rect">
+            <a:avLst/>
+          </a:prstGeom>
+        </p:spPr>
+        <p:style>
+          <a:lnRef idx="2">
+            <a:schemeClr val="dk1"/>
+          </a:lnRef>
+          <a:fillRef idx="1">
+            <a:schemeClr val="lt1"/>
+          </a:fillRef>
+          <a:effectRef idx="0">
+            <a:schemeClr val="dk1"/>
+          </a:effectRef>
+          <a:fontRef idx="minor">
+            <a:schemeClr val="dk1"/>
+          </a:fontRef>
+        </p:style>
+        <p:txBody>
+          <a:bodyPr rtlCol="0" anchor="ctr"/>
+          <a:lstStyle/>
+          <a:p>
+            <a:r>
+              <a:rPr lang="ja-JP" altLang="en-US" sz="2400" dirty="0"/>
+              <a:t>設定</a:t>
+            </a:r>
+            <a:endParaRPr kumimoji="1" lang="ja-JP" altLang="en-US" sz="2400" dirty="0"/>
+          </a:p>
+        </p:txBody>
+      </p:sp>
+      <p:sp>
+        <p:nvSpPr>
+          <p:cNvPr id="6" name="テキスト ボックス 5"/>
+          <p:cNvSpPr txBox="1"/>
+          <p:nvPr/>
+        </p:nvSpPr>
+        <p:spPr>
+          <a:xfrm>
+            <a:off x="4927438" y="1533654"/>
+            <a:ext cx="2133119" cy="369332"/>
+          </a:xfrm>
+          <a:prstGeom prst="rect">
+            <a:avLst/>
+          </a:prstGeom>
+          <a:noFill/>
+        </p:spPr>
+        <p:txBody>
+          <a:bodyPr wrap="square" rtlCol="0">
+            <a:spAutoFit/>
+          </a:bodyPr>
+          <a:lstStyle/>
+          <a:p>
+            <a:r>
+              <a:rPr lang="ja-JP" altLang="en-US" dirty="0"/>
+              <a:t>テーマ切り替え</a:t>
+            </a:r>
+            <a:endParaRPr kumimoji="1" lang="ja-JP" altLang="en-US" dirty="0"/>
+          </a:p>
+        </p:txBody>
+      </p:sp>
+      <p:sp>
+        <p:nvSpPr>
+          <p:cNvPr id="7" name="正方形/長方形 6"/>
+          <p:cNvSpPr/>
+          <p:nvPr/>
+        </p:nvSpPr>
+        <p:spPr>
+          <a:xfrm>
+            <a:off x="3735829" y="1986118"/>
+            <a:ext cx="4516335" cy="326854"/>
+          </a:xfrm>
+          <a:prstGeom prst="rect">
+            <a:avLst/>
+          </a:prstGeom>
+        </p:spPr>
+        <p:style>
+          <a:lnRef idx="2">
+            <a:schemeClr val="dk1"/>
+          </a:lnRef>
+          <a:fillRef idx="1">
+            <a:schemeClr val="lt1"/>
+          </a:fillRef>
+          <a:effectRef idx="0">
+            <a:schemeClr val="dk1"/>
+          </a:effectRef>
+          <a:fontRef idx="minor">
+            <a:schemeClr val="dk1"/>
+          </a:fontRef>
+        </p:style>
+        <p:txBody>
+          <a:bodyPr rtlCol="0" anchor="ctr"/>
+          <a:lstStyle/>
+          <a:p>
+            <a:pPr algn="ctr"/>
+            <a:r>
+              <a:rPr kumimoji="1" lang="ja-JP" altLang="en-US" dirty="0"/>
+              <a:t>デフォルト</a:t>
+            </a:r>
+            <a:r>
+              <a:rPr kumimoji="1" lang="en-US" altLang="ja-JP" dirty="0"/>
+              <a:t>(</a:t>
+            </a:r>
+            <a:r>
+              <a:rPr kumimoji="1" lang="ja-JP" altLang="en-US" dirty="0"/>
+              <a:t>季語により変化</a:t>
+            </a:r>
+            <a:r>
+              <a:rPr kumimoji="1" lang="en-US" altLang="ja-JP" dirty="0"/>
+              <a:t>)</a:t>
+            </a:r>
+            <a:endParaRPr kumimoji="1" lang="ja-JP" altLang="en-US" dirty="0"/>
+          </a:p>
+        </p:txBody>
+      </p:sp>
+      <p:sp>
+        <p:nvSpPr>
+          <p:cNvPr id="10" name="正方形/長方形 9"/>
+          <p:cNvSpPr/>
+          <p:nvPr/>
+        </p:nvSpPr>
+        <p:spPr>
+          <a:xfrm>
+            <a:off x="3735828" y="2299452"/>
+            <a:ext cx="4516335" cy="326854"/>
+          </a:xfrm>
+          <a:prstGeom prst="rect">
+            <a:avLst/>
+          </a:prstGeom>
+        </p:spPr>
+        <p:style>
+          <a:lnRef idx="2">
+            <a:schemeClr val="dk1"/>
+          </a:lnRef>
+          <a:fillRef idx="1">
+            <a:schemeClr val="lt1"/>
+          </a:fillRef>
+          <a:effectRef idx="0">
+            <a:schemeClr val="dk1"/>
+          </a:effectRef>
+          <a:fontRef idx="minor">
+            <a:schemeClr val="dk1"/>
+          </a:fontRef>
+        </p:style>
+        <p:txBody>
+          <a:bodyPr rtlCol="0" anchor="ctr"/>
+          <a:lstStyle/>
+          <a:p>
+            <a:pPr algn="ctr"/>
+            <a:r>
+              <a:rPr lang="ja-JP" altLang="en-US" dirty="0"/>
+              <a:t>春</a:t>
+            </a:r>
+            <a:endParaRPr kumimoji="1" lang="ja-JP" altLang="en-US" dirty="0"/>
+          </a:p>
+        </p:txBody>
+      </p:sp>
+      <p:sp>
+        <p:nvSpPr>
+          <p:cNvPr id="11" name="正方形/長方形 10"/>
+          <p:cNvSpPr/>
+          <p:nvPr/>
+        </p:nvSpPr>
+        <p:spPr>
+          <a:xfrm>
+            <a:off x="3735827" y="2602009"/>
+            <a:ext cx="4516335" cy="326854"/>
+          </a:xfrm>
+          <a:prstGeom prst="rect">
+            <a:avLst/>
+          </a:prstGeom>
+        </p:spPr>
+        <p:style>
+          <a:lnRef idx="2">
+            <a:schemeClr val="dk1"/>
+          </a:lnRef>
+          <a:fillRef idx="1">
+            <a:schemeClr val="lt1"/>
+          </a:fillRef>
+          <a:effectRef idx="0">
+            <a:schemeClr val="dk1"/>
+          </a:effectRef>
+          <a:fontRef idx="minor">
+            <a:schemeClr val="dk1"/>
+          </a:fontRef>
+        </p:style>
+        <p:txBody>
+          <a:bodyPr rtlCol="0" anchor="ctr"/>
+          <a:lstStyle/>
+          <a:p>
+            <a:pPr algn="ctr"/>
+            <a:r>
+              <a:rPr kumimoji="1" lang="ja-JP" altLang="en-US" dirty="0"/>
+              <a:t>夏</a:t>
+            </a:r>
+          </a:p>
+        </p:txBody>
+      </p:sp>
+      <p:sp>
+        <p:nvSpPr>
+          <p:cNvPr id="12" name="正方形/長方形 11"/>
+          <p:cNvSpPr/>
+          <p:nvPr/>
+        </p:nvSpPr>
+        <p:spPr>
+          <a:xfrm>
+            <a:off x="3735826" y="2927950"/>
+            <a:ext cx="4516335" cy="326854"/>
+          </a:xfrm>
+          <a:prstGeom prst="rect">
+            <a:avLst/>
+          </a:prstGeom>
+        </p:spPr>
+        <p:style>
+          <a:lnRef idx="2">
+            <a:schemeClr val="dk1"/>
+          </a:lnRef>
+          <a:fillRef idx="1">
+            <a:schemeClr val="lt1"/>
+          </a:fillRef>
+          <a:effectRef idx="0">
+            <a:schemeClr val="dk1"/>
+          </a:effectRef>
+          <a:fontRef idx="minor">
+            <a:schemeClr val="dk1"/>
+          </a:fontRef>
+        </p:style>
+        <p:txBody>
+          <a:bodyPr rtlCol="0" anchor="ctr"/>
+          <a:lstStyle/>
+          <a:p>
+            <a:pPr algn="ctr"/>
+            <a:r>
+              <a:rPr lang="ja-JP" altLang="en-US" dirty="0"/>
+              <a:t>秋</a:t>
+            </a:r>
+            <a:endParaRPr kumimoji="1" lang="ja-JP" altLang="en-US" dirty="0"/>
+          </a:p>
+        </p:txBody>
+      </p:sp>
+      <p:sp>
+        <p:nvSpPr>
+          <p:cNvPr id="13" name="正方形/長方形 12"/>
+          <p:cNvSpPr/>
+          <p:nvPr/>
+        </p:nvSpPr>
+        <p:spPr>
+          <a:xfrm>
+            <a:off x="3735825" y="3259433"/>
+            <a:ext cx="4516335" cy="326854"/>
+          </a:xfrm>
+          <a:prstGeom prst="rect">
+            <a:avLst/>
+          </a:prstGeom>
+        </p:spPr>
+        <p:style>
+          <a:lnRef idx="2">
+            <a:schemeClr val="dk1"/>
+          </a:lnRef>
+          <a:fillRef idx="1">
+            <a:schemeClr val="lt1"/>
+          </a:fillRef>
+          <a:effectRef idx="0">
+            <a:schemeClr val="dk1"/>
+          </a:effectRef>
+          <a:fontRef idx="minor">
+            <a:schemeClr val="dk1"/>
+          </a:fontRef>
+        </p:style>
+        <p:txBody>
+          <a:bodyPr rtlCol="0" anchor="ctr"/>
+          <a:lstStyle/>
+          <a:p>
+            <a:pPr algn="ctr"/>
+            <a:r>
+              <a:rPr lang="ja-JP" altLang="en-US" dirty="0"/>
+              <a:t>冬</a:t>
+            </a:r>
+            <a:endParaRPr kumimoji="1" lang="ja-JP" altLang="en-US" dirty="0"/>
+          </a:p>
+        </p:txBody>
+      </p:sp>
+      <p:sp>
+        <p:nvSpPr>
+          <p:cNvPr id="14" name="正方形/長方形 13"/>
+          <p:cNvSpPr/>
+          <p:nvPr/>
+        </p:nvSpPr>
+        <p:spPr>
+          <a:xfrm>
+            <a:off x="3735825" y="1991938"/>
+            <a:ext cx="342453" cy="326854"/>
+          </a:xfrm>
+          <a:prstGeom prst="rect">
+            <a:avLst/>
+          </a:prstGeom>
+        </p:spPr>
+        <p:style>
+          <a:lnRef idx="2">
+            <a:schemeClr val="dk1"/>
+          </a:lnRef>
+          <a:fillRef idx="1">
+            <a:schemeClr val="lt1"/>
+          </a:fillRef>
+          <a:effectRef idx="0">
+            <a:schemeClr val="dk1"/>
+          </a:effectRef>
+          <a:fontRef idx="minor">
+            <a:schemeClr val="dk1"/>
+          </a:fontRef>
+        </p:style>
+        <p:txBody>
+          <a:bodyPr rtlCol="0" anchor="ctr"/>
+          <a:lstStyle/>
+          <a:p>
+            <a:pPr algn="ctr"/>
+            <a:r>
+              <a:rPr lang="ja-JP" altLang="en-US" dirty="0"/>
+              <a:t>◉</a:t>
+            </a:r>
+            <a:endParaRPr kumimoji="1" lang="ja-JP" altLang="en-US" dirty="0"/>
+          </a:p>
+        </p:txBody>
+      </p:sp>
+      <p:sp>
+        <p:nvSpPr>
+          <p:cNvPr id="15" name="正方形/長方形 14"/>
+          <p:cNvSpPr/>
+          <p:nvPr/>
+        </p:nvSpPr>
+        <p:spPr>
+          <a:xfrm>
+            <a:off x="3735824" y="2284533"/>
+            <a:ext cx="342453" cy="326854"/>
+          </a:xfrm>
+          <a:prstGeom prst="rect">
+            <a:avLst/>
+          </a:prstGeom>
+        </p:spPr>
+        <p:style>
+          <a:lnRef idx="2">
+            <a:schemeClr val="dk1"/>
+          </a:lnRef>
+          <a:fillRef idx="1">
+            <a:schemeClr val="lt1"/>
+          </a:fillRef>
+          <a:effectRef idx="0">
+            <a:schemeClr val="dk1"/>
+          </a:effectRef>
+          <a:fontRef idx="minor">
+            <a:schemeClr val="dk1"/>
+          </a:fontRef>
+        </p:style>
+        <p:txBody>
+          <a:bodyPr rtlCol="0" anchor="ctr"/>
+          <a:lstStyle/>
+          <a:p>
+            <a:pPr algn="ctr"/>
+            <a:r>
+              <a:rPr lang="ja-JP" altLang="en-US" dirty="0"/>
+              <a:t>〇</a:t>
+            </a:r>
+            <a:endParaRPr kumimoji="1" lang="ja-JP" altLang="en-US" dirty="0"/>
+          </a:p>
+        </p:txBody>
+      </p:sp>
+      <p:sp>
+        <p:nvSpPr>
+          <p:cNvPr id="16" name="正方形/長方形 15"/>
+          <p:cNvSpPr/>
+          <p:nvPr/>
+        </p:nvSpPr>
+        <p:spPr>
+          <a:xfrm>
+            <a:off x="3735824" y="2596189"/>
+            <a:ext cx="342453" cy="326854"/>
+          </a:xfrm>
+          <a:prstGeom prst="rect">
+            <a:avLst/>
+          </a:prstGeom>
+        </p:spPr>
+        <p:style>
+          <a:lnRef idx="2">
+            <a:schemeClr val="dk1"/>
+          </a:lnRef>
+          <a:fillRef idx="1">
+            <a:schemeClr val="lt1"/>
+          </a:fillRef>
+          <a:effectRef idx="0">
+            <a:schemeClr val="dk1"/>
+          </a:effectRef>
+          <a:fontRef idx="minor">
+            <a:schemeClr val="dk1"/>
+          </a:fontRef>
+        </p:style>
+        <p:txBody>
+          <a:bodyPr rtlCol="0" anchor="ctr"/>
+          <a:lstStyle/>
+          <a:p>
+            <a:pPr algn="ctr"/>
+            <a:r>
+              <a:rPr lang="ja-JP" altLang="en-US" dirty="0"/>
+              <a:t>〇</a:t>
+            </a:r>
+            <a:endParaRPr kumimoji="1" lang="ja-JP" altLang="en-US" dirty="0"/>
+          </a:p>
+        </p:txBody>
+      </p:sp>
+      <p:sp>
+        <p:nvSpPr>
+          <p:cNvPr id="17" name="正方形/長方形 16"/>
+          <p:cNvSpPr/>
+          <p:nvPr/>
+        </p:nvSpPr>
+        <p:spPr>
+          <a:xfrm>
+            <a:off x="3735709" y="2945128"/>
+            <a:ext cx="342453" cy="326854"/>
+          </a:xfrm>
+          <a:prstGeom prst="rect">
+            <a:avLst/>
+          </a:prstGeom>
+        </p:spPr>
+        <p:style>
+          <a:lnRef idx="2">
+            <a:schemeClr val="dk1"/>
+          </a:lnRef>
+          <a:fillRef idx="1">
+            <a:schemeClr val="lt1"/>
+          </a:fillRef>
+          <a:effectRef idx="0">
+            <a:schemeClr val="dk1"/>
+          </a:effectRef>
+          <a:fontRef idx="minor">
+            <a:schemeClr val="dk1"/>
+          </a:fontRef>
+        </p:style>
+        <p:txBody>
+          <a:bodyPr rtlCol="0" anchor="ctr"/>
+          <a:lstStyle/>
+          <a:p>
+            <a:pPr algn="ctr"/>
+            <a:r>
+              <a:rPr lang="ja-JP" altLang="en-US" dirty="0"/>
+              <a:t>〇</a:t>
+            </a:r>
+            <a:endParaRPr kumimoji="1" lang="ja-JP" altLang="en-US" dirty="0"/>
+          </a:p>
+        </p:txBody>
+      </p:sp>
+      <p:sp>
+        <p:nvSpPr>
+          <p:cNvPr id="18" name="正方形/長方形 17"/>
+          <p:cNvSpPr/>
+          <p:nvPr/>
+        </p:nvSpPr>
+        <p:spPr>
+          <a:xfrm>
+            <a:off x="3735709" y="3248056"/>
+            <a:ext cx="342453" cy="326854"/>
+          </a:xfrm>
+          <a:prstGeom prst="rect">
+            <a:avLst/>
+          </a:prstGeom>
+        </p:spPr>
+        <p:style>
+          <a:lnRef idx="2">
+            <a:schemeClr val="dk1"/>
+          </a:lnRef>
+          <a:fillRef idx="1">
+            <a:schemeClr val="lt1"/>
+          </a:fillRef>
+          <a:effectRef idx="0">
+            <a:schemeClr val="dk1"/>
+          </a:effectRef>
+          <a:fontRef idx="minor">
+            <a:schemeClr val="dk1"/>
+          </a:fontRef>
+        </p:style>
+        <p:txBody>
+          <a:bodyPr rtlCol="0" anchor="ctr"/>
+          <a:lstStyle/>
+          <a:p>
+            <a:pPr algn="ctr"/>
+            <a:r>
+              <a:rPr lang="ja-JP" altLang="en-US" dirty="0"/>
+              <a:t>〇</a:t>
+            </a:r>
+            <a:endParaRPr kumimoji="1" lang="ja-JP" altLang="en-US" dirty="0"/>
+          </a:p>
+        </p:txBody>
+      </p:sp>
+      <p:sp>
+        <p:nvSpPr>
+          <p:cNvPr id="19" name="正方形/長方形 18"/>
+          <p:cNvSpPr/>
+          <p:nvPr/>
+        </p:nvSpPr>
+        <p:spPr>
+          <a:xfrm>
+            <a:off x="4398380" y="4838217"/>
+            <a:ext cx="3205482" cy="349491"/>
+          </a:xfrm>
+          <a:prstGeom prst="rect">
+            <a:avLst/>
+          </a:prstGeom>
+          <a:solidFill>
+            <a:srgbClr val="FFC000"/>
+          </a:solidFill>
+        </p:spPr>
+        <p:style>
+          <a:lnRef idx="2">
+            <a:schemeClr val="dk1"/>
+          </a:lnRef>
+          <a:fillRef idx="1">
+            <a:schemeClr val="lt1"/>
+          </a:fillRef>
+          <a:effectRef idx="0">
+            <a:schemeClr val="dk1"/>
+          </a:effectRef>
+          <a:fontRef idx="minor">
+            <a:schemeClr val="dk1"/>
+          </a:fontRef>
+        </p:style>
+        <p:txBody>
+          <a:bodyPr rtlCol="0" anchor="ctr"/>
+          <a:lstStyle/>
+          <a:p>
+            <a:pPr algn="ctr"/>
+            <a:r>
+              <a:rPr lang="en-US" altLang="ja-JP" dirty="0"/>
               <a:t>Twitter</a:t>
             </a:r>
             <a:r>
+              <a:rPr lang="ja-JP" altLang="en-US" dirty="0"/>
+              <a:t>ログアウト</a:t>
+            </a:r>
+            <a:endParaRPr kumimoji="1" lang="ja-JP" altLang="en-US" dirty="0"/>
+          </a:p>
+        </p:txBody>
+      </p:sp>
+      <p:sp>
+        <p:nvSpPr>
+          <p:cNvPr id="20" name="正方形/長方形 19"/>
+          <p:cNvSpPr/>
+          <p:nvPr/>
+        </p:nvSpPr>
+        <p:spPr>
+          <a:xfrm>
+            <a:off x="4372429" y="4046833"/>
+            <a:ext cx="2576286" cy="343738"/>
+          </a:xfrm>
+          <a:prstGeom prst="rect">
+            <a:avLst/>
+          </a:prstGeom>
+        </p:spPr>
+        <p:style>
+          <a:lnRef idx="2">
+            <a:schemeClr val="dk1"/>
+          </a:lnRef>
+          <a:fillRef idx="1">
+            <a:schemeClr val="lt1"/>
+          </a:fillRef>
+          <a:effectRef idx="0">
+            <a:schemeClr val="dk1"/>
+          </a:effectRef>
+          <a:fontRef idx="minor">
+            <a:schemeClr val="dk1"/>
+          </a:fontRef>
+        </p:style>
+        <p:txBody>
+          <a:bodyPr rtlCol="0" anchor="ctr"/>
+          <a:lstStyle/>
+          <a:p>
+            <a:pPr algn="ctr"/>
+            <a:r>
+              <a:rPr lang="en-US" altLang="en-US" dirty="0" smtClean="0"/>
+              <a:t>技法の説明</a:t>
+            </a:r>
+            <a:endParaRPr kumimoji="1" lang="ja-JP" altLang="en-US" dirty="0"/>
+          </a:p>
+        </p:txBody>
+      </p:sp>
+      <p:sp>
+        <p:nvSpPr>
+          <p:cNvPr id="21" name="正方形/長方形 20"/>
+          <p:cNvSpPr/>
+          <p:nvPr/>
+        </p:nvSpPr>
+        <p:spPr>
+          <a:xfrm>
+            <a:off x="7262680" y="4071742"/>
+            <a:ext cx="194035" cy="318830"/>
+          </a:xfrm>
+          <a:prstGeom prst="rect">
+            <a:avLst/>
+          </a:prstGeom>
+          <a:solidFill>
+            <a:schemeClr val="tx2">
+              <a:lumMod val="75000"/>
+            </a:schemeClr>
+          </a:solidFill>
+        </p:spPr>
+        <p:style>
+          <a:lnRef idx="2">
+            <a:schemeClr val="dk1"/>
+          </a:lnRef>
+          <a:fillRef idx="1">
+            <a:schemeClr val="lt1"/>
+          </a:fillRef>
+          <a:effectRef idx="0">
+            <a:schemeClr val="dk1"/>
+          </a:effectRef>
+          <a:fontRef idx="minor">
+            <a:schemeClr val="dk1"/>
+          </a:fontRef>
+        </p:style>
+        <p:txBody>
+          <a:bodyPr rtlCol="0" anchor="ctr"/>
+          <a:lstStyle/>
+          <a:p>
+            <a:pPr algn="ctr"/>
+            <a:endParaRPr kumimoji="1" lang="ja-JP" altLang="en-US" dirty="0"/>
+          </a:p>
+        </p:txBody>
+      </p:sp>
+      <p:sp>
+        <p:nvSpPr>
+          <p:cNvPr id="22" name="正方形/長方形 21"/>
+          <p:cNvSpPr/>
+          <p:nvPr/>
+        </p:nvSpPr>
+        <p:spPr>
+          <a:xfrm>
+            <a:off x="7451365" y="4078999"/>
+            <a:ext cx="186778" cy="311573"/>
+          </a:xfrm>
+          <a:prstGeom prst="rect">
+            <a:avLst/>
+          </a:prstGeom>
+        </p:spPr>
+        <p:style>
+          <a:lnRef idx="2">
+            <a:schemeClr val="dk1"/>
+          </a:lnRef>
+          <a:fillRef idx="1">
+            <a:schemeClr val="lt1"/>
+          </a:fillRef>
+          <a:effectRef idx="0">
+            <a:schemeClr val="dk1"/>
+          </a:effectRef>
+          <a:fontRef idx="minor">
+            <a:schemeClr val="dk1"/>
+          </a:fontRef>
+        </p:style>
+        <p:txBody>
+          <a:bodyPr rtlCol="0" anchor="ctr"/>
+          <a:lstStyle/>
+          <a:p>
+            <a:pPr algn="ctr"/>
+            <a:endParaRPr kumimoji="1" lang="ja-JP" altLang="en-US" dirty="0"/>
+          </a:p>
+        </p:txBody>
+      </p:sp>
+    </p:spTree>
+    <p:extLst>
+      <p:ext uri="{BB962C8B-B14F-4D97-AF65-F5344CB8AC3E}">
+        <p14:creationId xmlns:p14="http://schemas.microsoft.com/office/powerpoint/2010/main" val="1142520787"/>
+      </p:ext>
+    </p:extLst>
+  </p:cSld>
+  <p:clrMapOvr>
+    <a:masterClrMapping/>
+  </p:clrMapOvr>
+  <p:timing>
+    <p:tnLst>
+      <p:par>
+        <p:cTn xmlns:p14="http://schemas.microsoft.com/office/powerpoint/2010/main" id="1" dur="indefinite" restart="never" nodeType="tmRoot"/>
+      </p:par>
+    </p:tnLst>
+  </p:timing>
+</p:sld>
+</file>
+
+<file path=ppt/slides/slide5.xml><?xml version="1.0" encoding="utf-8"?>
+<p:sld xmlns:a="http://schemas.openxmlformats.org/drawingml/2006/main" xmlns:r="http://schemas.openxmlformats.org/officeDocument/2006/relationships" xmlns:p="http://schemas.openxmlformats.org/presentationml/2006/main">
+  <p:cSld>
+    <p:spTree>
+      <p:nvGrpSpPr>
+        <p:cNvPr id="1" name=""/>
+        <p:cNvGrpSpPr/>
+        <p:nvPr/>
+      </p:nvGrpSpPr>
+      <p:grpSpPr>
+        <a:xfrm>
+          <a:off x="0" y="0"/>
+          <a:ext cx="0" cy="0"/>
+          <a:chOff x="0" y="0"/>
+          <a:chExt cx="0" cy="0"/>
+        </a:xfrm>
+      </p:grpSpPr>
+      <p:sp>
+        <p:nvSpPr>
+          <p:cNvPr id="6" name="正方形/長方形 5"/>
+          <p:cNvSpPr/>
+          <p:nvPr/>
+        </p:nvSpPr>
+        <p:spPr>
+          <a:xfrm>
+            <a:off x="2303803" y="1226917"/>
+            <a:ext cx="5942673" cy="5428526"/>
+          </a:xfrm>
+          <a:prstGeom prst="rect">
+            <a:avLst/>
+          </a:prstGeom>
+        </p:spPr>
+        <p:style>
+          <a:lnRef idx="2">
+            <a:schemeClr val="dk1"/>
+          </a:lnRef>
+          <a:fillRef idx="1">
+            <a:schemeClr val="lt1"/>
+          </a:fillRef>
+          <a:effectRef idx="0">
+            <a:schemeClr val="dk1"/>
+          </a:effectRef>
+          <a:fontRef idx="minor">
+            <a:schemeClr val="dk1"/>
+          </a:fontRef>
+        </p:style>
+        <p:txBody>
+          <a:bodyPr rtlCol="0" anchor="ctr"/>
+          <a:lstStyle/>
+          <a:p>
+            <a:pPr algn="ctr"/>
+            <a:endParaRPr kumimoji="1" lang="ja-JP" altLang="en-US" sz="2400" dirty="0"/>
+          </a:p>
+        </p:txBody>
+      </p:sp>
+      <p:sp>
+        <p:nvSpPr>
+          <p:cNvPr id="2" name="タイトル 1"/>
+          <p:cNvSpPr>
+            <a:spLocks noGrp="1"/>
+          </p:cNvSpPr>
+          <p:nvPr>
+            <p:ph type="title"/>
+          </p:nvPr>
+        </p:nvSpPr>
+        <p:spPr>
+          <a:xfrm>
+            <a:off x="3303609" y="85884"/>
+            <a:ext cx="4104190" cy="954388"/>
+          </a:xfrm>
+        </p:spPr>
+        <p:txBody>
+          <a:bodyPr>
+            <a:normAutofit/>
+          </a:bodyPr>
+          <a:lstStyle/>
+          <a:p>
+            <a:r>
+              <a:rPr lang="en-US" altLang="ja-JP" sz="3200" dirty="0" err="1"/>
+              <a:t>W</a:t>
+            </a:r>
+            <a:r>
+              <a:rPr kumimoji="1" lang="en-US" altLang="ja-JP" sz="3200" dirty="0" err="1"/>
+              <a:t>ordCloud</a:t>
+            </a:r>
+            <a:r>
+              <a:rPr lang="ja-JP" altLang="en-US" sz="3200" dirty="0"/>
+              <a:t>確認画面</a:t>
+            </a:r>
+            <a:endParaRPr kumimoji="1" lang="ja-JP" altLang="en-US" sz="3200" dirty="0"/>
+          </a:p>
+        </p:txBody>
+      </p:sp>
+      <p:pic>
+        <p:nvPicPr>
+          <p:cNvPr id="5" name="図 4"/>
+          <p:cNvPicPr>
+            <a:picLocks noChangeAspect="1"/>
+          </p:cNvPicPr>
+          <p:nvPr/>
+        </p:nvPicPr>
+        <p:blipFill>
+          <a:blip r:embed="rId2">
+            <a:extLst>
+              <a:ext uri="{28A0092B-C50C-407E-A947-70E740481C1C}">
+                <a14:useLocalDpi xmlns:a14="http://schemas.microsoft.com/office/drawing/2010/main" val="0"/>
+              </a:ext>
+            </a:extLst>
+          </a:blip>
+          <a:stretch>
+            <a:fillRect/>
+          </a:stretch>
+        </p:blipFill>
+        <p:spPr>
+          <a:xfrm>
+            <a:off x="2572450" y="1500368"/>
+            <a:ext cx="5405378" cy="4530042"/>
+          </a:xfrm>
+          <a:prstGeom prst="rect">
+            <a:avLst/>
+          </a:prstGeom>
+        </p:spPr>
+      </p:pic>
+      <p:sp>
+        <p:nvSpPr>
+          <p:cNvPr id="7" name="正方形/長方形 6"/>
+          <p:cNvSpPr/>
+          <p:nvPr/>
+        </p:nvSpPr>
+        <p:spPr>
+          <a:xfrm>
+            <a:off x="2303803" y="766821"/>
+            <a:ext cx="5942673" cy="460096"/>
+          </a:xfrm>
+          <a:prstGeom prst="rect">
+            <a:avLst/>
+          </a:prstGeom>
+        </p:spPr>
+        <p:style>
+          <a:lnRef idx="2">
+            <a:schemeClr val="dk1"/>
+          </a:lnRef>
+          <a:fillRef idx="1">
+            <a:schemeClr val="lt1"/>
+          </a:fillRef>
+          <a:effectRef idx="0">
+            <a:schemeClr val="dk1"/>
+          </a:effectRef>
+          <a:fontRef idx="minor">
+            <a:schemeClr val="dk1"/>
+          </a:fontRef>
+        </p:style>
+        <p:txBody>
+          <a:bodyPr rtlCol="0" anchor="ctr"/>
+          <a:lstStyle/>
+          <a:p>
+            <a:r>
+              <a:rPr lang="en-US" altLang="ja-JP" sz="2400" dirty="0" err="1"/>
+              <a:t>wordcloud</a:t>
+            </a:r>
+            <a:endParaRPr kumimoji="1" lang="ja-JP" altLang="en-US" sz="2400" dirty="0"/>
+          </a:p>
+        </p:txBody>
+      </p:sp>
+      <p:sp>
+        <p:nvSpPr>
+          <p:cNvPr id="8" name="テキスト ボックス 7"/>
+          <p:cNvSpPr txBox="1"/>
+          <p:nvPr/>
+        </p:nvSpPr>
+        <p:spPr>
+          <a:xfrm>
+            <a:off x="8603973" y="3202516"/>
+            <a:ext cx="3433698" cy="923330"/>
+          </a:xfrm>
+          <a:prstGeom prst="rect">
+            <a:avLst/>
+          </a:prstGeom>
+          <a:noFill/>
+        </p:spPr>
+        <p:txBody>
+          <a:bodyPr wrap="square" rtlCol="0">
+            <a:spAutoFit/>
+          </a:bodyPr>
+          <a:lstStyle/>
+          <a:p>
+            <a:r>
+              <a:rPr lang="ja-JP" altLang="en-US" dirty="0"/>
+              <a:t>＊画像はイメージ</a:t>
+            </a:r>
+            <a:endParaRPr lang="en-US" altLang="ja-JP" dirty="0"/>
+          </a:p>
+          <a:p>
+            <a:r>
+              <a:rPr lang="ja-JP" altLang="en-US" dirty="0"/>
+              <a:t>　使われた季語などについての　　　　　　　　　　　　</a:t>
+            </a:r>
+            <a:r>
+              <a:rPr lang="en-US" altLang="ja-JP" dirty="0" err="1"/>
+              <a:t>wordcloud</a:t>
+            </a:r>
+            <a:r>
+              <a:rPr lang="ja-JP" altLang="en-US" dirty="0"/>
+              <a:t>を表示する</a:t>
+            </a:r>
+            <a:endParaRPr kumimoji="1" lang="ja-JP" altLang="en-US" dirty="0"/>
+          </a:p>
+        </p:txBody>
+      </p:sp>
+      <p:sp>
+        <p:nvSpPr>
+          <p:cNvPr id="9" name="正方形/長方形 8"/>
+          <p:cNvSpPr/>
+          <p:nvPr/>
+        </p:nvSpPr>
+        <p:spPr>
+          <a:xfrm>
+            <a:off x="7835994" y="853198"/>
+            <a:ext cx="342453" cy="326854"/>
+          </a:xfrm>
+          <a:prstGeom prst="rect">
+            <a:avLst/>
+          </a:prstGeom>
+        </p:spPr>
+        <p:style>
+          <a:lnRef idx="2">
+            <a:schemeClr val="dk1"/>
+          </a:lnRef>
+          <a:fillRef idx="1">
+            <a:schemeClr val="lt1"/>
+          </a:fillRef>
+          <a:effectRef idx="0">
+            <a:schemeClr val="dk1"/>
+          </a:effectRef>
+          <a:fontRef idx="minor">
+            <a:schemeClr val="dk1"/>
+          </a:fontRef>
+        </p:style>
+        <p:txBody>
+          <a:bodyPr rtlCol="0" anchor="ctr"/>
+          <a:lstStyle/>
+          <a:p>
+            <a:pPr algn="ctr"/>
+            <a:r>
+              <a:rPr lang="en-US" altLang="ja-JP" dirty="0" smtClean="0"/>
+              <a:t>×</a:t>
+            </a:r>
+            <a:endParaRPr kumimoji="1" lang="ja-JP" altLang="en-US" dirty="0"/>
+          </a:p>
+        </p:txBody>
+      </p:sp>
+      <p:sp>
+        <p:nvSpPr>
+          <p:cNvPr id="10" name="正方形/長方形 9"/>
+          <p:cNvSpPr/>
+          <p:nvPr/>
+        </p:nvSpPr>
+        <p:spPr>
+          <a:xfrm>
+            <a:off x="2329204" y="1227649"/>
+            <a:ext cx="1172368" cy="459637"/>
+          </a:xfrm>
+          <a:prstGeom prst="rect">
+            <a:avLst/>
+          </a:prstGeom>
+          <a:ln>
+            <a:noFill/>
+          </a:ln>
+        </p:spPr>
+        <p:style>
+          <a:lnRef idx="2">
+            <a:schemeClr val="dk1"/>
+          </a:lnRef>
+          <a:fillRef idx="1">
+            <a:schemeClr val="lt1"/>
+          </a:fillRef>
+          <a:effectRef idx="0">
+            <a:schemeClr val="dk1"/>
+          </a:effectRef>
+          <a:fontRef idx="minor">
+            <a:schemeClr val="dk1"/>
+          </a:fontRef>
+        </p:style>
+        <p:txBody>
+          <a:bodyPr rtlCol="0" anchor="ctr"/>
+          <a:lstStyle/>
+          <a:p>
+            <a:pPr algn="ctr"/>
+            <a:r>
+              <a:rPr lang="ja-JP" altLang="en-US" sz="2400" dirty="0" smtClean="0"/>
+              <a:t>累積</a:t>
+            </a:r>
+            <a:endParaRPr kumimoji="1" lang="ja-JP" altLang="en-US" sz="2400" dirty="0"/>
+          </a:p>
+        </p:txBody>
+      </p:sp>
+      <p:sp>
+        <p:nvSpPr>
+          <p:cNvPr id="11" name="正方形/長方形 10"/>
+          <p:cNvSpPr/>
+          <p:nvPr/>
+        </p:nvSpPr>
+        <p:spPr>
+          <a:xfrm>
+            <a:off x="3515745" y="1234906"/>
+            <a:ext cx="4721111" cy="459637"/>
+          </a:xfrm>
+          <a:prstGeom prst="rect">
+            <a:avLst/>
+          </a:prstGeom>
+        </p:spPr>
+        <p:style>
+          <a:lnRef idx="2">
+            <a:schemeClr val="dk1"/>
+          </a:lnRef>
+          <a:fillRef idx="1">
+            <a:schemeClr val="lt1"/>
+          </a:fillRef>
+          <a:effectRef idx="0">
+            <a:schemeClr val="dk1"/>
+          </a:effectRef>
+          <a:fontRef idx="minor">
+            <a:schemeClr val="dk1"/>
+          </a:fontRef>
+        </p:style>
+        <p:txBody>
+          <a:bodyPr rtlCol="0" anchor="ctr"/>
+          <a:lstStyle/>
+          <a:p>
+            <a:r>
+              <a:rPr kumimoji="1" lang="en-US" altLang="ja-JP" sz="2400" dirty="0" smtClean="0"/>
+              <a:t>HOT</a:t>
+            </a:r>
+            <a:r>
+              <a:rPr kumimoji="1" lang="ja-JP" altLang="en-US" sz="2400" dirty="0" smtClean="0"/>
+              <a:t>ワード</a:t>
+            </a:r>
+            <a:endParaRPr kumimoji="1" lang="ja-JP" altLang="en-US" sz="2400" dirty="0"/>
+          </a:p>
+        </p:txBody>
+      </p:sp>
+      <p:cxnSp>
+        <p:nvCxnSpPr>
+          <p:cNvPr id="4" name="直線コネクタ 3"/>
+          <p:cNvCxnSpPr/>
+          <p:nvPr/>
+        </p:nvCxnSpPr>
+        <p:spPr>
+          <a:xfrm flipV="1">
+            <a:off x="5207000" y="1233717"/>
+            <a:ext cx="0" cy="471714"/>
+          </a:xfrm>
+          <a:prstGeom prst="line">
+            <a:avLst/>
+          </a:prstGeom>
+          <a:ln>
+            <a:solidFill>
+              <a:schemeClr val="tx1"/>
+            </a:solidFill>
+          </a:ln>
+        </p:spPr>
+        <p:style>
+          <a:lnRef idx="2">
+            <a:schemeClr val="accent1"/>
+          </a:lnRef>
+          <a:fillRef idx="0">
+            <a:schemeClr val="accent1"/>
+          </a:fillRef>
+          <a:effectRef idx="1">
+            <a:schemeClr val="accent1"/>
+          </a:effectRef>
+          <a:fontRef idx="minor">
+            <a:schemeClr val="tx1"/>
+          </a:fontRef>
+        </p:style>
+      </p:cxnSp>
+    </p:spTree>
+    <p:extLst>
+      <p:ext uri="{BB962C8B-B14F-4D97-AF65-F5344CB8AC3E}">
+        <p14:creationId xmlns:p14="http://schemas.microsoft.com/office/powerpoint/2010/main" val="3979398588"/>
+      </p:ext>
+    </p:extLst>
+  </p:cSld>
+  <p:clrMapOvr>
+    <a:masterClrMapping/>
+  </p:clrMapOvr>
+  <p:timing>
+    <p:tnLst>
+      <p:par>
+        <p:cTn xmlns:p14="http://schemas.microsoft.com/office/powerpoint/2010/main" id="1" dur="indefinite" restart="never" nodeType="tmRoot"/>
+      </p:par>
+    </p:tnLst>
+  </p:timing>
+</p:sld>
+</file>
+
+<file path=ppt/slides/slide6.xml><?xml version="1.0" encoding="utf-8"?>
+<p:sld xmlns:a="http://schemas.openxmlformats.org/drawingml/2006/main" xmlns:r="http://schemas.openxmlformats.org/officeDocument/2006/relationships" xmlns:p="http://schemas.openxmlformats.org/presentationml/2006/main">
+  <p:cSld>
+    <p:spTree>
+      <p:nvGrpSpPr>
+        <p:cNvPr id="1" name=""/>
+        <p:cNvGrpSpPr/>
+        <p:nvPr/>
+      </p:nvGrpSpPr>
+      <p:grpSpPr>
+        <a:xfrm>
+          <a:off x="0" y="0"/>
+          <a:ext cx="0" cy="0"/>
+          <a:chOff x="0" y="0"/>
+          <a:chExt cx="0" cy="0"/>
+        </a:xfrm>
+      </p:grpSpPr>
+      <p:sp>
+        <p:nvSpPr>
+          <p:cNvPr id="4" name="正方形/長方形 3"/>
+          <p:cNvSpPr/>
+          <p:nvPr/>
+        </p:nvSpPr>
+        <p:spPr>
+          <a:xfrm>
+            <a:off x="2552657" y="1101309"/>
+            <a:ext cx="6105206" cy="5521122"/>
+          </a:xfrm>
+          <a:prstGeom prst="rect">
+            <a:avLst/>
+          </a:prstGeom>
+        </p:spPr>
+        <p:style>
+          <a:lnRef idx="2">
+            <a:schemeClr val="dk1"/>
+          </a:lnRef>
+          <a:fillRef idx="1">
+            <a:schemeClr val="lt1"/>
+          </a:fillRef>
+          <a:effectRef idx="0">
+            <a:schemeClr val="dk1"/>
+          </a:effectRef>
+          <a:fontRef idx="minor">
+            <a:schemeClr val="dk1"/>
+          </a:fontRef>
+        </p:style>
+        <p:txBody>
+          <a:bodyPr rtlCol="0" anchor="ctr"/>
+          <a:lstStyle/>
+          <a:p>
+            <a:pPr algn="ctr"/>
+            <a:endParaRPr kumimoji="1" lang="ja-JP" altLang="en-US" sz="2400" dirty="0"/>
+          </a:p>
+        </p:txBody>
+      </p:sp>
+      <p:pic>
+        <p:nvPicPr>
+          <p:cNvPr id="10" name="図 9"/>
+          <p:cNvPicPr>
+            <a:picLocks noChangeAspect="1"/>
+          </p:cNvPicPr>
+          <p:nvPr/>
+        </p:nvPicPr>
+        <p:blipFill>
+          <a:blip r:embed="rId2">
+            <a:extLst>
+              <a:ext uri="{28A0092B-C50C-407E-A947-70E740481C1C}">
+                <a14:useLocalDpi xmlns:a14="http://schemas.microsoft.com/office/drawing/2010/main" val="0"/>
+              </a:ext>
+            </a:extLst>
+          </a:blip>
+          <a:stretch>
+            <a:fillRect/>
+          </a:stretch>
+        </p:blipFill>
+        <p:spPr>
+          <a:xfrm>
+            <a:off x="2571217" y="1101309"/>
+            <a:ext cx="6086646" cy="5405630"/>
+          </a:xfrm>
+          <a:prstGeom prst="rect">
+            <a:avLst/>
+          </a:prstGeom>
+        </p:spPr>
+      </p:pic>
+      <p:sp>
+        <p:nvSpPr>
+          <p:cNvPr id="5" name="タイトル 1"/>
+          <p:cNvSpPr>
+            <a:spLocks noGrp="1"/>
+          </p:cNvSpPr>
+          <p:nvPr>
+            <p:ph type="title"/>
+          </p:nvPr>
+        </p:nvSpPr>
+        <p:spPr>
+          <a:xfrm>
+            <a:off x="2714482" y="0"/>
+            <a:ext cx="5532699" cy="871261"/>
+          </a:xfrm>
+        </p:spPr>
+        <p:txBody>
+          <a:bodyPr>
+            <a:normAutofit/>
+          </a:bodyPr>
+          <a:lstStyle/>
+          <a:p>
+            <a:pPr algn="ctr"/>
+            <a:r>
               <a:rPr kumimoji="1" lang="ja-JP" altLang="en-US" sz="3200" dirty="0"/>
-              <a:t>ログイン画面</a:t>
-            </a:r>
+              <a:t>俳句表示画面</a:t>
+            </a:r>
+          </a:p>
+        </p:txBody>
+      </p:sp>
+      <p:sp>
+        <p:nvSpPr>
+          <p:cNvPr id="6" name="正方形/長方形 5"/>
+          <p:cNvSpPr/>
+          <p:nvPr/>
+        </p:nvSpPr>
+        <p:spPr>
+          <a:xfrm>
+            <a:off x="2552657" y="641213"/>
+            <a:ext cx="6105206" cy="460096"/>
+          </a:xfrm>
+          <a:prstGeom prst="rect">
+            <a:avLst/>
+          </a:prstGeom>
+        </p:spPr>
+        <p:style>
+          <a:lnRef idx="2">
+            <a:schemeClr val="dk1"/>
+          </a:lnRef>
+          <a:fillRef idx="1">
+            <a:schemeClr val="lt1"/>
+          </a:fillRef>
+          <a:effectRef idx="0">
+            <a:schemeClr val="dk1"/>
+          </a:effectRef>
+          <a:fontRef idx="minor">
+            <a:schemeClr val="dk1"/>
+          </a:fontRef>
+        </p:style>
+        <p:txBody>
+          <a:bodyPr rtlCol="0" anchor="ctr"/>
+          <a:lstStyle/>
+          <a:p>
+            <a:r>
+              <a:rPr lang="ja-JP" altLang="en-US" sz="2400" dirty="0"/>
+              <a:t>俳句表示</a:t>
+            </a:r>
+            <a:endParaRPr kumimoji="1" lang="ja-JP" altLang="en-US" sz="2400" dirty="0"/>
+          </a:p>
+        </p:txBody>
+      </p:sp>
+      <p:sp>
+        <p:nvSpPr>
+          <p:cNvPr id="7" name="正方形/長方形 6"/>
+          <p:cNvSpPr/>
+          <p:nvPr/>
+        </p:nvSpPr>
+        <p:spPr>
+          <a:xfrm>
+            <a:off x="6608832" y="1263517"/>
+            <a:ext cx="509287" cy="3140872"/>
+          </a:xfrm>
+          <a:prstGeom prst="rect">
+            <a:avLst/>
+          </a:prstGeom>
+          <a:solidFill>
+            <a:schemeClr val="lt1">
+              <a:alpha val="0"/>
+            </a:schemeClr>
+          </a:solidFill>
+          <a:ln>
+            <a:noFill/>
+          </a:ln>
+        </p:spPr>
+        <p:style>
+          <a:lnRef idx="2">
+            <a:schemeClr val="dk1"/>
+          </a:lnRef>
+          <a:fillRef idx="1">
+            <a:schemeClr val="lt1"/>
+          </a:fillRef>
+          <a:effectRef idx="0">
+            <a:schemeClr val="dk1"/>
+          </a:effectRef>
+          <a:fontRef idx="minor">
+            <a:schemeClr val="dk1"/>
+          </a:fontRef>
+        </p:style>
+        <p:txBody>
+          <a:bodyPr vert="eaVert" rtlCol="0" anchor="ctr"/>
+          <a:lstStyle/>
+          <a:p>
+            <a:pPr algn="ctr"/>
+            <a:r>
+              <a:rPr lang="ja-JP" altLang="en-US" sz="4000" dirty="0" smtClean="0">
+                <a:ea typeface="游教科書体 横用 ボールド"/>
+              </a:rPr>
+              <a:t>古池や</a:t>
+            </a:r>
+            <a:endParaRPr kumimoji="1" lang="ja-JP" altLang="en-US" sz="4000" dirty="0">
+              <a:ea typeface="游教科書体 横用 ボールド"/>
+            </a:endParaRPr>
+          </a:p>
+        </p:txBody>
+      </p:sp>
+      <p:sp>
+        <p:nvSpPr>
+          <p:cNvPr id="8" name="正方形/長方形 7"/>
+          <p:cNvSpPr/>
+          <p:nvPr/>
+        </p:nvSpPr>
+        <p:spPr>
+          <a:xfrm>
+            <a:off x="3833659" y="1313957"/>
+            <a:ext cx="509287" cy="3118018"/>
+          </a:xfrm>
+          <a:prstGeom prst="rect">
+            <a:avLst/>
+          </a:prstGeom>
+          <a:solidFill>
+            <a:schemeClr val="lt1">
+              <a:alpha val="0"/>
+            </a:schemeClr>
+          </a:solidFill>
+          <a:ln>
+            <a:solidFill>
+              <a:schemeClr val="tx1">
+                <a:alpha val="0"/>
+              </a:schemeClr>
+            </a:solidFill>
+          </a:ln>
+        </p:spPr>
+        <p:style>
+          <a:lnRef idx="2">
+            <a:schemeClr val="dk1"/>
+          </a:lnRef>
+          <a:fillRef idx="1">
+            <a:schemeClr val="lt1"/>
+          </a:fillRef>
+          <a:effectRef idx="0">
+            <a:schemeClr val="dk1"/>
+          </a:effectRef>
+          <a:fontRef idx="minor">
+            <a:schemeClr val="dk1"/>
+          </a:fontRef>
+        </p:style>
+        <p:txBody>
+          <a:bodyPr vert="eaVert" rtlCol="0" anchor="ctr"/>
+          <a:lstStyle/>
+          <a:p>
+            <a:pPr algn="ctr"/>
+            <a:r>
+              <a:rPr lang="ja-JP" altLang="en-US" sz="4000" dirty="0" smtClean="0">
+                <a:ea typeface="游教科書体 横用 ボールド"/>
+              </a:rPr>
+              <a:t>水の音</a:t>
+            </a:r>
+            <a:endParaRPr kumimoji="1" lang="ja-JP" altLang="en-US" sz="4000" dirty="0">
+              <a:ea typeface="游教科書体 横用 ボールド"/>
+            </a:endParaRPr>
+          </a:p>
+        </p:txBody>
+      </p:sp>
+      <p:sp>
+        <p:nvSpPr>
+          <p:cNvPr id="9" name="正方形/長方形 8"/>
+          <p:cNvSpPr/>
+          <p:nvPr/>
+        </p:nvSpPr>
+        <p:spPr>
+          <a:xfrm>
+            <a:off x="5210806" y="1444945"/>
+            <a:ext cx="566452" cy="3832388"/>
+          </a:xfrm>
+          <a:prstGeom prst="rect">
+            <a:avLst/>
+          </a:prstGeom>
+          <a:solidFill>
+            <a:schemeClr val="lt1">
+              <a:alpha val="0"/>
+            </a:schemeClr>
+          </a:solidFill>
+          <a:ln>
+            <a:noFill/>
+          </a:ln>
+        </p:spPr>
+        <p:style>
+          <a:lnRef idx="2">
+            <a:schemeClr val="dk1"/>
+          </a:lnRef>
+          <a:fillRef idx="1">
+            <a:schemeClr val="lt1"/>
+          </a:fillRef>
+          <a:effectRef idx="0">
+            <a:schemeClr val="dk1"/>
+          </a:effectRef>
+          <a:fontRef idx="minor">
+            <a:schemeClr val="dk1"/>
+          </a:fontRef>
+        </p:style>
+        <p:txBody>
+          <a:bodyPr vert="eaVert" rtlCol="0" anchor="ctr"/>
+          <a:lstStyle/>
+          <a:p>
+            <a:pPr algn="ctr"/>
+            <a:r>
+              <a:rPr lang="ja-JP" altLang="en-US" sz="4000" dirty="0" smtClean="0">
+                <a:ea typeface="游教科書体 横用 ボールド"/>
+              </a:rPr>
+              <a:t>蛙飛び込む</a:t>
+            </a:r>
+            <a:endParaRPr kumimoji="1" lang="ja-JP" altLang="en-US" sz="4000" dirty="0">
+              <a:ea typeface="游教科書体 横用 ボールド"/>
+            </a:endParaRPr>
+          </a:p>
+        </p:txBody>
+      </p:sp>
+      <p:sp>
+        <p:nvSpPr>
+          <p:cNvPr id="11" name="正方形/長方形 10"/>
+          <p:cNvSpPr/>
+          <p:nvPr/>
+        </p:nvSpPr>
+        <p:spPr>
+          <a:xfrm>
+            <a:off x="2789493" y="5798569"/>
+            <a:ext cx="2491456" cy="405113"/>
+          </a:xfrm>
+          <a:prstGeom prst="rect">
+            <a:avLst/>
+          </a:prstGeom>
+          <a:solidFill>
+            <a:schemeClr val="accent1">
+              <a:lumMod val="60000"/>
+              <a:lumOff val="40000"/>
+            </a:schemeClr>
+          </a:solidFill>
+        </p:spPr>
+        <p:style>
+          <a:lnRef idx="2">
+            <a:schemeClr val="dk1"/>
+          </a:lnRef>
+          <a:fillRef idx="1">
+            <a:schemeClr val="lt1"/>
+          </a:fillRef>
+          <a:effectRef idx="0">
+            <a:schemeClr val="dk1"/>
+          </a:effectRef>
+          <a:fontRef idx="minor">
+            <a:schemeClr val="dk1"/>
+          </a:fontRef>
+        </p:style>
+        <p:txBody>
+          <a:bodyPr rtlCol="0" anchor="ctr"/>
+          <a:lstStyle/>
+          <a:p>
+            <a:r>
+              <a:rPr kumimoji="1" lang="ja-JP" altLang="en-US" sz="2400" dirty="0"/>
+              <a:t>　　　ツイート</a:t>
+            </a:r>
+          </a:p>
+        </p:txBody>
+      </p:sp>
+      <p:pic>
+        <p:nvPicPr>
+          <p:cNvPr id="12" name="図 11"/>
+          <p:cNvPicPr>
+            <a:picLocks noChangeAspect="1"/>
+          </p:cNvPicPr>
+          <p:nvPr/>
+        </p:nvPicPr>
+        <p:blipFill>
+          <a:blip r:embed="rId3">
+            <a:extLst>
+              <a:ext uri="{28A0092B-C50C-407E-A947-70E740481C1C}">
+                <a14:useLocalDpi xmlns:a14="http://schemas.microsoft.com/office/drawing/2010/main" val="0"/>
+              </a:ext>
+            </a:extLst>
+          </a:blip>
+          <a:stretch>
+            <a:fillRect/>
+          </a:stretch>
+        </p:blipFill>
+        <p:spPr>
+          <a:xfrm>
+            <a:off x="2789493" y="5837001"/>
+            <a:ext cx="598770" cy="355453"/>
+          </a:xfrm>
+          <a:prstGeom prst="rect">
+            <a:avLst/>
+          </a:prstGeom>
+        </p:spPr>
+      </p:pic>
+      <p:sp>
+        <p:nvSpPr>
+          <p:cNvPr id="13" name="テキスト ボックス 12"/>
+          <p:cNvSpPr txBox="1"/>
+          <p:nvPr/>
+        </p:nvSpPr>
+        <p:spPr>
+          <a:xfrm>
+            <a:off x="9271320" y="1551006"/>
+            <a:ext cx="2523281" cy="1200329"/>
+          </a:xfrm>
+          <a:prstGeom prst="rect">
+            <a:avLst/>
+          </a:prstGeom>
+          <a:noFill/>
+        </p:spPr>
+        <p:txBody>
+          <a:bodyPr wrap="square" rtlCol="0">
+            <a:spAutoFit/>
+          </a:bodyPr>
+          <a:lstStyle/>
+          <a:p>
+            <a:r>
+              <a:rPr kumimoji="1" lang="ja-JP" altLang="en-US" dirty="0"/>
+              <a:t>＊背景には字句解析により得られた俳句内の</a:t>
+            </a:r>
+            <a:r>
+              <a:rPr lang="ja-JP" altLang="en-US" dirty="0"/>
+              <a:t>季語、</a:t>
+            </a:r>
+            <a:r>
+              <a:rPr kumimoji="1" lang="ja-JP" altLang="en-US" dirty="0"/>
+              <a:t>固有名詞の加工画像を合成。</a:t>
+            </a:r>
+          </a:p>
+        </p:txBody>
+      </p:sp>
+      <p:sp>
+        <p:nvSpPr>
+          <p:cNvPr id="15" name="正方形/長方形 14"/>
+          <p:cNvSpPr/>
+          <p:nvPr/>
+        </p:nvSpPr>
+        <p:spPr>
+          <a:xfrm>
+            <a:off x="5737327" y="5809798"/>
+            <a:ext cx="2464157" cy="382656"/>
+          </a:xfrm>
+          <a:prstGeom prst="rect">
+            <a:avLst/>
+          </a:prstGeom>
+          <a:solidFill>
+            <a:schemeClr val="accent4">
+              <a:lumMod val="60000"/>
+              <a:lumOff val="40000"/>
+            </a:schemeClr>
+          </a:solidFill>
+        </p:spPr>
+        <p:style>
+          <a:lnRef idx="2">
+            <a:schemeClr val="dk1"/>
+          </a:lnRef>
+          <a:fillRef idx="1">
+            <a:schemeClr val="lt1"/>
+          </a:fillRef>
+          <a:effectRef idx="0">
+            <a:schemeClr val="dk1"/>
+          </a:effectRef>
+          <a:fontRef idx="minor">
+            <a:schemeClr val="dk1"/>
+          </a:fontRef>
+        </p:style>
+        <p:txBody>
+          <a:bodyPr rtlCol="0" anchor="ctr"/>
+          <a:lstStyle/>
+          <a:p>
+            <a:pPr algn="ctr"/>
+            <a:r>
+              <a:rPr lang="ja-JP" altLang="en-US" dirty="0"/>
+              <a:t>もう</a:t>
+            </a:r>
+            <a:r>
+              <a:rPr lang="en-US" altLang="ja-JP" dirty="0"/>
+              <a:t>1</a:t>
+            </a:r>
+            <a:r>
+              <a:rPr lang="ja-JP" altLang="en-US" dirty="0"/>
+              <a:t>句</a:t>
+            </a:r>
+            <a:endParaRPr kumimoji="1" lang="ja-JP" altLang="en-US" dirty="0"/>
+          </a:p>
+        </p:txBody>
+      </p:sp>
+      <p:cxnSp>
+        <p:nvCxnSpPr>
+          <p:cNvPr id="3" name="直線矢印コネクタ 2"/>
+          <p:cNvCxnSpPr/>
+          <p:nvPr/>
+        </p:nvCxnSpPr>
+        <p:spPr>
+          <a:xfrm flipH="1" flipV="1">
+            <a:off x="7039429" y="3374572"/>
+            <a:ext cx="199572" cy="489857"/>
+          </a:xfrm>
+          <a:prstGeom prst="straightConnector1">
+            <a:avLst/>
+          </a:prstGeom>
+          <a:ln w="114300">
+            <a:solidFill>
+              <a:schemeClr val="tx1"/>
+            </a:solidFill>
+            <a:tailEnd type="triangle"/>
+          </a:ln>
+        </p:spPr>
+        <p:style>
+          <a:lnRef idx="2">
+            <a:schemeClr val="accent1"/>
+          </a:lnRef>
+          <a:fillRef idx="0">
+            <a:schemeClr val="accent1"/>
+          </a:fillRef>
+          <a:effectRef idx="1">
+            <a:schemeClr val="accent1"/>
+          </a:effectRef>
+          <a:fontRef idx="minor">
+            <a:schemeClr val="tx1"/>
+          </a:fontRef>
+        </p:style>
+      </p:cxnSp>
+      <p:sp>
+        <p:nvSpPr>
+          <p:cNvPr id="18" name="角丸四角形 17"/>
+          <p:cNvSpPr/>
+          <p:nvPr/>
+        </p:nvSpPr>
+        <p:spPr>
+          <a:xfrm>
+            <a:off x="7275286" y="3374572"/>
+            <a:ext cx="2739572" cy="725714"/>
+          </a:xfrm>
+          <a:prstGeom prst="roundRect">
+            <a:avLst/>
+          </a:prstGeom>
+          <a:solidFill>
+            <a:schemeClr val="bg1">
+              <a:lumMod val="75000"/>
+            </a:schemeClr>
+          </a:solidFill>
+          <a:ln>
+            <a:solidFill>
+              <a:schemeClr val="tx1"/>
+            </a:solidFill>
+          </a:ln>
+        </p:spPr>
+        <p:style>
+          <a:lnRef idx="1">
+            <a:schemeClr val="accent1"/>
+          </a:lnRef>
+          <a:fillRef idx="3">
+            <a:schemeClr val="accent1"/>
+          </a:fillRef>
+          <a:effectRef idx="2">
+            <a:schemeClr val="accent1"/>
+          </a:effectRef>
+          <a:fontRef idx="minor">
+            <a:schemeClr val="lt1"/>
+          </a:fontRef>
+        </p:style>
+        <p:txBody>
+          <a:bodyPr rtlCol="0" anchor="ctr"/>
+          <a:lstStyle/>
+          <a:p>
+            <a:r>
+              <a:rPr kumimoji="1" lang="ja-JP" altLang="en-US" dirty="0" smtClean="0">
+                <a:solidFill>
+                  <a:schemeClr val="tx1"/>
+                </a:solidFill>
+              </a:rPr>
+              <a:t>切れ字：切れ字とは</a:t>
+            </a:r>
+            <a:r>
+              <a:rPr kumimoji="1" lang="mr-IN" altLang="ja-JP" dirty="0" smtClean="0">
+                <a:solidFill>
+                  <a:schemeClr val="tx1"/>
+                </a:solidFill>
+              </a:rPr>
+              <a:t>…</a:t>
+            </a:r>
+            <a:r>
+              <a:rPr kumimoji="1" lang="en-US" altLang="ja-JP" dirty="0" smtClean="0">
+                <a:solidFill>
+                  <a:schemeClr val="tx1"/>
+                </a:solidFill>
+              </a:rPr>
+              <a:t>.</a:t>
+            </a:r>
+            <a:endParaRPr kumimoji="1" lang="ja-JP" altLang="en-US" dirty="0">
+              <a:solidFill>
+                <a:schemeClr val="tx1"/>
+              </a:solidFill>
+            </a:endParaRPr>
+          </a:p>
+        </p:txBody>
+      </p:sp>
+    </p:spTree>
+    <p:extLst>
+      <p:ext uri="{BB962C8B-B14F-4D97-AF65-F5344CB8AC3E}">
+        <p14:creationId xmlns:p14="http://schemas.microsoft.com/office/powerpoint/2010/main" val="1897407992"/>
+      </p:ext>
+    </p:extLst>
+  </p:cSld>
+  <p:clrMapOvr>
+    <a:masterClrMapping/>
+  </p:clrMapOvr>
+  <p:timing>
+    <p:tnLst>
+      <p:par>
+        <p:cTn xmlns:p14="http://schemas.microsoft.com/office/powerpoint/2010/main" id="1" dur="indefinite" restart="never" nodeType="tmRoot"/>
+      </p:par>
+    </p:tnLst>
+  </p:timing>
+</p:sld>
+</file>
+
+<file path=ppt/slides/slide7.xml><?xml version="1.0" encoding="utf-8"?>
+<p:sld xmlns:a="http://schemas.openxmlformats.org/drawingml/2006/main" xmlns:r="http://schemas.openxmlformats.org/officeDocument/2006/relationships" xmlns:p="http://schemas.openxmlformats.org/presentationml/2006/main">
+  <p:cSld>
+    <p:spTree>
+      <p:nvGrpSpPr>
+        <p:cNvPr id="1" name=""/>
+        <p:cNvGrpSpPr/>
+        <p:nvPr/>
+      </p:nvGrpSpPr>
+      <p:grpSpPr>
+        <a:xfrm>
+          <a:off x="0" y="0"/>
+          <a:ext cx="0" cy="0"/>
+          <a:chOff x="0" y="0"/>
+          <a:chExt cx="0" cy="0"/>
+        </a:xfrm>
+      </p:grpSpPr>
+      <p:sp>
+        <p:nvSpPr>
+          <p:cNvPr id="2" name="タイトル 1"/>
+          <p:cNvSpPr>
+            <a:spLocks noGrp="1"/>
+          </p:cNvSpPr>
+          <p:nvPr>
+            <p:ph type="title"/>
+          </p:nvPr>
+        </p:nvSpPr>
+        <p:spPr>
+          <a:xfrm>
+            <a:off x="3542584" y="-166835"/>
+            <a:ext cx="4104745" cy="1325563"/>
+          </a:xfrm>
+        </p:spPr>
+        <p:txBody>
+          <a:bodyPr>
+            <a:normAutofit/>
+          </a:bodyPr>
+          <a:lstStyle/>
+          <a:p>
+            <a:pPr algn="ctr"/>
+            <a:r>
+              <a:rPr kumimoji="1" lang="en-US" altLang="ja-JP" sz="3200" dirty="0" smtClean="0"/>
+              <a:t>Twitter</a:t>
+            </a:r>
+            <a:r>
+              <a:rPr kumimoji="1" lang="ja-JP" altLang="en-US" sz="3200" dirty="0" smtClean="0"/>
+              <a:t>認証</a:t>
+            </a:r>
+            <a:r>
+              <a:rPr kumimoji="1" lang="ja-JP" altLang="en-US" sz="3200" dirty="0" smtClean="0"/>
+              <a:t>画面</a:t>
+            </a:r>
+            <a:endParaRPr kumimoji="1" lang="ja-JP" altLang="en-US" sz="3200" dirty="0"/>
           </a:p>
         </p:txBody>
       </p:sp>
@@ -3836,1958 +6255,20 @@
     </p:spTree>
     <p:extLst>
       <p:ext uri="{BB962C8B-B14F-4D97-AF65-F5344CB8AC3E}">
-        <p14:creationId xmlns:p14="http://schemas.microsoft.com/office/powerpoint/2010/main" val="1613632690"/>
+        <p14:creationId xmlns:p14="http://schemas.microsoft.com/office/powerpoint/2010/main" val="259750299"/>
       </p:ext>
     </p:extLst>
   </p:cSld>
   <p:clrMapOvr>
     <a:masterClrMapping/>
   </p:clrMapOvr>
-</p:sld>
-</file>
-
-<file path=ppt/slides/slide4.xml><?xml version="1.0" encoding="utf-8"?>
-<p:sld xmlns:a="http://schemas.openxmlformats.org/drawingml/2006/main" xmlns:r="http://schemas.openxmlformats.org/officeDocument/2006/relationships" xmlns:p="http://schemas.openxmlformats.org/presentationml/2006/main">
-  <p:cSld>
-    <p:spTree>
-      <p:nvGrpSpPr>
-        <p:cNvPr id="1" name=""/>
-        <p:cNvGrpSpPr/>
-        <p:nvPr/>
-      </p:nvGrpSpPr>
-      <p:grpSpPr>
-        <a:xfrm>
-          <a:off x="0" y="0"/>
-          <a:ext cx="0" cy="0"/>
-          <a:chOff x="0" y="0"/>
-          <a:chExt cx="0" cy="0"/>
-        </a:xfrm>
-      </p:grpSpPr>
-      <p:sp>
-        <p:nvSpPr>
-          <p:cNvPr id="4" name="正方形/長方形 3"/>
-          <p:cNvSpPr/>
-          <p:nvPr/>
-        </p:nvSpPr>
-        <p:spPr>
-          <a:xfrm>
-            <a:off x="2856737" y="1145894"/>
-            <a:ext cx="5942673" cy="5521124"/>
-          </a:xfrm>
-          <a:prstGeom prst="rect">
-            <a:avLst/>
-          </a:prstGeom>
-        </p:spPr>
-        <p:style>
-          <a:lnRef idx="2">
-            <a:schemeClr val="dk1"/>
-          </a:lnRef>
-          <a:fillRef idx="1">
-            <a:schemeClr val="lt1"/>
-          </a:fillRef>
-          <a:effectRef idx="0">
-            <a:schemeClr val="dk1"/>
-          </a:effectRef>
-          <a:fontRef idx="minor">
-            <a:schemeClr val="dk1"/>
-          </a:fontRef>
-        </p:style>
-        <p:txBody>
-          <a:bodyPr rtlCol="0" anchor="ctr"/>
-          <a:lstStyle/>
-          <a:p>
-            <a:pPr algn="ctr"/>
-            <a:endParaRPr kumimoji="1" lang="ja-JP" altLang="en-US" sz="2400" dirty="0"/>
-          </a:p>
-        </p:txBody>
-      </p:sp>
-      <p:pic>
-        <p:nvPicPr>
-          <p:cNvPr id="22" name="図 21"/>
-          <p:cNvPicPr>
-            <a:picLocks noChangeAspect="1"/>
-          </p:cNvPicPr>
-          <p:nvPr/>
-        </p:nvPicPr>
-        <p:blipFill>
-          <a:blip r:embed="rId2">
-            <a:extLst>
-              <a:ext uri="{28A0092B-C50C-407E-A947-70E740481C1C}">
-                <a14:useLocalDpi xmlns:a14="http://schemas.microsoft.com/office/drawing/2010/main" val="0"/>
-              </a:ext>
-            </a:extLst>
-          </a:blip>
-          <a:stretch>
-            <a:fillRect/>
-          </a:stretch>
-        </p:blipFill>
-        <p:spPr>
-          <a:xfrm>
-            <a:off x="2886207" y="1177963"/>
-            <a:ext cx="5926767" cy="5489055"/>
-          </a:xfrm>
-          <a:prstGeom prst="rect">
-            <a:avLst/>
-          </a:prstGeom>
-        </p:spPr>
-      </p:pic>
-      <p:sp>
-        <p:nvSpPr>
-          <p:cNvPr id="2" name="タイトル 1"/>
-          <p:cNvSpPr>
-            <a:spLocks noGrp="1"/>
-          </p:cNvSpPr>
-          <p:nvPr>
-            <p:ph type="title"/>
-          </p:nvPr>
-        </p:nvSpPr>
-        <p:spPr>
-          <a:xfrm>
-            <a:off x="3061723" y="72723"/>
-            <a:ext cx="5532699" cy="871261"/>
-          </a:xfrm>
-        </p:spPr>
-        <p:txBody>
-          <a:bodyPr>
-            <a:normAutofit/>
-          </a:bodyPr>
-          <a:lstStyle/>
-          <a:p>
-            <a:pPr algn="ctr"/>
-            <a:r>
-              <a:rPr kumimoji="1" lang="ja-JP" altLang="en-US" sz="3200" dirty="0"/>
-              <a:t>俳句入力画面</a:t>
-            </a:r>
-          </a:p>
-        </p:txBody>
-      </p:sp>
-      <p:sp>
-        <p:nvSpPr>
-          <p:cNvPr id="5" name="正方形/長方形 4"/>
-          <p:cNvSpPr/>
-          <p:nvPr/>
-        </p:nvSpPr>
-        <p:spPr>
-          <a:xfrm>
-            <a:off x="2856737" y="819959"/>
-            <a:ext cx="5942673" cy="325935"/>
-          </a:xfrm>
-          <a:prstGeom prst="rect">
-            <a:avLst/>
-          </a:prstGeom>
-        </p:spPr>
-        <p:style>
-          <a:lnRef idx="2">
-            <a:schemeClr val="dk1"/>
-          </a:lnRef>
-          <a:fillRef idx="1">
-            <a:schemeClr val="lt1"/>
-          </a:fillRef>
-          <a:effectRef idx="0">
-            <a:schemeClr val="dk1"/>
-          </a:effectRef>
-          <a:fontRef idx="minor">
-            <a:schemeClr val="dk1"/>
-          </a:fontRef>
-        </p:style>
-        <p:txBody>
-          <a:bodyPr rtlCol="0" anchor="ctr"/>
-          <a:lstStyle/>
-          <a:p>
-            <a:r>
-              <a:rPr lang="ja-JP" altLang="en-US" sz="2400" dirty="0"/>
-              <a:t>俳句作成</a:t>
-            </a:r>
-            <a:endParaRPr kumimoji="1" lang="ja-JP" altLang="en-US" sz="2400" dirty="0"/>
-          </a:p>
-        </p:txBody>
-      </p:sp>
-      <p:sp>
-        <p:nvSpPr>
-          <p:cNvPr id="6" name="正方形/長方形 5"/>
-          <p:cNvSpPr/>
-          <p:nvPr/>
-        </p:nvSpPr>
-        <p:spPr>
-          <a:xfrm>
-            <a:off x="6667035" y="1794371"/>
-            <a:ext cx="509287" cy="3118018"/>
-          </a:xfrm>
-          <a:prstGeom prst="rect">
-            <a:avLst/>
-          </a:prstGeom>
-        </p:spPr>
-        <p:style>
-          <a:lnRef idx="2">
-            <a:schemeClr val="dk1"/>
-          </a:lnRef>
-          <a:fillRef idx="1">
-            <a:schemeClr val="lt1"/>
-          </a:fillRef>
-          <a:effectRef idx="0">
-            <a:schemeClr val="dk1"/>
-          </a:effectRef>
-          <a:fontRef idx="minor">
-            <a:schemeClr val="dk1"/>
-          </a:fontRef>
-        </p:style>
-        <p:txBody>
-          <a:bodyPr vert="eaVert" rtlCol="0" anchor="ctr"/>
-          <a:lstStyle/>
-          <a:p>
-            <a:pPr algn="ctr"/>
-            <a:r>
-              <a:rPr kumimoji="1" lang="en-US" altLang="ja-JP" sz="2400" dirty="0"/>
-              <a:t>5</a:t>
-            </a:r>
-            <a:endParaRPr kumimoji="1" lang="ja-JP" altLang="en-US" sz="2400" dirty="0"/>
-          </a:p>
-        </p:txBody>
-      </p:sp>
-      <p:sp>
-        <p:nvSpPr>
-          <p:cNvPr id="7" name="正方形/長方形 6"/>
-          <p:cNvSpPr/>
-          <p:nvPr/>
-        </p:nvSpPr>
-        <p:spPr>
-          <a:xfrm>
-            <a:off x="5338446" y="1786055"/>
-            <a:ext cx="566452" cy="3832388"/>
-          </a:xfrm>
-          <a:prstGeom prst="rect">
-            <a:avLst/>
-          </a:prstGeom>
-        </p:spPr>
-        <p:style>
-          <a:lnRef idx="2">
-            <a:schemeClr val="dk1"/>
-          </a:lnRef>
-          <a:fillRef idx="1">
-            <a:schemeClr val="lt1"/>
-          </a:fillRef>
-          <a:effectRef idx="0">
-            <a:schemeClr val="dk1"/>
-          </a:effectRef>
-          <a:fontRef idx="minor">
-            <a:schemeClr val="dk1"/>
-          </a:fontRef>
-        </p:style>
-        <p:txBody>
-          <a:bodyPr vert="eaVert" rtlCol="0" anchor="ctr"/>
-          <a:lstStyle/>
-          <a:p>
-            <a:pPr algn="ctr"/>
-            <a:r>
-              <a:rPr kumimoji="1" lang="en-US" altLang="ja-JP" sz="2400" dirty="0"/>
-              <a:t>7</a:t>
-            </a:r>
-            <a:endParaRPr kumimoji="1" lang="ja-JP" altLang="en-US" sz="2400" dirty="0"/>
-          </a:p>
-        </p:txBody>
-      </p:sp>
-      <p:sp>
-        <p:nvSpPr>
-          <p:cNvPr id="8" name="正方形/長方形 7"/>
-          <p:cNvSpPr/>
-          <p:nvPr/>
-        </p:nvSpPr>
-        <p:spPr>
-          <a:xfrm>
-            <a:off x="3904083" y="1786055"/>
-            <a:ext cx="499105" cy="3126334"/>
-          </a:xfrm>
-          <a:prstGeom prst="rect">
-            <a:avLst/>
-          </a:prstGeom>
-        </p:spPr>
-        <p:style>
-          <a:lnRef idx="2">
-            <a:schemeClr val="dk1"/>
-          </a:lnRef>
-          <a:fillRef idx="1">
-            <a:schemeClr val="lt1"/>
-          </a:fillRef>
-          <a:effectRef idx="0">
-            <a:schemeClr val="dk1"/>
-          </a:effectRef>
-          <a:fontRef idx="minor">
-            <a:schemeClr val="dk1"/>
-          </a:fontRef>
-        </p:style>
-        <p:txBody>
-          <a:bodyPr vert="eaVert" rtlCol="0" anchor="ctr"/>
-          <a:lstStyle/>
-          <a:p>
-            <a:pPr algn="ctr"/>
-            <a:r>
-              <a:rPr lang="en-US" altLang="ja-JP" sz="2400" dirty="0"/>
-              <a:t>5</a:t>
-            </a:r>
-            <a:endParaRPr kumimoji="1" lang="ja-JP" altLang="en-US" sz="2400" dirty="0"/>
-          </a:p>
-        </p:txBody>
-      </p:sp>
-      <p:sp>
-        <p:nvSpPr>
-          <p:cNvPr id="9" name="正方形/長方形 8"/>
-          <p:cNvSpPr/>
-          <p:nvPr/>
-        </p:nvSpPr>
-        <p:spPr>
-          <a:xfrm>
-            <a:off x="7382437" y="1145894"/>
-            <a:ext cx="1416973" cy="1145893"/>
-          </a:xfrm>
-          <a:prstGeom prst="rect">
-            <a:avLst/>
-          </a:prstGeom>
-        </p:spPr>
-        <p:style>
-          <a:lnRef idx="2">
-            <a:schemeClr val="dk1"/>
-          </a:lnRef>
-          <a:fillRef idx="1">
-            <a:schemeClr val="lt1"/>
-          </a:fillRef>
-          <a:effectRef idx="0">
-            <a:schemeClr val="dk1"/>
-          </a:effectRef>
-          <a:fontRef idx="minor">
-            <a:schemeClr val="dk1"/>
-          </a:fontRef>
-        </p:style>
-        <p:txBody>
-          <a:bodyPr rtlCol="0" anchor="ctr"/>
-          <a:lstStyle/>
-          <a:p>
-            <a:pPr algn="ctr"/>
-            <a:r>
-              <a:rPr kumimoji="1" lang="en-US" altLang="ja-JP" sz="2000" dirty="0"/>
-              <a:t>Twitter</a:t>
-            </a:r>
-            <a:r>
-              <a:rPr kumimoji="1" lang="ja-JP" altLang="en-US" sz="2000" dirty="0"/>
-              <a:t>アイコン</a:t>
-            </a:r>
-            <a:endParaRPr kumimoji="1" lang="en-US" altLang="ja-JP" sz="2000" dirty="0"/>
-          </a:p>
-          <a:p>
-            <a:pPr algn="ctr"/>
-            <a:r>
-              <a:rPr kumimoji="1" lang="en-US" altLang="ja-JP" sz="2000" dirty="0"/>
-              <a:t>(</a:t>
-            </a:r>
-            <a:r>
-              <a:rPr kumimoji="1" lang="ja-JP" altLang="en-US" sz="2000" dirty="0"/>
-              <a:t>ユーザ名</a:t>
-            </a:r>
-            <a:r>
-              <a:rPr kumimoji="1" lang="en-US" altLang="ja-JP" sz="2400" dirty="0"/>
-              <a:t>)</a:t>
-            </a:r>
-            <a:endParaRPr kumimoji="1" lang="ja-JP" altLang="en-US" sz="2400" dirty="0"/>
-          </a:p>
-        </p:txBody>
-      </p:sp>
-      <p:sp>
-        <p:nvSpPr>
-          <p:cNvPr id="10" name="正方形/長方形 9"/>
-          <p:cNvSpPr/>
-          <p:nvPr/>
-        </p:nvSpPr>
-        <p:spPr>
-          <a:xfrm>
-            <a:off x="5080665" y="5911734"/>
-            <a:ext cx="1648466" cy="376824"/>
-          </a:xfrm>
-          <a:prstGeom prst="rect">
-            <a:avLst/>
-          </a:prstGeom>
-          <a:solidFill>
-            <a:srgbClr val="FFFF00"/>
-          </a:solidFill>
-        </p:spPr>
-        <p:style>
-          <a:lnRef idx="2">
-            <a:schemeClr val="dk1"/>
-          </a:lnRef>
-          <a:fillRef idx="1">
-            <a:schemeClr val="lt1"/>
-          </a:fillRef>
-          <a:effectRef idx="0">
-            <a:schemeClr val="dk1"/>
-          </a:effectRef>
-          <a:fontRef idx="minor">
-            <a:schemeClr val="dk1"/>
-          </a:fontRef>
-        </p:style>
-        <p:txBody>
-          <a:bodyPr rtlCol="0" anchor="ctr"/>
-          <a:lstStyle/>
-          <a:p>
-            <a:pPr algn="ctr"/>
-            <a:r>
-              <a:rPr lang="ja-JP" altLang="en-US" sz="2400" dirty="0"/>
-              <a:t>作成</a:t>
-            </a:r>
-            <a:endParaRPr kumimoji="1" lang="ja-JP" altLang="en-US" sz="2400" dirty="0"/>
-          </a:p>
-        </p:txBody>
-      </p:sp>
-      <p:sp>
-        <p:nvSpPr>
-          <p:cNvPr id="16" name="テキスト ボックス 15"/>
-          <p:cNvSpPr txBox="1"/>
-          <p:nvPr/>
-        </p:nvSpPr>
-        <p:spPr>
-          <a:xfrm>
-            <a:off x="9680419" y="3906456"/>
-            <a:ext cx="1863106" cy="369332"/>
-          </a:xfrm>
-          <a:prstGeom prst="rect">
-            <a:avLst/>
-          </a:prstGeom>
-          <a:noFill/>
-        </p:spPr>
-        <p:txBody>
-          <a:bodyPr wrap="square" rtlCol="0">
-            <a:spAutoFit/>
-          </a:bodyPr>
-          <a:lstStyle/>
-          <a:p>
-            <a:r>
-              <a:rPr lang="ja-JP" altLang="en-US" dirty="0"/>
-              <a:t>＊縦入力は暫定</a:t>
-            </a:r>
-            <a:endParaRPr kumimoji="1" lang="ja-JP" altLang="en-US" dirty="0"/>
-          </a:p>
-        </p:txBody>
-      </p:sp>
-      <p:sp>
-        <p:nvSpPr>
-          <p:cNvPr id="18" name="正方形/長方形 17"/>
-          <p:cNvSpPr/>
-          <p:nvPr/>
-        </p:nvSpPr>
-        <p:spPr>
-          <a:xfrm>
-            <a:off x="2870301" y="5706319"/>
-            <a:ext cx="1464644" cy="960699"/>
-          </a:xfrm>
-          <a:prstGeom prst="rect">
-            <a:avLst/>
-          </a:prstGeom>
-          <a:solidFill>
-            <a:srgbClr val="FFC000"/>
-          </a:solidFill>
-        </p:spPr>
-        <p:style>
-          <a:lnRef idx="2">
-            <a:schemeClr val="dk1"/>
-          </a:lnRef>
-          <a:fillRef idx="1">
-            <a:schemeClr val="lt1"/>
-          </a:fillRef>
-          <a:effectRef idx="0">
-            <a:schemeClr val="dk1"/>
-          </a:effectRef>
-          <a:fontRef idx="minor">
-            <a:schemeClr val="dk1"/>
-          </a:fontRef>
-        </p:style>
-        <p:txBody>
-          <a:bodyPr rtlCol="0" anchor="ctr"/>
-          <a:lstStyle/>
-          <a:p>
-            <a:pPr algn="ctr"/>
-            <a:r>
-              <a:rPr kumimoji="1" lang="en-US" altLang="ja-JP" sz="2400" dirty="0" err="1"/>
-              <a:t>Wordcloud</a:t>
-            </a:r>
-            <a:r>
-              <a:rPr kumimoji="1" lang="ja-JP" altLang="en-US" sz="2400" dirty="0"/>
-              <a:t>を見る</a:t>
-            </a:r>
-          </a:p>
-        </p:txBody>
-      </p:sp>
-      <p:sp>
-        <p:nvSpPr>
-          <p:cNvPr id="19" name="テキスト ボックス 18"/>
-          <p:cNvSpPr txBox="1"/>
-          <p:nvPr/>
-        </p:nvSpPr>
-        <p:spPr>
-          <a:xfrm>
-            <a:off x="3823264" y="1308050"/>
-            <a:ext cx="3098414" cy="369332"/>
-          </a:xfrm>
-          <a:prstGeom prst="rect">
-            <a:avLst/>
-          </a:prstGeom>
-          <a:noFill/>
-        </p:spPr>
-        <p:txBody>
-          <a:bodyPr wrap="square" rtlCol="0">
-            <a:spAutoFit/>
-          </a:bodyPr>
-          <a:lstStyle/>
-          <a:p>
-            <a:pPr algn="ctr"/>
-            <a:r>
-              <a:rPr lang="ja-JP" altLang="en-US" dirty="0"/>
-              <a:t>ここで一句</a:t>
-            </a:r>
-            <a:endParaRPr kumimoji="1" lang="ja-JP" altLang="en-US" dirty="0"/>
-          </a:p>
-        </p:txBody>
-      </p:sp>
-      <p:sp>
-        <p:nvSpPr>
-          <p:cNvPr id="21" name="AutoShape 4" descr="和紙 に対する画像結果"/>
-          <p:cNvSpPr>
-            <a:spLocks noChangeAspect="1" noChangeArrowheads="1"/>
-          </p:cNvSpPr>
-          <p:nvPr/>
-        </p:nvSpPr>
-        <p:spPr bwMode="auto">
-          <a:xfrm>
-            <a:off x="4819650" y="2471738"/>
-            <a:ext cx="2552700" cy="1914525"/>
-          </a:xfrm>
-          <a:prstGeom prst="rect">
-            <a:avLst/>
-          </a:prstGeom>
-          <a:noFill/>
-          <a:extLst>
-            <a:ext uri="{909E8E84-426E-40dd-AFC4-6F175D3DCCD1}">
-              <a14:hiddenFill xmlns:a14="http://schemas.microsoft.com/office/drawing/2010/main">
-                <a:solidFill>
-                  <a:srgbClr val="FFFFFF"/>
-                </a:solidFill>
-              </a14:hiddenFill>
-            </a:ext>
-          </a:extLst>
-        </p:spPr>
-        <p:txBody>
-          <a:bodyPr vert="horz" wrap="square" lIns="91440" tIns="45720" rIns="91440" bIns="45720" numCol="1" anchor="t" anchorCtr="0" compatLnSpc="1">
-            <a:prstTxWarp prst="textNoShape">
-              <a:avLst/>
-            </a:prstTxWarp>
-          </a:bodyPr>
-          <a:lstStyle/>
-          <a:p>
-            <a:endParaRPr lang="ja-JP" altLang="en-US"/>
-          </a:p>
-        </p:txBody>
-      </p:sp>
-      <p:pic>
-        <p:nvPicPr>
-          <p:cNvPr id="11" name="図 10"/>
-          <p:cNvPicPr>
-            <a:picLocks noChangeAspect="1"/>
-          </p:cNvPicPr>
-          <p:nvPr/>
-        </p:nvPicPr>
-        <p:blipFill>
-          <a:blip r:embed="rId3">
-            <a:extLst>
-              <a:ext uri="{28A0092B-C50C-407E-A947-70E740481C1C}">
-                <a14:useLocalDpi xmlns:a14="http://schemas.microsoft.com/office/drawing/2010/main" val="0"/>
-              </a:ext>
-            </a:extLst>
-          </a:blip>
-          <a:stretch>
-            <a:fillRect/>
-          </a:stretch>
-        </p:blipFill>
-        <p:spPr>
-          <a:xfrm>
-            <a:off x="2898905" y="1192957"/>
-            <a:ext cx="601414" cy="601414"/>
-          </a:xfrm>
-          <a:prstGeom prst="rect">
-            <a:avLst/>
-          </a:prstGeom>
-        </p:spPr>
-      </p:pic>
-    </p:spTree>
-    <p:extLst>
-      <p:ext uri="{BB962C8B-B14F-4D97-AF65-F5344CB8AC3E}">
-        <p14:creationId xmlns:p14="http://schemas.microsoft.com/office/powerpoint/2010/main" val="1006625206"/>
-      </p:ext>
-    </p:extLst>
-  </p:cSld>
-  <p:clrMapOvr>
-    <a:masterClrMapping/>
-  </p:clrMapOvr>
-</p:sld>
-</file>
-
-<file path=ppt/slides/slide5.xml><?xml version="1.0" encoding="utf-8"?>
-<p:sld xmlns:a="http://schemas.openxmlformats.org/drawingml/2006/main" xmlns:r="http://schemas.openxmlformats.org/officeDocument/2006/relationships" xmlns:p="http://schemas.openxmlformats.org/presentationml/2006/main">
-  <p:cSld>
-    <p:spTree>
-      <p:nvGrpSpPr>
-        <p:cNvPr id="1" name=""/>
-        <p:cNvGrpSpPr/>
-        <p:nvPr/>
-      </p:nvGrpSpPr>
-      <p:grpSpPr>
-        <a:xfrm>
-          <a:off x="0" y="0"/>
-          <a:ext cx="0" cy="0"/>
-          <a:chOff x="0" y="0"/>
-          <a:chExt cx="0" cy="0"/>
-        </a:xfrm>
-      </p:grpSpPr>
-      <p:sp>
-        <p:nvSpPr>
-          <p:cNvPr id="2" name="タイトル 1"/>
-          <p:cNvSpPr>
-            <a:spLocks noGrp="1"/>
-          </p:cNvSpPr>
-          <p:nvPr>
-            <p:ph type="title"/>
-          </p:nvPr>
-        </p:nvSpPr>
-        <p:spPr>
-          <a:xfrm>
-            <a:off x="1023395" y="203081"/>
-            <a:ext cx="9949405" cy="595574"/>
-          </a:xfrm>
-        </p:spPr>
-        <p:txBody>
-          <a:bodyPr>
-            <a:normAutofit/>
-          </a:bodyPr>
-          <a:lstStyle/>
-          <a:p>
-            <a:pPr algn="ctr"/>
-            <a:r>
-              <a:rPr lang="ja-JP" altLang="en-US" sz="3200" dirty="0"/>
-              <a:t>設定画面</a:t>
-            </a:r>
-            <a:endParaRPr kumimoji="1" lang="ja-JP" altLang="en-US" sz="3200" dirty="0"/>
-          </a:p>
-        </p:txBody>
-      </p:sp>
-      <p:sp>
-        <p:nvSpPr>
-          <p:cNvPr id="4" name="正方形/長方形 3"/>
-          <p:cNvSpPr/>
-          <p:nvPr/>
-        </p:nvSpPr>
-        <p:spPr>
-          <a:xfrm>
-            <a:off x="3029784" y="1123668"/>
-            <a:ext cx="5942673" cy="5521124"/>
-          </a:xfrm>
-          <a:prstGeom prst="rect">
-            <a:avLst/>
-          </a:prstGeom>
-        </p:spPr>
-        <p:style>
-          <a:lnRef idx="2">
-            <a:schemeClr val="dk1"/>
-          </a:lnRef>
-          <a:fillRef idx="1">
-            <a:schemeClr val="lt1"/>
-          </a:fillRef>
-          <a:effectRef idx="0">
-            <a:schemeClr val="dk1"/>
-          </a:effectRef>
-          <a:fontRef idx="minor">
-            <a:schemeClr val="dk1"/>
-          </a:fontRef>
-        </p:style>
-        <p:txBody>
-          <a:bodyPr rtlCol="0" anchor="ctr"/>
-          <a:lstStyle/>
-          <a:p>
-            <a:pPr algn="ctr"/>
-            <a:endParaRPr kumimoji="1" lang="ja-JP" altLang="en-US" sz="2400" dirty="0"/>
-          </a:p>
-        </p:txBody>
-      </p:sp>
-      <p:sp>
-        <p:nvSpPr>
-          <p:cNvPr id="5" name="正方形/長方形 4"/>
-          <p:cNvSpPr/>
-          <p:nvPr/>
-        </p:nvSpPr>
-        <p:spPr>
-          <a:xfrm>
-            <a:off x="3026760" y="797733"/>
-            <a:ext cx="5942673" cy="325935"/>
-          </a:xfrm>
-          <a:prstGeom prst="rect">
-            <a:avLst/>
-          </a:prstGeom>
-        </p:spPr>
-        <p:style>
-          <a:lnRef idx="2">
-            <a:schemeClr val="dk1"/>
-          </a:lnRef>
-          <a:fillRef idx="1">
-            <a:schemeClr val="lt1"/>
-          </a:fillRef>
-          <a:effectRef idx="0">
-            <a:schemeClr val="dk1"/>
-          </a:effectRef>
-          <a:fontRef idx="minor">
-            <a:schemeClr val="dk1"/>
-          </a:fontRef>
-        </p:style>
-        <p:txBody>
-          <a:bodyPr rtlCol="0" anchor="ctr"/>
-          <a:lstStyle/>
-          <a:p>
-            <a:r>
-              <a:rPr lang="ja-JP" altLang="en-US" sz="2400" dirty="0"/>
-              <a:t>設定</a:t>
-            </a:r>
-            <a:endParaRPr kumimoji="1" lang="ja-JP" altLang="en-US" sz="2400" dirty="0"/>
-          </a:p>
-        </p:txBody>
-      </p:sp>
-      <p:sp>
-        <p:nvSpPr>
-          <p:cNvPr id="6" name="テキスト ボックス 5"/>
-          <p:cNvSpPr txBox="1"/>
-          <p:nvPr/>
-        </p:nvSpPr>
-        <p:spPr>
-          <a:xfrm>
-            <a:off x="4927438" y="1533654"/>
-            <a:ext cx="2133119" cy="369332"/>
-          </a:xfrm>
-          <a:prstGeom prst="rect">
-            <a:avLst/>
-          </a:prstGeom>
-          <a:noFill/>
-        </p:spPr>
-        <p:txBody>
-          <a:bodyPr wrap="square" rtlCol="0">
-            <a:spAutoFit/>
-          </a:bodyPr>
-          <a:lstStyle/>
-          <a:p>
-            <a:r>
-              <a:rPr lang="ja-JP" altLang="en-US" dirty="0"/>
-              <a:t>テーマ切り替え</a:t>
-            </a:r>
-            <a:endParaRPr kumimoji="1" lang="ja-JP" altLang="en-US" dirty="0"/>
-          </a:p>
-        </p:txBody>
-      </p:sp>
-      <p:sp>
-        <p:nvSpPr>
-          <p:cNvPr id="7" name="正方形/長方形 6"/>
-          <p:cNvSpPr/>
-          <p:nvPr/>
-        </p:nvSpPr>
-        <p:spPr>
-          <a:xfrm>
-            <a:off x="3735829" y="1986118"/>
-            <a:ext cx="4516335" cy="326854"/>
-          </a:xfrm>
-          <a:prstGeom prst="rect">
-            <a:avLst/>
-          </a:prstGeom>
-        </p:spPr>
-        <p:style>
-          <a:lnRef idx="2">
-            <a:schemeClr val="dk1"/>
-          </a:lnRef>
-          <a:fillRef idx="1">
-            <a:schemeClr val="lt1"/>
-          </a:fillRef>
-          <a:effectRef idx="0">
-            <a:schemeClr val="dk1"/>
-          </a:effectRef>
-          <a:fontRef idx="minor">
-            <a:schemeClr val="dk1"/>
-          </a:fontRef>
-        </p:style>
-        <p:txBody>
-          <a:bodyPr rtlCol="0" anchor="ctr"/>
-          <a:lstStyle/>
-          <a:p>
-            <a:pPr algn="ctr"/>
-            <a:r>
-              <a:rPr kumimoji="1" lang="ja-JP" altLang="en-US" dirty="0"/>
-              <a:t>デフォルト</a:t>
-            </a:r>
-            <a:r>
-              <a:rPr kumimoji="1" lang="en-US" altLang="ja-JP" dirty="0"/>
-              <a:t>(</a:t>
-            </a:r>
-            <a:r>
-              <a:rPr kumimoji="1" lang="ja-JP" altLang="en-US" dirty="0"/>
-              <a:t>季語により変化</a:t>
-            </a:r>
-            <a:r>
-              <a:rPr kumimoji="1" lang="en-US" altLang="ja-JP" dirty="0"/>
-              <a:t>)</a:t>
-            </a:r>
-            <a:endParaRPr kumimoji="1" lang="ja-JP" altLang="en-US" dirty="0"/>
-          </a:p>
-        </p:txBody>
-      </p:sp>
-      <p:sp>
-        <p:nvSpPr>
-          <p:cNvPr id="10" name="正方形/長方形 9"/>
-          <p:cNvSpPr/>
-          <p:nvPr/>
-        </p:nvSpPr>
-        <p:spPr>
-          <a:xfrm>
-            <a:off x="3735828" y="2299452"/>
-            <a:ext cx="4516335" cy="326854"/>
-          </a:xfrm>
-          <a:prstGeom prst="rect">
-            <a:avLst/>
-          </a:prstGeom>
-        </p:spPr>
-        <p:style>
-          <a:lnRef idx="2">
-            <a:schemeClr val="dk1"/>
-          </a:lnRef>
-          <a:fillRef idx="1">
-            <a:schemeClr val="lt1"/>
-          </a:fillRef>
-          <a:effectRef idx="0">
-            <a:schemeClr val="dk1"/>
-          </a:effectRef>
-          <a:fontRef idx="minor">
-            <a:schemeClr val="dk1"/>
-          </a:fontRef>
-        </p:style>
-        <p:txBody>
-          <a:bodyPr rtlCol="0" anchor="ctr"/>
-          <a:lstStyle/>
-          <a:p>
-            <a:pPr algn="ctr"/>
-            <a:r>
-              <a:rPr lang="ja-JP" altLang="en-US" dirty="0"/>
-              <a:t>春</a:t>
-            </a:r>
-            <a:endParaRPr kumimoji="1" lang="ja-JP" altLang="en-US" dirty="0"/>
-          </a:p>
-        </p:txBody>
-      </p:sp>
-      <p:sp>
-        <p:nvSpPr>
-          <p:cNvPr id="11" name="正方形/長方形 10"/>
-          <p:cNvSpPr/>
-          <p:nvPr/>
-        </p:nvSpPr>
-        <p:spPr>
-          <a:xfrm>
-            <a:off x="3735827" y="2602009"/>
-            <a:ext cx="4516335" cy="326854"/>
-          </a:xfrm>
-          <a:prstGeom prst="rect">
-            <a:avLst/>
-          </a:prstGeom>
-        </p:spPr>
-        <p:style>
-          <a:lnRef idx="2">
-            <a:schemeClr val="dk1"/>
-          </a:lnRef>
-          <a:fillRef idx="1">
-            <a:schemeClr val="lt1"/>
-          </a:fillRef>
-          <a:effectRef idx="0">
-            <a:schemeClr val="dk1"/>
-          </a:effectRef>
-          <a:fontRef idx="minor">
-            <a:schemeClr val="dk1"/>
-          </a:fontRef>
-        </p:style>
-        <p:txBody>
-          <a:bodyPr rtlCol="0" anchor="ctr"/>
-          <a:lstStyle/>
-          <a:p>
-            <a:pPr algn="ctr"/>
-            <a:r>
-              <a:rPr kumimoji="1" lang="ja-JP" altLang="en-US" dirty="0"/>
-              <a:t>夏</a:t>
-            </a:r>
-          </a:p>
-        </p:txBody>
-      </p:sp>
-      <p:sp>
-        <p:nvSpPr>
-          <p:cNvPr id="12" name="正方形/長方形 11"/>
-          <p:cNvSpPr/>
-          <p:nvPr/>
-        </p:nvSpPr>
-        <p:spPr>
-          <a:xfrm>
-            <a:off x="3735826" y="2927950"/>
-            <a:ext cx="4516335" cy="326854"/>
-          </a:xfrm>
-          <a:prstGeom prst="rect">
-            <a:avLst/>
-          </a:prstGeom>
-        </p:spPr>
-        <p:style>
-          <a:lnRef idx="2">
-            <a:schemeClr val="dk1"/>
-          </a:lnRef>
-          <a:fillRef idx="1">
-            <a:schemeClr val="lt1"/>
-          </a:fillRef>
-          <a:effectRef idx="0">
-            <a:schemeClr val="dk1"/>
-          </a:effectRef>
-          <a:fontRef idx="minor">
-            <a:schemeClr val="dk1"/>
-          </a:fontRef>
-        </p:style>
-        <p:txBody>
-          <a:bodyPr rtlCol="0" anchor="ctr"/>
-          <a:lstStyle/>
-          <a:p>
-            <a:pPr algn="ctr"/>
-            <a:r>
-              <a:rPr lang="ja-JP" altLang="en-US" dirty="0"/>
-              <a:t>秋</a:t>
-            </a:r>
-            <a:endParaRPr kumimoji="1" lang="ja-JP" altLang="en-US" dirty="0"/>
-          </a:p>
-        </p:txBody>
-      </p:sp>
-      <p:sp>
-        <p:nvSpPr>
-          <p:cNvPr id="13" name="正方形/長方形 12"/>
-          <p:cNvSpPr/>
-          <p:nvPr/>
-        </p:nvSpPr>
-        <p:spPr>
-          <a:xfrm>
-            <a:off x="3735825" y="3259433"/>
-            <a:ext cx="4516335" cy="326854"/>
-          </a:xfrm>
-          <a:prstGeom prst="rect">
-            <a:avLst/>
-          </a:prstGeom>
-        </p:spPr>
-        <p:style>
-          <a:lnRef idx="2">
-            <a:schemeClr val="dk1"/>
-          </a:lnRef>
-          <a:fillRef idx="1">
-            <a:schemeClr val="lt1"/>
-          </a:fillRef>
-          <a:effectRef idx="0">
-            <a:schemeClr val="dk1"/>
-          </a:effectRef>
-          <a:fontRef idx="minor">
-            <a:schemeClr val="dk1"/>
-          </a:fontRef>
-        </p:style>
-        <p:txBody>
-          <a:bodyPr rtlCol="0" anchor="ctr"/>
-          <a:lstStyle/>
-          <a:p>
-            <a:pPr algn="ctr"/>
-            <a:r>
-              <a:rPr lang="ja-JP" altLang="en-US" dirty="0"/>
-              <a:t>冬</a:t>
-            </a:r>
-            <a:endParaRPr kumimoji="1" lang="ja-JP" altLang="en-US" dirty="0"/>
-          </a:p>
-        </p:txBody>
-      </p:sp>
-      <p:sp>
-        <p:nvSpPr>
-          <p:cNvPr id="14" name="正方形/長方形 13"/>
-          <p:cNvSpPr/>
-          <p:nvPr/>
-        </p:nvSpPr>
-        <p:spPr>
-          <a:xfrm>
-            <a:off x="3735825" y="1991938"/>
-            <a:ext cx="342453" cy="326854"/>
-          </a:xfrm>
-          <a:prstGeom prst="rect">
-            <a:avLst/>
-          </a:prstGeom>
-        </p:spPr>
-        <p:style>
-          <a:lnRef idx="2">
-            <a:schemeClr val="dk1"/>
-          </a:lnRef>
-          <a:fillRef idx="1">
-            <a:schemeClr val="lt1"/>
-          </a:fillRef>
-          <a:effectRef idx="0">
-            <a:schemeClr val="dk1"/>
-          </a:effectRef>
-          <a:fontRef idx="minor">
-            <a:schemeClr val="dk1"/>
-          </a:fontRef>
-        </p:style>
-        <p:txBody>
-          <a:bodyPr rtlCol="0" anchor="ctr"/>
-          <a:lstStyle/>
-          <a:p>
-            <a:pPr algn="ctr"/>
-            <a:r>
-              <a:rPr lang="ja-JP" altLang="en-US" dirty="0"/>
-              <a:t>◉</a:t>
-            </a:r>
-            <a:endParaRPr kumimoji="1" lang="ja-JP" altLang="en-US" dirty="0"/>
-          </a:p>
-        </p:txBody>
-      </p:sp>
-      <p:sp>
-        <p:nvSpPr>
-          <p:cNvPr id="15" name="正方形/長方形 14"/>
-          <p:cNvSpPr/>
-          <p:nvPr/>
-        </p:nvSpPr>
-        <p:spPr>
-          <a:xfrm>
-            <a:off x="3735824" y="2284533"/>
-            <a:ext cx="342453" cy="326854"/>
-          </a:xfrm>
-          <a:prstGeom prst="rect">
-            <a:avLst/>
-          </a:prstGeom>
-        </p:spPr>
-        <p:style>
-          <a:lnRef idx="2">
-            <a:schemeClr val="dk1"/>
-          </a:lnRef>
-          <a:fillRef idx="1">
-            <a:schemeClr val="lt1"/>
-          </a:fillRef>
-          <a:effectRef idx="0">
-            <a:schemeClr val="dk1"/>
-          </a:effectRef>
-          <a:fontRef idx="minor">
-            <a:schemeClr val="dk1"/>
-          </a:fontRef>
-        </p:style>
-        <p:txBody>
-          <a:bodyPr rtlCol="0" anchor="ctr"/>
-          <a:lstStyle/>
-          <a:p>
-            <a:pPr algn="ctr"/>
-            <a:r>
-              <a:rPr lang="ja-JP" altLang="en-US" dirty="0"/>
-              <a:t>〇</a:t>
-            </a:r>
-            <a:endParaRPr kumimoji="1" lang="ja-JP" altLang="en-US" dirty="0"/>
-          </a:p>
-        </p:txBody>
-      </p:sp>
-      <p:sp>
-        <p:nvSpPr>
-          <p:cNvPr id="16" name="正方形/長方形 15"/>
-          <p:cNvSpPr/>
-          <p:nvPr/>
-        </p:nvSpPr>
-        <p:spPr>
-          <a:xfrm>
-            <a:off x="3735824" y="2596189"/>
-            <a:ext cx="342453" cy="326854"/>
-          </a:xfrm>
-          <a:prstGeom prst="rect">
-            <a:avLst/>
-          </a:prstGeom>
-        </p:spPr>
-        <p:style>
-          <a:lnRef idx="2">
-            <a:schemeClr val="dk1"/>
-          </a:lnRef>
-          <a:fillRef idx="1">
-            <a:schemeClr val="lt1"/>
-          </a:fillRef>
-          <a:effectRef idx="0">
-            <a:schemeClr val="dk1"/>
-          </a:effectRef>
-          <a:fontRef idx="minor">
-            <a:schemeClr val="dk1"/>
-          </a:fontRef>
-        </p:style>
-        <p:txBody>
-          <a:bodyPr rtlCol="0" anchor="ctr"/>
-          <a:lstStyle/>
-          <a:p>
-            <a:pPr algn="ctr"/>
-            <a:r>
-              <a:rPr lang="ja-JP" altLang="en-US" dirty="0"/>
-              <a:t>〇</a:t>
-            </a:r>
-            <a:endParaRPr kumimoji="1" lang="ja-JP" altLang="en-US" dirty="0"/>
-          </a:p>
-        </p:txBody>
-      </p:sp>
-      <p:sp>
-        <p:nvSpPr>
-          <p:cNvPr id="17" name="正方形/長方形 16"/>
-          <p:cNvSpPr/>
-          <p:nvPr/>
-        </p:nvSpPr>
-        <p:spPr>
-          <a:xfrm>
-            <a:off x="3735709" y="2945128"/>
-            <a:ext cx="342453" cy="326854"/>
-          </a:xfrm>
-          <a:prstGeom prst="rect">
-            <a:avLst/>
-          </a:prstGeom>
-        </p:spPr>
-        <p:style>
-          <a:lnRef idx="2">
-            <a:schemeClr val="dk1"/>
-          </a:lnRef>
-          <a:fillRef idx="1">
-            <a:schemeClr val="lt1"/>
-          </a:fillRef>
-          <a:effectRef idx="0">
-            <a:schemeClr val="dk1"/>
-          </a:effectRef>
-          <a:fontRef idx="minor">
-            <a:schemeClr val="dk1"/>
-          </a:fontRef>
-        </p:style>
-        <p:txBody>
-          <a:bodyPr rtlCol="0" anchor="ctr"/>
-          <a:lstStyle/>
-          <a:p>
-            <a:pPr algn="ctr"/>
-            <a:r>
-              <a:rPr lang="ja-JP" altLang="en-US" dirty="0"/>
-              <a:t>〇</a:t>
-            </a:r>
-            <a:endParaRPr kumimoji="1" lang="ja-JP" altLang="en-US" dirty="0"/>
-          </a:p>
-        </p:txBody>
-      </p:sp>
-      <p:sp>
-        <p:nvSpPr>
-          <p:cNvPr id="18" name="正方形/長方形 17"/>
-          <p:cNvSpPr/>
-          <p:nvPr/>
-        </p:nvSpPr>
-        <p:spPr>
-          <a:xfrm>
-            <a:off x="3735709" y="3248056"/>
-            <a:ext cx="342453" cy="326854"/>
-          </a:xfrm>
-          <a:prstGeom prst="rect">
-            <a:avLst/>
-          </a:prstGeom>
-        </p:spPr>
-        <p:style>
-          <a:lnRef idx="2">
-            <a:schemeClr val="dk1"/>
-          </a:lnRef>
-          <a:fillRef idx="1">
-            <a:schemeClr val="lt1"/>
-          </a:fillRef>
-          <a:effectRef idx="0">
-            <a:schemeClr val="dk1"/>
-          </a:effectRef>
-          <a:fontRef idx="minor">
-            <a:schemeClr val="dk1"/>
-          </a:fontRef>
-        </p:style>
-        <p:txBody>
-          <a:bodyPr rtlCol="0" anchor="ctr"/>
-          <a:lstStyle/>
-          <a:p>
-            <a:pPr algn="ctr"/>
-            <a:r>
-              <a:rPr lang="ja-JP" altLang="en-US" dirty="0"/>
-              <a:t>〇</a:t>
-            </a:r>
-            <a:endParaRPr kumimoji="1" lang="ja-JP" altLang="en-US" dirty="0"/>
-          </a:p>
-        </p:txBody>
-      </p:sp>
-      <p:sp>
-        <p:nvSpPr>
-          <p:cNvPr id="19" name="正方形/長方形 18"/>
-          <p:cNvSpPr/>
-          <p:nvPr/>
-        </p:nvSpPr>
-        <p:spPr>
-          <a:xfrm>
-            <a:off x="4398380" y="4838217"/>
-            <a:ext cx="3205482" cy="349491"/>
-          </a:xfrm>
-          <a:prstGeom prst="rect">
-            <a:avLst/>
-          </a:prstGeom>
-          <a:solidFill>
-            <a:srgbClr val="FFC000"/>
-          </a:solidFill>
-        </p:spPr>
-        <p:style>
-          <a:lnRef idx="2">
-            <a:schemeClr val="dk1"/>
-          </a:lnRef>
-          <a:fillRef idx="1">
-            <a:schemeClr val="lt1"/>
-          </a:fillRef>
-          <a:effectRef idx="0">
-            <a:schemeClr val="dk1"/>
-          </a:effectRef>
-          <a:fontRef idx="minor">
-            <a:schemeClr val="dk1"/>
-          </a:fontRef>
-        </p:style>
-        <p:txBody>
-          <a:bodyPr rtlCol="0" anchor="ctr"/>
-          <a:lstStyle/>
-          <a:p>
-            <a:pPr algn="ctr"/>
-            <a:r>
-              <a:rPr lang="en-US" altLang="ja-JP" dirty="0"/>
-              <a:t>Twitter</a:t>
-            </a:r>
-            <a:r>
-              <a:rPr lang="ja-JP" altLang="en-US" dirty="0"/>
-              <a:t>ログアウト</a:t>
-            </a:r>
-            <a:endParaRPr kumimoji="1" lang="ja-JP" altLang="en-US" dirty="0"/>
-          </a:p>
-        </p:txBody>
-      </p:sp>
-    </p:spTree>
-    <p:extLst>
-      <p:ext uri="{BB962C8B-B14F-4D97-AF65-F5344CB8AC3E}">
-        <p14:creationId xmlns:p14="http://schemas.microsoft.com/office/powerpoint/2010/main" val="1142520787"/>
-      </p:ext>
-    </p:extLst>
-  </p:cSld>
-  <p:clrMapOvr>
-    <a:masterClrMapping/>
-  </p:clrMapOvr>
-</p:sld>
-</file>
-
-<file path=ppt/slides/slide6.xml><?xml version="1.0" encoding="utf-8"?>
-<p:sld xmlns:a="http://schemas.openxmlformats.org/drawingml/2006/main" xmlns:r="http://schemas.openxmlformats.org/officeDocument/2006/relationships" xmlns:p="http://schemas.openxmlformats.org/presentationml/2006/main">
-  <p:cSld>
-    <p:spTree>
-      <p:nvGrpSpPr>
-        <p:cNvPr id="1" name=""/>
-        <p:cNvGrpSpPr/>
-        <p:nvPr/>
-      </p:nvGrpSpPr>
-      <p:grpSpPr>
-        <a:xfrm>
-          <a:off x="0" y="0"/>
-          <a:ext cx="0" cy="0"/>
-          <a:chOff x="0" y="0"/>
-          <a:chExt cx="0" cy="0"/>
-        </a:xfrm>
-      </p:grpSpPr>
-      <p:sp>
-        <p:nvSpPr>
-          <p:cNvPr id="6" name="正方形/長方形 5"/>
-          <p:cNvSpPr/>
-          <p:nvPr/>
-        </p:nvSpPr>
-        <p:spPr>
-          <a:xfrm>
-            <a:off x="2303803" y="1226917"/>
-            <a:ext cx="5942673" cy="5428526"/>
-          </a:xfrm>
-          <a:prstGeom prst="rect">
-            <a:avLst/>
-          </a:prstGeom>
-        </p:spPr>
-        <p:style>
-          <a:lnRef idx="2">
-            <a:schemeClr val="dk1"/>
-          </a:lnRef>
-          <a:fillRef idx="1">
-            <a:schemeClr val="lt1"/>
-          </a:fillRef>
-          <a:effectRef idx="0">
-            <a:schemeClr val="dk1"/>
-          </a:effectRef>
-          <a:fontRef idx="minor">
-            <a:schemeClr val="dk1"/>
-          </a:fontRef>
-        </p:style>
-        <p:txBody>
-          <a:bodyPr rtlCol="0" anchor="ctr"/>
-          <a:lstStyle/>
-          <a:p>
-            <a:pPr algn="ctr"/>
-            <a:endParaRPr kumimoji="1" lang="ja-JP" altLang="en-US" sz="2400" dirty="0"/>
-          </a:p>
-        </p:txBody>
-      </p:sp>
-      <p:sp>
-        <p:nvSpPr>
-          <p:cNvPr id="2" name="タイトル 1"/>
-          <p:cNvSpPr>
-            <a:spLocks noGrp="1"/>
-          </p:cNvSpPr>
-          <p:nvPr>
-            <p:ph type="title"/>
-          </p:nvPr>
-        </p:nvSpPr>
-        <p:spPr>
-          <a:xfrm>
-            <a:off x="3303609" y="85884"/>
-            <a:ext cx="4104190" cy="954388"/>
-          </a:xfrm>
-        </p:spPr>
-        <p:txBody>
-          <a:bodyPr>
-            <a:normAutofit/>
-          </a:bodyPr>
-          <a:lstStyle/>
-          <a:p>
-            <a:r>
-              <a:rPr lang="en-US" altLang="ja-JP" sz="3200" dirty="0" err="1"/>
-              <a:t>W</a:t>
-            </a:r>
-            <a:r>
-              <a:rPr kumimoji="1" lang="en-US" altLang="ja-JP" sz="3200" dirty="0" err="1"/>
-              <a:t>ordCloud</a:t>
-            </a:r>
-            <a:r>
-              <a:rPr lang="ja-JP" altLang="en-US" sz="3200" dirty="0"/>
-              <a:t>確認画面</a:t>
-            </a:r>
-            <a:endParaRPr kumimoji="1" lang="ja-JP" altLang="en-US" sz="3200" dirty="0"/>
-          </a:p>
-        </p:txBody>
-      </p:sp>
-      <p:pic>
-        <p:nvPicPr>
-          <p:cNvPr id="5" name="図 4"/>
-          <p:cNvPicPr>
-            <a:picLocks noChangeAspect="1"/>
-          </p:cNvPicPr>
-          <p:nvPr/>
-        </p:nvPicPr>
-        <p:blipFill>
-          <a:blip r:embed="rId2">
-            <a:extLst>
-              <a:ext uri="{28A0092B-C50C-407E-A947-70E740481C1C}">
-                <a14:useLocalDpi xmlns:a14="http://schemas.microsoft.com/office/drawing/2010/main" val="0"/>
-              </a:ext>
-            </a:extLst>
-          </a:blip>
-          <a:stretch>
-            <a:fillRect/>
-          </a:stretch>
-        </p:blipFill>
-        <p:spPr>
-          <a:xfrm>
-            <a:off x="2572450" y="1500368"/>
-            <a:ext cx="5405378" cy="4530042"/>
-          </a:xfrm>
-          <a:prstGeom prst="rect">
-            <a:avLst/>
-          </a:prstGeom>
-        </p:spPr>
-      </p:pic>
-      <p:sp>
-        <p:nvSpPr>
-          <p:cNvPr id="7" name="正方形/長方形 6"/>
-          <p:cNvSpPr/>
-          <p:nvPr/>
-        </p:nvSpPr>
-        <p:spPr>
-          <a:xfrm>
-            <a:off x="2303803" y="766821"/>
-            <a:ext cx="5942673" cy="460096"/>
-          </a:xfrm>
-          <a:prstGeom prst="rect">
-            <a:avLst/>
-          </a:prstGeom>
-        </p:spPr>
-        <p:style>
-          <a:lnRef idx="2">
-            <a:schemeClr val="dk1"/>
-          </a:lnRef>
-          <a:fillRef idx="1">
-            <a:schemeClr val="lt1"/>
-          </a:fillRef>
-          <a:effectRef idx="0">
-            <a:schemeClr val="dk1"/>
-          </a:effectRef>
-          <a:fontRef idx="minor">
-            <a:schemeClr val="dk1"/>
-          </a:fontRef>
-        </p:style>
-        <p:txBody>
-          <a:bodyPr rtlCol="0" anchor="ctr"/>
-          <a:lstStyle/>
-          <a:p>
-            <a:r>
-              <a:rPr lang="en-US" altLang="ja-JP" sz="2400" dirty="0" err="1"/>
-              <a:t>wordcloud</a:t>
-            </a:r>
-            <a:endParaRPr kumimoji="1" lang="ja-JP" altLang="en-US" sz="2400" dirty="0"/>
-          </a:p>
-        </p:txBody>
-      </p:sp>
-      <p:sp>
-        <p:nvSpPr>
-          <p:cNvPr id="8" name="テキスト ボックス 7"/>
-          <p:cNvSpPr txBox="1"/>
-          <p:nvPr/>
-        </p:nvSpPr>
-        <p:spPr>
-          <a:xfrm>
-            <a:off x="8603973" y="3202516"/>
-            <a:ext cx="3433698" cy="923330"/>
-          </a:xfrm>
-          <a:prstGeom prst="rect">
-            <a:avLst/>
-          </a:prstGeom>
-          <a:noFill/>
-        </p:spPr>
-        <p:txBody>
-          <a:bodyPr wrap="square" rtlCol="0">
-            <a:spAutoFit/>
-          </a:bodyPr>
-          <a:lstStyle/>
-          <a:p>
-            <a:r>
-              <a:rPr lang="ja-JP" altLang="en-US" dirty="0"/>
-              <a:t>＊画像はイメージ</a:t>
-            </a:r>
-            <a:endParaRPr lang="en-US" altLang="ja-JP" dirty="0"/>
-          </a:p>
-          <a:p>
-            <a:r>
-              <a:rPr lang="ja-JP" altLang="en-US" dirty="0"/>
-              <a:t>　使われた季語などについての　　　　　　　　　　　　</a:t>
-            </a:r>
-            <a:r>
-              <a:rPr lang="en-US" altLang="ja-JP" dirty="0" err="1"/>
-              <a:t>wordcloud</a:t>
-            </a:r>
-            <a:r>
-              <a:rPr lang="ja-JP" altLang="en-US" dirty="0"/>
-              <a:t>を表示する</a:t>
-            </a:r>
-            <a:endParaRPr kumimoji="1" lang="ja-JP" altLang="en-US" dirty="0"/>
-          </a:p>
-        </p:txBody>
-      </p:sp>
-    </p:spTree>
-    <p:extLst>
-      <p:ext uri="{BB962C8B-B14F-4D97-AF65-F5344CB8AC3E}">
-        <p14:creationId xmlns:p14="http://schemas.microsoft.com/office/powerpoint/2010/main" val="3979398588"/>
-      </p:ext>
-    </p:extLst>
-  </p:cSld>
-  <p:clrMapOvr>
-    <a:masterClrMapping/>
-  </p:clrMapOvr>
-</p:sld>
-</file>
-
-<file path=ppt/slides/slide7.xml><?xml version="1.0" encoding="utf-8"?>
-<p:sld xmlns:a="http://schemas.openxmlformats.org/drawingml/2006/main" xmlns:r="http://schemas.openxmlformats.org/officeDocument/2006/relationships" xmlns:p="http://schemas.openxmlformats.org/presentationml/2006/main">
-  <p:cSld>
-    <p:spTree>
-      <p:nvGrpSpPr>
-        <p:cNvPr id="1" name=""/>
-        <p:cNvGrpSpPr/>
-        <p:nvPr/>
-      </p:nvGrpSpPr>
-      <p:grpSpPr>
-        <a:xfrm>
-          <a:off x="0" y="0"/>
-          <a:ext cx="0" cy="0"/>
-          <a:chOff x="0" y="0"/>
-          <a:chExt cx="0" cy="0"/>
-        </a:xfrm>
-      </p:grpSpPr>
-      <p:sp>
-        <p:nvSpPr>
-          <p:cNvPr id="4" name="正方形/長方形 3"/>
-          <p:cNvSpPr/>
-          <p:nvPr/>
-        </p:nvSpPr>
-        <p:spPr>
-          <a:xfrm>
-            <a:off x="2552657" y="1101309"/>
-            <a:ext cx="6105206" cy="5521122"/>
-          </a:xfrm>
-          <a:prstGeom prst="rect">
-            <a:avLst/>
-          </a:prstGeom>
-        </p:spPr>
-        <p:style>
-          <a:lnRef idx="2">
-            <a:schemeClr val="dk1"/>
-          </a:lnRef>
-          <a:fillRef idx="1">
-            <a:schemeClr val="lt1"/>
-          </a:fillRef>
-          <a:effectRef idx="0">
-            <a:schemeClr val="dk1"/>
-          </a:effectRef>
-          <a:fontRef idx="minor">
-            <a:schemeClr val="dk1"/>
-          </a:fontRef>
-        </p:style>
-        <p:txBody>
-          <a:bodyPr rtlCol="0" anchor="ctr"/>
-          <a:lstStyle/>
-          <a:p>
-            <a:pPr algn="ctr"/>
-            <a:endParaRPr kumimoji="1" lang="ja-JP" altLang="en-US" sz="2400" dirty="0"/>
-          </a:p>
-        </p:txBody>
-      </p:sp>
-      <p:pic>
-        <p:nvPicPr>
-          <p:cNvPr id="10" name="図 9"/>
-          <p:cNvPicPr>
-            <a:picLocks noChangeAspect="1"/>
-          </p:cNvPicPr>
-          <p:nvPr/>
-        </p:nvPicPr>
-        <p:blipFill>
-          <a:blip r:embed="rId2">
-            <a:extLst>
-              <a:ext uri="{28A0092B-C50C-407E-A947-70E740481C1C}">
-                <a14:useLocalDpi xmlns:a14="http://schemas.microsoft.com/office/drawing/2010/main" val="0"/>
-              </a:ext>
-            </a:extLst>
-          </a:blip>
-          <a:stretch>
-            <a:fillRect/>
-          </a:stretch>
-        </p:blipFill>
-        <p:spPr>
-          <a:xfrm>
-            <a:off x="2571217" y="1101309"/>
-            <a:ext cx="6086646" cy="5405630"/>
-          </a:xfrm>
-          <a:prstGeom prst="rect">
-            <a:avLst/>
-          </a:prstGeom>
-        </p:spPr>
-      </p:pic>
-      <p:sp>
-        <p:nvSpPr>
-          <p:cNvPr id="5" name="タイトル 1"/>
-          <p:cNvSpPr>
-            <a:spLocks noGrp="1"/>
-          </p:cNvSpPr>
-          <p:nvPr>
-            <p:ph type="title"/>
-          </p:nvPr>
-        </p:nvSpPr>
-        <p:spPr>
-          <a:xfrm>
-            <a:off x="2714482" y="0"/>
-            <a:ext cx="5532699" cy="871261"/>
-          </a:xfrm>
-        </p:spPr>
-        <p:txBody>
-          <a:bodyPr>
-            <a:normAutofit/>
-          </a:bodyPr>
-          <a:lstStyle/>
-          <a:p>
-            <a:pPr algn="ctr"/>
-            <a:r>
-              <a:rPr kumimoji="1" lang="ja-JP" altLang="en-US" sz="3200" dirty="0"/>
-              <a:t>俳句表示画面</a:t>
-            </a:r>
-          </a:p>
-        </p:txBody>
-      </p:sp>
-      <p:sp>
-        <p:nvSpPr>
-          <p:cNvPr id="6" name="正方形/長方形 5"/>
-          <p:cNvSpPr/>
-          <p:nvPr/>
-        </p:nvSpPr>
-        <p:spPr>
-          <a:xfrm>
-            <a:off x="2552657" y="641213"/>
-            <a:ext cx="6105206" cy="460096"/>
-          </a:xfrm>
-          <a:prstGeom prst="rect">
-            <a:avLst/>
-          </a:prstGeom>
-        </p:spPr>
-        <p:style>
-          <a:lnRef idx="2">
-            <a:schemeClr val="dk1"/>
-          </a:lnRef>
-          <a:fillRef idx="1">
-            <a:schemeClr val="lt1"/>
-          </a:fillRef>
-          <a:effectRef idx="0">
-            <a:schemeClr val="dk1"/>
-          </a:effectRef>
-          <a:fontRef idx="minor">
-            <a:schemeClr val="dk1"/>
-          </a:fontRef>
-        </p:style>
-        <p:txBody>
-          <a:bodyPr rtlCol="0" anchor="ctr"/>
-          <a:lstStyle/>
-          <a:p>
-            <a:r>
-              <a:rPr lang="ja-JP" altLang="en-US" sz="2400" dirty="0"/>
-              <a:t>俳句表示</a:t>
-            </a:r>
-            <a:endParaRPr kumimoji="1" lang="ja-JP" altLang="en-US" sz="2400" dirty="0"/>
-          </a:p>
-        </p:txBody>
-      </p:sp>
-      <p:sp>
-        <p:nvSpPr>
-          <p:cNvPr id="7" name="正方形/長方形 6"/>
-          <p:cNvSpPr/>
-          <p:nvPr/>
-        </p:nvSpPr>
-        <p:spPr>
-          <a:xfrm>
-            <a:off x="6645118" y="1771517"/>
-            <a:ext cx="509287" cy="3140872"/>
-          </a:xfrm>
-          <a:prstGeom prst="rect">
-            <a:avLst/>
-          </a:prstGeom>
-        </p:spPr>
-        <p:style>
-          <a:lnRef idx="2">
-            <a:schemeClr val="dk1"/>
-          </a:lnRef>
-          <a:fillRef idx="1">
-            <a:schemeClr val="lt1"/>
-          </a:fillRef>
-          <a:effectRef idx="0">
-            <a:schemeClr val="dk1"/>
-          </a:effectRef>
-          <a:fontRef idx="minor">
-            <a:schemeClr val="dk1"/>
-          </a:fontRef>
-        </p:style>
-        <p:txBody>
-          <a:bodyPr vert="eaVert" rtlCol="0" anchor="ctr"/>
-          <a:lstStyle/>
-          <a:p>
-            <a:pPr algn="ctr"/>
-            <a:r>
-              <a:rPr kumimoji="1" lang="en-US" altLang="ja-JP" sz="2400" dirty="0"/>
-              <a:t>5</a:t>
-            </a:r>
-            <a:endParaRPr kumimoji="1" lang="ja-JP" altLang="en-US" sz="2400" dirty="0"/>
-          </a:p>
-        </p:txBody>
-      </p:sp>
-      <p:sp>
-        <p:nvSpPr>
-          <p:cNvPr id="8" name="正方形/長方形 7"/>
-          <p:cNvSpPr/>
-          <p:nvPr/>
-        </p:nvSpPr>
-        <p:spPr>
-          <a:xfrm>
-            <a:off x="3906231" y="1731242"/>
-            <a:ext cx="509287" cy="3118018"/>
-          </a:xfrm>
-          <a:prstGeom prst="rect">
-            <a:avLst/>
-          </a:prstGeom>
-        </p:spPr>
-        <p:style>
-          <a:lnRef idx="2">
-            <a:schemeClr val="dk1"/>
-          </a:lnRef>
-          <a:fillRef idx="1">
-            <a:schemeClr val="lt1"/>
-          </a:fillRef>
-          <a:effectRef idx="0">
-            <a:schemeClr val="dk1"/>
-          </a:effectRef>
-          <a:fontRef idx="minor">
-            <a:schemeClr val="dk1"/>
-          </a:fontRef>
-        </p:style>
-        <p:txBody>
-          <a:bodyPr vert="eaVert" rtlCol="0" anchor="ctr"/>
-          <a:lstStyle/>
-          <a:p>
-            <a:pPr algn="ctr"/>
-            <a:r>
-              <a:rPr kumimoji="1" lang="en-US" altLang="ja-JP" sz="2400" dirty="0"/>
-              <a:t>5</a:t>
-            </a:r>
-            <a:endParaRPr kumimoji="1" lang="ja-JP" altLang="en-US" sz="2400" dirty="0"/>
-          </a:p>
-        </p:txBody>
-      </p:sp>
-      <p:sp>
-        <p:nvSpPr>
-          <p:cNvPr id="9" name="正方形/長方形 8"/>
-          <p:cNvSpPr/>
-          <p:nvPr/>
-        </p:nvSpPr>
-        <p:spPr>
-          <a:xfrm>
-            <a:off x="5247092" y="1771517"/>
-            <a:ext cx="566452" cy="3832388"/>
-          </a:xfrm>
-          <a:prstGeom prst="rect">
-            <a:avLst/>
-          </a:prstGeom>
-        </p:spPr>
-        <p:style>
-          <a:lnRef idx="2">
-            <a:schemeClr val="dk1"/>
-          </a:lnRef>
-          <a:fillRef idx="1">
-            <a:schemeClr val="lt1"/>
-          </a:fillRef>
-          <a:effectRef idx="0">
-            <a:schemeClr val="dk1"/>
-          </a:effectRef>
-          <a:fontRef idx="minor">
-            <a:schemeClr val="dk1"/>
-          </a:fontRef>
-        </p:style>
-        <p:txBody>
-          <a:bodyPr vert="eaVert" rtlCol="0" anchor="ctr"/>
-          <a:lstStyle/>
-          <a:p>
-            <a:pPr algn="ctr"/>
-            <a:r>
-              <a:rPr kumimoji="1" lang="en-US" altLang="ja-JP" sz="2400" dirty="0"/>
-              <a:t>7</a:t>
-            </a:r>
-            <a:endParaRPr kumimoji="1" lang="ja-JP" altLang="en-US" sz="2400" dirty="0"/>
-          </a:p>
-        </p:txBody>
-      </p:sp>
-      <p:sp>
-        <p:nvSpPr>
-          <p:cNvPr id="11" name="正方形/長方形 10"/>
-          <p:cNvSpPr/>
-          <p:nvPr/>
-        </p:nvSpPr>
-        <p:spPr>
-          <a:xfrm>
-            <a:off x="2789493" y="5798569"/>
-            <a:ext cx="2491456" cy="405113"/>
-          </a:xfrm>
-          <a:prstGeom prst="rect">
-            <a:avLst/>
-          </a:prstGeom>
-          <a:solidFill>
-            <a:schemeClr val="accent1">
-              <a:lumMod val="60000"/>
-              <a:lumOff val="40000"/>
-            </a:schemeClr>
-          </a:solidFill>
-        </p:spPr>
-        <p:style>
-          <a:lnRef idx="2">
-            <a:schemeClr val="dk1"/>
-          </a:lnRef>
-          <a:fillRef idx="1">
-            <a:schemeClr val="lt1"/>
-          </a:fillRef>
-          <a:effectRef idx="0">
-            <a:schemeClr val="dk1"/>
-          </a:effectRef>
-          <a:fontRef idx="minor">
-            <a:schemeClr val="dk1"/>
-          </a:fontRef>
-        </p:style>
-        <p:txBody>
-          <a:bodyPr rtlCol="0" anchor="ctr"/>
-          <a:lstStyle/>
-          <a:p>
-            <a:r>
-              <a:rPr kumimoji="1" lang="ja-JP" altLang="en-US" sz="2400" dirty="0"/>
-              <a:t>　　　ツイート</a:t>
-            </a:r>
-          </a:p>
-        </p:txBody>
-      </p:sp>
-      <p:pic>
-        <p:nvPicPr>
-          <p:cNvPr id="12" name="図 11"/>
-          <p:cNvPicPr>
-            <a:picLocks noChangeAspect="1"/>
-          </p:cNvPicPr>
-          <p:nvPr/>
-        </p:nvPicPr>
-        <p:blipFill>
-          <a:blip r:embed="rId3">
-            <a:extLst>
-              <a:ext uri="{28A0092B-C50C-407E-A947-70E740481C1C}">
-                <a14:useLocalDpi xmlns:a14="http://schemas.microsoft.com/office/drawing/2010/main" val="0"/>
-              </a:ext>
-            </a:extLst>
-          </a:blip>
-          <a:stretch>
-            <a:fillRect/>
-          </a:stretch>
-        </p:blipFill>
-        <p:spPr>
-          <a:xfrm>
-            <a:off x="2789493" y="5837001"/>
-            <a:ext cx="598770" cy="355453"/>
-          </a:xfrm>
-          <a:prstGeom prst="rect">
-            <a:avLst/>
-          </a:prstGeom>
-        </p:spPr>
-      </p:pic>
-      <p:sp>
-        <p:nvSpPr>
-          <p:cNvPr id="13" name="テキスト ボックス 12"/>
-          <p:cNvSpPr txBox="1"/>
-          <p:nvPr/>
-        </p:nvSpPr>
-        <p:spPr>
-          <a:xfrm>
-            <a:off x="9271320" y="1551006"/>
-            <a:ext cx="2523281" cy="1200329"/>
-          </a:xfrm>
-          <a:prstGeom prst="rect">
-            <a:avLst/>
-          </a:prstGeom>
-          <a:noFill/>
-        </p:spPr>
-        <p:txBody>
-          <a:bodyPr wrap="square" rtlCol="0">
-            <a:spAutoFit/>
-          </a:bodyPr>
-          <a:lstStyle/>
-          <a:p>
-            <a:r>
-              <a:rPr kumimoji="1" lang="ja-JP" altLang="en-US" dirty="0"/>
-              <a:t>＊背景には字句解析により得られた俳句内の</a:t>
-            </a:r>
-            <a:r>
-              <a:rPr lang="ja-JP" altLang="en-US" dirty="0"/>
-              <a:t>季語、</a:t>
-            </a:r>
-            <a:r>
-              <a:rPr kumimoji="1" lang="ja-JP" altLang="en-US" dirty="0"/>
-              <a:t>固有名詞の加工画像を合成。</a:t>
-            </a:r>
-          </a:p>
-        </p:txBody>
-      </p:sp>
-      <p:sp>
-        <p:nvSpPr>
-          <p:cNvPr id="15" name="正方形/長方形 14"/>
-          <p:cNvSpPr/>
-          <p:nvPr/>
-        </p:nvSpPr>
-        <p:spPr>
-          <a:xfrm>
-            <a:off x="5737327" y="5809798"/>
-            <a:ext cx="2464157" cy="382656"/>
-          </a:xfrm>
-          <a:prstGeom prst="rect">
-            <a:avLst/>
-          </a:prstGeom>
-          <a:solidFill>
-            <a:schemeClr val="accent4">
-              <a:lumMod val="60000"/>
-              <a:lumOff val="40000"/>
-            </a:schemeClr>
-          </a:solidFill>
-        </p:spPr>
-        <p:style>
-          <a:lnRef idx="2">
-            <a:schemeClr val="dk1"/>
-          </a:lnRef>
-          <a:fillRef idx="1">
-            <a:schemeClr val="lt1"/>
-          </a:fillRef>
-          <a:effectRef idx="0">
-            <a:schemeClr val="dk1"/>
-          </a:effectRef>
-          <a:fontRef idx="minor">
-            <a:schemeClr val="dk1"/>
-          </a:fontRef>
-        </p:style>
-        <p:txBody>
-          <a:bodyPr rtlCol="0" anchor="ctr"/>
-          <a:lstStyle/>
-          <a:p>
-            <a:pPr algn="ctr"/>
-            <a:r>
-              <a:rPr lang="ja-JP" altLang="en-US" dirty="0"/>
-              <a:t>もう</a:t>
-            </a:r>
-            <a:r>
-              <a:rPr lang="en-US" altLang="ja-JP" dirty="0"/>
-              <a:t>1</a:t>
-            </a:r>
-            <a:r>
-              <a:rPr lang="ja-JP" altLang="en-US" dirty="0"/>
-              <a:t>句</a:t>
-            </a:r>
-            <a:endParaRPr kumimoji="1" lang="ja-JP" altLang="en-US" dirty="0"/>
-          </a:p>
-        </p:txBody>
-      </p:sp>
-      <p:sp>
-        <p:nvSpPr>
-          <p:cNvPr id="16" name="テキスト ボックス 15"/>
-          <p:cNvSpPr txBox="1"/>
-          <p:nvPr/>
-        </p:nvSpPr>
-        <p:spPr>
-          <a:xfrm>
-            <a:off x="9271319" y="3712060"/>
-            <a:ext cx="2523281" cy="369332"/>
-          </a:xfrm>
-          <a:prstGeom prst="rect">
-            <a:avLst/>
-          </a:prstGeom>
-          <a:noFill/>
-        </p:spPr>
-        <p:txBody>
-          <a:bodyPr wrap="square" rtlCol="0">
-            <a:spAutoFit/>
-          </a:bodyPr>
-          <a:lstStyle/>
-          <a:p>
-            <a:r>
-              <a:rPr kumimoji="1" lang="ja-JP" altLang="en-US" dirty="0"/>
-              <a:t>＊季語の春、夏、秋</a:t>
-            </a:r>
-          </a:p>
-        </p:txBody>
-      </p:sp>
-    </p:spTree>
-    <p:extLst>
-      <p:ext uri="{BB962C8B-B14F-4D97-AF65-F5344CB8AC3E}">
-        <p14:creationId xmlns:p14="http://schemas.microsoft.com/office/powerpoint/2010/main" val="1897407992"/>
-      </p:ext>
-    </p:extLst>
-  </p:cSld>
-  <p:clrMapOvr>
-    <a:masterClrMapping/>
-  </p:clrMapOvr>
+  <p:timing>
+    <p:tnLst>
+      <p:par>
+        <p:cTn xmlns:p14="http://schemas.microsoft.com/office/powerpoint/2010/main" id="1" dur="indefinite" restart="never" nodeType="tmRoot"/>
+      </p:par>
+    </p:tnLst>
+  </p:timing>
 </p:sld>
 </file>
 
@@ -5818,7 +6299,7 @@
         </p:nvSpPr>
         <p:spPr bwMode="auto">
           <a:xfrm>
-            <a:off x="3598863" y="1801813"/>
+            <a:off x="8479292" y="5521097"/>
             <a:ext cx="1536700" cy="431800"/>
           </a:xfrm>
           <a:prstGeom prst="roundRect">
@@ -5918,15 +6399,15 @@
           <p:cNvPr id="7171" name="AutoShape 5"/>
           <p:cNvCxnSpPr>
             <a:cxnSpLocks noChangeShapeType="1"/>
-            <a:stCxn id="7169" idx="2"/>
-            <a:endCxn id="7170" idx="0"/>
+            <a:stCxn id="7173" idx="2"/>
+            <a:endCxn id="7169" idx="0"/>
           </p:cNvCxnSpPr>
           <p:nvPr/>
         </p:nvCxnSpPr>
         <p:spPr bwMode="auto">
           <a:xfrm>
-            <a:off x="4367213" y="2233613"/>
-            <a:ext cx="965200" cy="444500"/>
+            <a:off x="7242176" y="4505325"/>
+            <a:ext cx="2005466" cy="1015772"/>
           </a:xfrm>
           <a:prstGeom prst="straightConnector1">
             <a:avLst/>
@@ -5936,6 +6417,7 @@
             <a:solidFill>
               <a:schemeClr val="tx1"/>
             </a:solidFill>
+            <a:prstDash val="sysDash"/>
             <a:round/>
             <a:headEnd/>
             <a:tailEnd type="triangle" w="lg" len="lg"/>
@@ -6305,7 +6787,7 @@
               <a:schemeClr val="tx1"/>
             </a:solidFill>
             <a:round/>
-            <a:headEnd/>
+            <a:headEnd type="triangle" w="lg" len="lg"/>
             <a:tailEnd type="triangle" w="lg" len="lg"/>
           </a:ln>
           <a:extLst>
@@ -6492,6 +6974,328 @@
           </a:p>
         </p:txBody>
       </p:sp>
+      <p:sp>
+        <p:nvSpPr>
+          <p:cNvPr id="14" name="AutoShape 3"/>
+          <p:cNvSpPr>
+            <a:spLocks noChangeArrowheads="1"/>
+          </p:cNvSpPr>
+          <p:nvPr/>
+        </p:nvSpPr>
+        <p:spPr bwMode="auto">
+          <a:xfrm>
+            <a:off x="2444977" y="1101499"/>
+            <a:ext cx="1536700" cy="431800"/>
+          </a:xfrm>
+          <a:prstGeom prst="roundRect">
+            <a:avLst>
+              <a:gd name="adj" fmla="val 16667"/>
+            </a:avLst>
+          </a:prstGeom>
+          <a:noFill/>
+          <a:ln w="9525">
+            <a:solidFill>
+              <a:schemeClr val="tx1"/>
+            </a:solidFill>
+            <a:round/>
+            <a:headEnd/>
+            <a:tailEnd/>
+          </a:ln>
+          <a:extLst>
+            <a:ext uri="{909E8E84-426E-40dd-AFC4-6F175D3DCCD1}">
+              <a14:hiddenFill xmlns:a14="http://schemas.microsoft.com/office/drawing/2010/main">
+                <a:solidFill>
+                  <a:srgbClr val="FFFFFF"/>
+                </a:solidFill>
+              </a14:hiddenFill>
+            </a:ext>
+          </a:extLst>
+        </p:spPr>
+        <p:txBody>
+          <a:bodyPr wrap="none" anchor="ctr"/>
+          <a:lstStyle/>
+          <a:p>
+            <a:pPr algn="ctr"/>
+            <a:r>
+              <a:rPr lang="ja-JP" altLang="en-US" sz="2000" dirty="0" smtClean="0">
+                <a:ea typeface="游ゴシック" charset="0"/>
+                <a:cs typeface="游ゴシック" charset="0"/>
+              </a:rPr>
+              <a:t>タイトル</a:t>
+            </a:r>
+            <a:endParaRPr lang="ja-JP" altLang="en-US" sz="2000" dirty="0">
+              <a:ea typeface="游ゴシック" charset="0"/>
+              <a:cs typeface="游ゴシック" charset="0"/>
+            </a:endParaRPr>
+          </a:p>
+        </p:txBody>
+      </p:sp>
+      <p:cxnSp>
+        <p:nvCxnSpPr>
+          <p:cNvPr id="15" name="AutoShape 5"/>
+          <p:cNvCxnSpPr>
+            <a:cxnSpLocks noChangeShapeType="1"/>
+            <a:stCxn id="14" idx="2"/>
+            <a:endCxn id="7170" idx="0"/>
+          </p:cNvCxnSpPr>
+          <p:nvPr/>
+        </p:nvCxnSpPr>
+        <p:spPr bwMode="auto">
+          <a:xfrm>
+            <a:off x="3213327" y="1533299"/>
+            <a:ext cx="2119086" cy="1144814"/>
+          </a:xfrm>
+          <a:prstGeom prst="straightConnector1">
+            <a:avLst/>
+          </a:prstGeom>
+          <a:noFill/>
+          <a:ln w="9525">
+            <a:solidFill>
+              <a:schemeClr val="tx1"/>
+            </a:solidFill>
+            <a:round/>
+            <a:headEnd/>
+            <a:tailEnd type="triangle" w="lg" len="lg"/>
+          </a:ln>
+          <a:extLst>
+            <a:ext uri="{909E8E84-426E-40dd-AFC4-6F175D3DCCD1}">
+              <a14:hiddenFill xmlns:a14="http://schemas.microsoft.com/office/drawing/2010/main">
+                <a:noFill/>
+              </a14:hiddenFill>
+            </a:ext>
+          </a:extLst>
+        </p:spPr>
+      </p:cxnSp>
+      <p:cxnSp>
+        <p:nvCxnSpPr>
+          <p:cNvPr id="27" name="カギ線コネクタ 26"/>
+          <p:cNvCxnSpPr>
+            <a:stCxn id="31" idx="1"/>
+            <a:endCxn id="7173" idx="1"/>
+          </p:cNvCxnSpPr>
+          <p:nvPr/>
+        </p:nvCxnSpPr>
+        <p:spPr>
+          <a:xfrm rot="10800000">
+            <a:off x="5722938" y="4302126"/>
+            <a:ext cx="332468" cy="1460271"/>
+          </a:xfrm>
+          <a:prstGeom prst="bentConnector3">
+            <a:avLst>
+              <a:gd name="adj1" fmla="val 168758"/>
+            </a:avLst>
+          </a:prstGeom>
+          <a:ln w="9525" cmpd="sng">
+            <a:solidFill>
+              <a:schemeClr val="tx1"/>
+            </a:solidFill>
+            <a:tailEnd type="triangle" w="lg" len="lg"/>
+          </a:ln>
+        </p:spPr>
+        <p:style>
+          <a:lnRef idx="2">
+            <a:schemeClr val="accent1"/>
+          </a:lnRef>
+          <a:fillRef idx="0">
+            <a:schemeClr val="accent1"/>
+          </a:fillRef>
+          <a:effectRef idx="1">
+            <a:schemeClr val="accent1"/>
+          </a:effectRef>
+          <a:fontRef idx="minor">
+            <a:schemeClr val="tx1"/>
+          </a:fontRef>
+        </p:style>
+      </p:cxnSp>
+      <p:sp>
+        <p:nvSpPr>
+          <p:cNvPr id="31" name="AutoShape 3"/>
+          <p:cNvSpPr>
+            <a:spLocks noChangeArrowheads="1"/>
+          </p:cNvSpPr>
+          <p:nvPr/>
+        </p:nvSpPr>
+        <p:spPr bwMode="auto">
+          <a:xfrm>
+            <a:off x="6055406" y="5546496"/>
+            <a:ext cx="1536700" cy="431800"/>
+          </a:xfrm>
+          <a:prstGeom prst="roundRect">
+            <a:avLst>
+              <a:gd name="adj" fmla="val 16667"/>
+            </a:avLst>
+          </a:prstGeom>
+          <a:noFill/>
+          <a:ln w="9525">
+            <a:solidFill>
+              <a:schemeClr val="tx1"/>
+            </a:solidFill>
+            <a:round/>
+            <a:headEnd/>
+            <a:tailEnd/>
+          </a:ln>
+          <a:extLst>
+            <a:ext uri="{909E8E84-426E-40dd-AFC4-6F175D3DCCD1}">
+              <a14:hiddenFill xmlns:a14="http://schemas.microsoft.com/office/drawing/2010/main">
+                <a:solidFill>
+                  <a:srgbClr val="FFFFFF"/>
+                </a:solidFill>
+              </a14:hiddenFill>
+            </a:ext>
+          </a:extLst>
+        </p:spPr>
+        <p:txBody>
+          <a:bodyPr wrap="none" anchor="ctr"/>
+          <a:lstStyle/>
+          <a:p>
+            <a:pPr algn="ctr"/>
+            <a:r>
+              <a:rPr lang="ja-JP" altLang="en-US" sz="2000" dirty="0" smtClean="0">
+                <a:ea typeface="游ゴシック" charset="0"/>
+                <a:cs typeface="游ゴシック" charset="0"/>
+              </a:rPr>
+              <a:t>ツイート</a:t>
+            </a:r>
+            <a:endParaRPr lang="ja-JP" altLang="en-US" sz="2000" dirty="0">
+              <a:ea typeface="游ゴシック" charset="0"/>
+              <a:cs typeface="游ゴシック" charset="0"/>
+            </a:endParaRPr>
+          </a:p>
+        </p:txBody>
+      </p:sp>
+      <p:cxnSp>
+        <p:nvCxnSpPr>
+          <p:cNvPr id="34" name="AutoShape 5"/>
+          <p:cNvCxnSpPr>
+            <a:cxnSpLocks noChangeShapeType="1"/>
+            <a:stCxn id="7169" idx="1"/>
+            <a:endCxn id="31" idx="3"/>
+          </p:cNvCxnSpPr>
+          <p:nvPr/>
+        </p:nvCxnSpPr>
+        <p:spPr bwMode="auto">
+          <a:xfrm flipH="1">
+            <a:off x="7592106" y="5736997"/>
+            <a:ext cx="887186" cy="25399"/>
+          </a:xfrm>
+          <a:prstGeom prst="straightConnector1">
+            <a:avLst/>
+          </a:prstGeom>
+          <a:noFill/>
+          <a:ln w="9525">
+            <a:solidFill>
+              <a:schemeClr val="tx1"/>
+            </a:solidFill>
+            <a:round/>
+            <a:headEnd/>
+            <a:tailEnd type="triangle" w="lg" len="lg"/>
+          </a:ln>
+          <a:extLst>
+            <a:ext uri="{909E8E84-426E-40dd-AFC4-6F175D3DCCD1}">
+              <a14:hiddenFill xmlns:a14="http://schemas.microsoft.com/office/drawing/2010/main">
+                <a:noFill/>
+              </a14:hiddenFill>
+            </a:ext>
+          </a:extLst>
+        </p:spPr>
+      </p:cxnSp>
+      <p:cxnSp>
+        <p:nvCxnSpPr>
+          <p:cNvPr id="37" name="AutoShape 5"/>
+          <p:cNvCxnSpPr>
+            <a:cxnSpLocks noChangeShapeType="1"/>
+            <a:stCxn id="7173" idx="2"/>
+            <a:endCxn id="31" idx="0"/>
+          </p:cNvCxnSpPr>
+          <p:nvPr/>
+        </p:nvCxnSpPr>
+        <p:spPr bwMode="auto">
+          <a:xfrm flipH="1">
+            <a:off x="6823756" y="4505325"/>
+            <a:ext cx="418420" cy="1041171"/>
+          </a:xfrm>
+          <a:prstGeom prst="straightConnector1">
+            <a:avLst/>
+          </a:prstGeom>
+          <a:noFill/>
+          <a:ln w="9525">
+            <a:solidFill>
+              <a:schemeClr val="tx1"/>
+            </a:solidFill>
+            <a:prstDash val="sysDash"/>
+            <a:round/>
+            <a:headEnd/>
+            <a:tailEnd type="triangle" w="lg" len="lg"/>
+          </a:ln>
+          <a:extLst>
+            <a:ext uri="{909E8E84-426E-40dd-AFC4-6F175D3DCCD1}">
+              <a14:hiddenFill xmlns:a14="http://schemas.microsoft.com/office/drawing/2010/main">
+                <a:noFill/>
+              </a14:hiddenFill>
+            </a:ext>
+          </a:extLst>
+        </p:spPr>
+      </p:cxnSp>
+      <p:sp>
+        <p:nvSpPr>
+          <p:cNvPr id="7181" name="テキスト ボックス 7180"/>
+          <p:cNvSpPr txBox="1"/>
+          <p:nvPr/>
+        </p:nvSpPr>
+        <p:spPr>
+          <a:xfrm>
+            <a:off x="5660571" y="4735286"/>
+            <a:ext cx="1578428" cy="369332"/>
+          </a:xfrm>
+          <a:prstGeom prst="rect">
+            <a:avLst/>
+          </a:prstGeom>
+          <a:noFill/>
+        </p:spPr>
+        <p:txBody>
+          <a:bodyPr wrap="square" rtlCol="0">
+            <a:spAutoFit/>
+          </a:bodyPr>
+          <a:lstStyle/>
+          <a:p>
+            <a:r>
+              <a:rPr kumimoji="1" lang="ja-JP" altLang="en-US" dirty="0" smtClean="0"/>
+              <a:t>ログイン済</a:t>
+            </a:r>
+            <a:endParaRPr kumimoji="1" lang="ja-JP" altLang="en-US" dirty="0"/>
+          </a:p>
+        </p:txBody>
+      </p:sp>
+      <p:sp>
+        <p:nvSpPr>
+          <p:cNvPr id="49" name="テキスト ボックス 48"/>
+          <p:cNvSpPr txBox="1"/>
+          <p:nvPr/>
+        </p:nvSpPr>
+        <p:spPr>
+          <a:xfrm>
+            <a:off x="8534400" y="4724400"/>
+            <a:ext cx="1578428" cy="369332"/>
+          </a:xfrm>
+          <a:prstGeom prst="rect">
+            <a:avLst/>
+          </a:prstGeom>
+          <a:noFill/>
+        </p:spPr>
+        <p:txBody>
+          <a:bodyPr wrap="square" rtlCol="0">
+            <a:spAutoFit/>
+          </a:bodyPr>
+          <a:lstStyle/>
+          <a:p>
+            <a:r>
+              <a:rPr kumimoji="1" lang="ja-JP" altLang="en-US" dirty="0" smtClean="0"/>
+              <a:t>未ログイン</a:t>
+            </a:r>
+            <a:endParaRPr kumimoji="1" lang="ja-JP" altLang="en-US" dirty="0"/>
+          </a:p>
+        </p:txBody>
+      </p:sp>
     </p:spTree>
     <p:extLst>
       <p:ext uri="{BB962C8B-B14F-4D97-AF65-F5344CB8AC3E}">
@@ -6502,6 +7306,13 @@
   <p:clrMapOvr>
     <a:masterClrMapping/>
   </p:clrMapOvr>
+  <p:timing>
+    <p:tnLst>
+      <p:par>
+        <p:cTn xmlns:p14="http://schemas.microsoft.com/office/powerpoint/2010/main" id="1" dur="indefinite" restart="never" nodeType="tmRoot"/>
+      </p:par>
+    </p:tnLst>
+  </p:timing>
 </p:sld>
 </file>
 
@@ -6794,7 +7605,7 @@
   <a:extraClrSchemeLst/>
   <a:extLst>
     <a:ext uri="{05A4C25C-085E-4340-85A3-A5531E510DB2}">
-      <thm15:themeFamily xmlns:thm15="http://schemas.microsoft.com/office/thememl/2012/main" xmlns="" name="Office Theme" id="{62F939B6-93AF-4DB8-9C6B-D6C7DFDC589F}" vid="{4A3C46E8-61CC-4603-A589-7422A47A8E4A}"/>
+      <thm15:themeFamily xmlns="" xmlns:thm15="http://schemas.microsoft.com/office/thememl/2012/main" name="Office Theme" id="{62F939B6-93AF-4DB8-9C6B-D6C7DFDC589F}" vid="{4A3C46E8-61CC-4603-A589-7422A47A8E4A}"/>
     </a:ext>
   </a:extLst>
 </a:theme>
